--- a/Official/MCO Design.pptx
+++ b/Official/MCO Design.pptx
@@ -5521,6 +5521,42 @@
         </a:p>
       </dgm:t>
     </dgm:pt>
+    <dgm:pt modelId="{FBAC9C05-519A-4AB7-B985-D9BE1A39A0B1}">
+      <dgm:prSet phldrT="[Text]"/>
+      <dgm:spPr/>
+      <dgm:t>
+        <a:bodyPr/>
+        <a:lstStyle/>
+        <a:p>
+          <a:r>
+            <a:rPr lang="en-PH" i="0" u="none" dirty="0"/>
+            <a:t>GET: /home/search/&lt;search&gt;</a:t>
+          </a:r>
+        </a:p>
+      </dgm:t>
+    </dgm:pt>
+    <dgm:pt modelId="{579C73EA-AC1B-47D0-8426-C21255916998}" type="parTrans" cxnId="{FD077AD2-0BF3-4EFB-91F6-46E700E229BB}">
+      <dgm:prSet/>
+      <dgm:spPr/>
+      <dgm:t>
+        <a:bodyPr/>
+        <a:lstStyle/>
+        <a:p>
+          <a:endParaRPr lang="en-PH"/>
+        </a:p>
+      </dgm:t>
+    </dgm:pt>
+    <dgm:pt modelId="{C09F2730-84BE-44BA-B0A5-5D57ACB94EC0}" type="sibTrans" cxnId="{FD077AD2-0BF3-4EFB-91F6-46E700E229BB}">
+      <dgm:prSet/>
+      <dgm:spPr/>
+      <dgm:t>
+        <a:bodyPr/>
+        <a:lstStyle/>
+        <a:p>
+          <a:endParaRPr lang="en-PH"/>
+        </a:p>
+      </dgm:t>
+    </dgm:pt>
     <dgm:pt modelId="{5F3FAA4C-44A3-470C-81C5-23BB7113FF75}" type="pres">
       <dgm:prSet presAssocID="{34BEB75E-ED6D-4113-9F50-1BF5F1954990}" presName="hierChild1" presStyleCnt="0">
         <dgm:presLayoutVars>
@@ -5595,7 +5631,7 @@
       <dgm:spPr/>
     </dgm:pt>
     <dgm:pt modelId="{32554A9C-FE4D-43F7-AEE1-C54D9D75C200}" type="pres">
-      <dgm:prSet presAssocID="{E8EB6F71-72ED-410E-A6D6-688CC4C8622F}" presName="Name37" presStyleLbl="parChTrans1D3" presStyleIdx="0" presStyleCnt="13"/>
+      <dgm:prSet presAssocID="{E8EB6F71-72ED-410E-A6D6-688CC4C8622F}" presName="Name37" presStyleLbl="parChTrans1D3" presStyleIdx="0" presStyleCnt="14"/>
       <dgm:spPr/>
     </dgm:pt>
     <dgm:pt modelId="{B90CC990-B130-4339-9559-D69CF90E88B4}" type="pres">
@@ -5611,7 +5647,7 @@
       <dgm:spPr/>
     </dgm:pt>
     <dgm:pt modelId="{3C293340-5887-41DE-859C-77675150C6EB}" type="pres">
-      <dgm:prSet presAssocID="{028C5DFA-CD08-425A-9808-BE49C21D580B}" presName="rootText" presStyleLbl="node3" presStyleIdx="0" presStyleCnt="13">
+      <dgm:prSet presAssocID="{028C5DFA-CD08-425A-9808-BE49C21D580B}" presName="rootText" presStyleLbl="node3" presStyleIdx="0" presStyleCnt="14">
         <dgm:presLayoutVars>
           <dgm:chPref val="3"/>
         </dgm:presLayoutVars>
@@ -5619,7 +5655,7 @@
       <dgm:spPr/>
     </dgm:pt>
     <dgm:pt modelId="{31730A28-5687-49A7-9084-9821AA2323E9}" type="pres">
-      <dgm:prSet presAssocID="{028C5DFA-CD08-425A-9808-BE49C21D580B}" presName="rootConnector" presStyleLbl="node3" presStyleIdx="0" presStyleCnt="13"/>
+      <dgm:prSet presAssocID="{028C5DFA-CD08-425A-9808-BE49C21D580B}" presName="rootConnector" presStyleLbl="node3" presStyleIdx="0" presStyleCnt="14"/>
       <dgm:spPr/>
     </dgm:pt>
     <dgm:pt modelId="{854997E6-49AF-48D8-846F-0DF8A234610E}" type="pres">
@@ -5667,7 +5703,7 @@
       <dgm:spPr/>
     </dgm:pt>
     <dgm:pt modelId="{FC1B4037-826A-4F44-80EE-641936EF98B7}" type="pres">
-      <dgm:prSet presAssocID="{0E41C96E-49F8-4F4A-AF74-A981293F785F}" presName="Name37" presStyleLbl="parChTrans1D3" presStyleIdx="1" presStyleCnt="13"/>
+      <dgm:prSet presAssocID="{0E41C96E-49F8-4F4A-AF74-A981293F785F}" presName="Name37" presStyleLbl="parChTrans1D3" presStyleIdx="1" presStyleCnt="14"/>
       <dgm:spPr/>
     </dgm:pt>
     <dgm:pt modelId="{3B7362A0-4644-4129-AD8D-83D094010059}" type="pres">
@@ -5683,7 +5719,7 @@
       <dgm:spPr/>
     </dgm:pt>
     <dgm:pt modelId="{5CEACDA1-7667-40A9-B874-25D1B1E21A99}" type="pres">
-      <dgm:prSet presAssocID="{332EBDA1-FC91-42DD-8C1E-2C7B445019B3}" presName="rootText" presStyleLbl="node3" presStyleIdx="1" presStyleCnt="13">
+      <dgm:prSet presAssocID="{332EBDA1-FC91-42DD-8C1E-2C7B445019B3}" presName="rootText" presStyleLbl="node3" presStyleIdx="1" presStyleCnt="14">
         <dgm:presLayoutVars>
           <dgm:chPref val="3"/>
         </dgm:presLayoutVars>
@@ -5691,7 +5727,7 @@
       <dgm:spPr/>
     </dgm:pt>
     <dgm:pt modelId="{1F530FFE-35D1-4609-8D1C-CEEB0EF8690E}" type="pres">
-      <dgm:prSet presAssocID="{332EBDA1-FC91-42DD-8C1E-2C7B445019B3}" presName="rootConnector" presStyleLbl="node3" presStyleIdx="1" presStyleCnt="13"/>
+      <dgm:prSet presAssocID="{332EBDA1-FC91-42DD-8C1E-2C7B445019B3}" presName="rootConnector" presStyleLbl="node3" presStyleIdx="1" presStyleCnt="14"/>
       <dgm:spPr/>
     </dgm:pt>
     <dgm:pt modelId="{681C3D72-8919-4649-B5A8-1D83A3949CB2}" type="pres">
@@ -5738,6 +5774,42 @@
       <dgm:prSet presAssocID="{44363CFA-628E-4026-88F3-8868490E44F8}" presName="hierChild4" presStyleCnt="0"/>
       <dgm:spPr/>
     </dgm:pt>
+    <dgm:pt modelId="{CD070373-8DF7-435C-92DB-D4837DF76FC3}" type="pres">
+      <dgm:prSet presAssocID="{579C73EA-AC1B-47D0-8426-C21255916998}" presName="Name37" presStyleLbl="parChTrans1D3" presStyleIdx="2" presStyleCnt="14"/>
+      <dgm:spPr/>
+    </dgm:pt>
+    <dgm:pt modelId="{57A23413-0351-4B01-B143-DF45D03C6A89}" type="pres">
+      <dgm:prSet presAssocID="{FBAC9C05-519A-4AB7-B985-D9BE1A39A0B1}" presName="hierRoot2" presStyleCnt="0">
+        <dgm:presLayoutVars>
+          <dgm:hierBranch val="init"/>
+        </dgm:presLayoutVars>
+      </dgm:prSet>
+      <dgm:spPr/>
+    </dgm:pt>
+    <dgm:pt modelId="{43C637BB-C0F7-48B7-BCB5-4C46ED31DC73}" type="pres">
+      <dgm:prSet presAssocID="{FBAC9C05-519A-4AB7-B985-D9BE1A39A0B1}" presName="rootComposite" presStyleCnt="0"/>
+      <dgm:spPr/>
+    </dgm:pt>
+    <dgm:pt modelId="{7BD205D8-B95D-44F8-9394-3A803C3AE7E3}" type="pres">
+      <dgm:prSet presAssocID="{FBAC9C05-519A-4AB7-B985-D9BE1A39A0B1}" presName="rootText" presStyleLbl="node3" presStyleIdx="2" presStyleCnt="14">
+        <dgm:presLayoutVars>
+          <dgm:chPref val="3"/>
+        </dgm:presLayoutVars>
+      </dgm:prSet>
+      <dgm:spPr/>
+    </dgm:pt>
+    <dgm:pt modelId="{390062A8-6670-4F37-9397-41D8E8C03E2B}" type="pres">
+      <dgm:prSet presAssocID="{FBAC9C05-519A-4AB7-B985-D9BE1A39A0B1}" presName="rootConnector" presStyleLbl="node3" presStyleIdx="2" presStyleCnt="14"/>
+      <dgm:spPr/>
+    </dgm:pt>
+    <dgm:pt modelId="{093E2217-0455-4C34-BA46-E099CA2EAF49}" type="pres">
+      <dgm:prSet presAssocID="{FBAC9C05-519A-4AB7-B985-D9BE1A39A0B1}" presName="hierChild4" presStyleCnt="0"/>
+      <dgm:spPr/>
+    </dgm:pt>
+    <dgm:pt modelId="{2EF7E96D-2F1E-468B-90A0-927051DAC862}" type="pres">
+      <dgm:prSet presAssocID="{FBAC9C05-519A-4AB7-B985-D9BE1A39A0B1}" presName="hierChild5" presStyleCnt="0"/>
+      <dgm:spPr/>
+    </dgm:pt>
     <dgm:pt modelId="{2B358511-A0D0-46D9-8267-856248CA4EE9}" type="pres">
       <dgm:prSet presAssocID="{44363CFA-628E-4026-88F3-8868490E44F8}" presName="hierChild5" presStyleCnt="0"/>
       <dgm:spPr/>
@@ -5775,7 +5847,7 @@
       <dgm:spPr/>
     </dgm:pt>
     <dgm:pt modelId="{104BA3A7-D652-47E4-9B20-83BB4665DF76}" type="pres">
-      <dgm:prSet presAssocID="{BF950D71-5670-40D6-AC0F-099BAE4EAFCE}" presName="Name37" presStyleLbl="parChTrans1D3" presStyleIdx="2" presStyleCnt="13"/>
+      <dgm:prSet presAssocID="{BF950D71-5670-40D6-AC0F-099BAE4EAFCE}" presName="Name37" presStyleLbl="parChTrans1D3" presStyleIdx="3" presStyleCnt="14"/>
       <dgm:spPr/>
     </dgm:pt>
     <dgm:pt modelId="{531B9504-8DE6-4712-98FE-50F6F2431DE0}" type="pres">
@@ -5791,7 +5863,7 @@
       <dgm:spPr/>
     </dgm:pt>
     <dgm:pt modelId="{7F097E5B-6209-4AF0-8ED0-402082DA0749}" type="pres">
-      <dgm:prSet presAssocID="{3C6EA423-D64F-4DC7-B184-24C9BC3512E8}" presName="rootText" presStyleLbl="node3" presStyleIdx="2" presStyleCnt="13">
+      <dgm:prSet presAssocID="{3C6EA423-D64F-4DC7-B184-24C9BC3512E8}" presName="rootText" presStyleLbl="node3" presStyleIdx="3" presStyleCnt="14">
         <dgm:presLayoutVars>
           <dgm:chPref val="3"/>
         </dgm:presLayoutVars>
@@ -5799,7 +5871,7 @@
       <dgm:spPr/>
     </dgm:pt>
     <dgm:pt modelId="{6326AB10-BB5C-4854-9D21-95B3803C563E}" type="pres">
-      <dgm:prSet presAssocID="{3C6EA423-D64F-4DC7-B184-24C9BC3512E8}" presName="rootConnector" presStyleLbl="node3" presStyleIdx="2" presStyleCnt="13"/>
+      <dgm:prSet presAssocID="{3C6EA423-D64F-4DC7-B184-24C9BC3512E8}" presName="rootConnector" presStyleLbl="node3" presStyleIdx="3" presStyleCnt="14"/>
       <dgm:spPr/>
     </dgm:pt>
     <dgm:pt modelId="{25A49672-0356-4BA3-BAB1-ADB32D08F479}" type="pres">
@@ -5811,7 +5883,7 @@
       <dgm:spPr/>
     </dgm:pt>
     <dgm:pt modelId="{246DDF7E-D086-468F-AD98-C5A107AC1D5D}" type="pres">
-      <dgm:prSet presAssocID="{B9579491-E72E-41C5-854B-F50C3EB1B30B}" presName="Name37" presStyleLbl="parChTrans1D3" presStyleIdx="3" presStyleCnt="13"/>
+      <dgm:prSet presAssocID="{B9579491-E72E-41C5-854B-F50C3EB1B30B}" presName="Name37" presStyleLbl="parChTrans1D3" presStyleIdx="4" presStyleCnt="14"/>
       <dgm:spPr/>
     </dgm:pt>
     <dgm:pt modelId="{CCBEDB89-BBC0-4E76-85D0-33739605D6D2}" type="pres">
@@ -5827,7 +5899,7 @@
       <dgm:spPr/>
     </dgm:pt>
     <dgm:pt modelId="{E50F9959-464F-43F9-8195-9C82C537826B}" type="pres">
-      <dgm:prSet presAssocID="{F1DABE6E-F8F2-4453-9AF1-0A543F993768}" presName="rootText" presStyleLbl="node3" presStyleIdx="3" presStyleCnt="13">
+      <dgm:prSet presAssocID="{F1DABE6E-F8F2-4453-9AF1-0A543F993768}" presName="rootText" presStyleLbl="node3" presStyleIdx="4" presStyleCnt="14">
         <dgm:presLayoutVars>
           <dgm:chPref val="3"/>
         </dgm:presLayoutVars>
@@ -5835,7 +5907,7 @@
       <dgm:spPr/>
     </dgm:pt>
     <dgm:pt modelId="{29A7D2B3-E83F-48D3-BA82-6C1B33C7D117}" type="pres">
-      <dgm:prSet presAssocID="{F1DABE6E-F8F2-4453-9AF1-0A543F993768}" presName="rootConnector" presStyleLbl="node3" presStyleIdx="3" presStyleCnt="13"/>
+      <dgm:prSet presAssocID="{F1DABE6E-F8F2-4453-9AF1-0A543F993768}" presName="rootConnector" presStyleLbl="node3" presStyleIdx="4" presStyleCnt="14"/>
       <dgm:spPr/>
     </dgm:pt>
     <dgm:pt modelId="{3F8B49D1-1470-4AFD-996C-55991B6E6161}" type="pres">
@@ -5847,7 +5919,7 @@
       <dgm:spPr/>
     </dgm:pt>
     <dgm:pt modelId="{F07C89FB-7AC0-4D6A-BF40-C0070FED0EE3}" type="pres">
-      <dgm:prSet presAssocID="{423859FD-096E-4927-9390-25344E903FBF}" presName="Name37" presStyleLbl="parChTrans1D3" presStyleIdx="4" presStyleCnt="13"/>
+      <dgm:prSet presAssocID="{423859FD-096E-4927-9390-25344E903FBF}" presName="Name37" presStyleLbl="parChTrans1D3" presStyleIdx="5" presStyleCnt="14"/>
       <dgm:spPr/>
     </dgm:pt>
     <dgm:pt modelId="{B5323093-C52B-4762-88CA-EB05C45B59E6}" type="pres">
@@ -5863,7 +5935,7 @@
       <dgm:spPr/>
     </dgm:pt>
     <dgm:pt modelId="{B99F24ED-3BC7-432A-B386-E1A66BAEF726}" type="pres">
-      <dgm:prSet presAssocID="{A1C6BA05-AD07-4670-B0CD-118E17FA1993}" presName="rootText" presStyleLbl="node3" presStyleIdx="4" presStyleCnt="13">
+      <dgm:prSet presAssocID="{A1C6BA05-AD07-4670-B0CD-118E17FA1993}" presName="rootText" presStyleLbl="node3" presStyleIdx="5" presStyleCnt="14">
         <dgm:presLayoutVars>
           <dgm:chPref val="3"/>
         </dgm:presLayoutVars>
@@ -5871,7 +5943,7 @@
       <dgm:spPr/>
     </dgm:pt>
     <dgm:pt modelId="{19FABE79-F8A2-4566-9B89-1E2FB5DFB7A6}" type="pres">
-      <dgm:prSet presAssocID="{A1C6BA05-AD07-4670-B0CD-118E17FA1993}" presName="rootConnector" presStyleLbl="node3" presStyleIdx="4" presStyleCnt="13"/>
+      <dgm:prSet presAssocID="{A1C6BA05-AD07-4670-B0CD-118E17FA1993}" presName="rootConnector" presStyleLbl="node3" presStyleIdx="5" presStyleCnt="14"/>
       <dgm:spPr/>
     </dgm:pt>
     <dgm:pt modelId="{96062C70-76CB-46F2-A12D-7691F85D67F8}" type="pres">
@@ -5883,7 +5955,7 @@
       <dgm:spPr/>
     </dgm:pt>
     <dgm:pt modelId="{ED24999A-CB54-48D6-8528-2545D016E1D3}" type="pres">
-      <dgm:prSet presAssocID="{57A8CB2D-79BE-4C74-9A37-D6A913DE1B82}" presName="Name37" presStyleLbl="parChTrans1D3" presStyleIdx="5" presStyleCnt="13"/>
+      <dgm:prSet presAssocID="{57A8CB2D-79BE-4C74-9A37-D6A913DE1B82}" presName="Name37" presStyleLbl="parChTrans1D3" presStyleIdx="6" presStyleCnt="14"/>
       <dgm:spPr/>
     </dgm:pt>
     <dgm:pt modelId="{C220EF82-2A32-455B-B92E-AB4AE94BE50C}" type="pres">
@@ -5899,7 +5971,7 @@
       <dgm:spPr/>
     </dgm:pt>
     <dgm:pt modelId="{1B492F86-1603-4E21-B660-DA6307964BAD}" type="pres">
-      <dgm:prSet presAssocID="{305846AD-47C4-463B-9DBE-6AA8AAAFD9CA}" presName="rootText" presStyleLbl="node3" presStyleIdx="5" presStyleCnt="13">
+      <dgm:prSet presAssocID="{305846AD-47C4-463B-9DBE-6AA8AAAFD9CA}" presName="rootText" presStyleLbl="node3" presStyleIdx="6" presStyleCnt="14">
         <dgm:presLayoutVars>
           <dgm:chPref val="3"/>
         </dgm:presLayoutVars>
@@ -5907,7 +5979,7 @@
       <dgm:spPr/>
     </dgm:pt>
     <dgm:pt modelId="{166FE553-CB8C-48D6-822E-56CDBDF78666}" type="pres">
-      <dgm:prSet presAssocID="{305846AD-47C4-463B-9DBE-6AA8AAAFD9CA}" presName="rootConnector" presStyleLbl="node3" presStyleIdx="5" presStyleCnt="13"/>
+      <dgm:prSet presAssocID="{305846AD-47C4-463B-9DBE-6AA8AAAFD9CA}" presName="rootConnector" presStyleLbl="node3" presStyleIdx="6" presStyleCnt="14"/>
       <dgm:spPr/>
     </dgm:pt>
     <dgm:pt modelId="{EDD082AB-8072-49AE-821E-1F6D02B72C2A}" type="pres">
@@ -5919,7 +5991,7 @@
       <dgm:spPr/>
     </dgm:pt>
     <dgm:pt modelId="{E4F616C8-77CD-4807-B795-EDC2BC3DD8F2}" type="pres">
-      <dgm:prSet presAssocID="{967C17FD-B87B-4CD0-BD44-345E2E5D2EA3}" presName="Name37" presStyleLbl="parChTrans1D3" presStyleIdx="6" presStyleCnt="13"/>
+      <dgm:prSet presAssocID="{967C17FD-B87B-4CD0-BD44-345E2E5D2EA3}" presName="Name37" presStyleLbl="parChTrans1D3" presStyleIdx="7" presStyleCnt="14"/>
       <dgm:spPr/>
     </dgm:pt>
     <dgm:pt modelId="{97BCDE9B-FA44-4866-B9CD-42F4D28FC57C}" type="pres">
@@ -5935,7 +6007,7 @@
       <dgm:spPr/>
     </dgm:pt>
     <dgm:pt modelId="{26976F64-C724-4705-94F5-0E6CD971C2E4}" type="pres">
-      <dgm:prSet presAssocID="{DE023E0B-5C31-4E35-A101-3DA3908C072F}" presName="rootText" presStyleLbl="node3" presStyleIdx="6" presStyleCnt="13">
+      <dgm:prSet presAssocID="{DE023E0B-5C31-4E35-A101-3DA3908C072F}" presName="rootText" presStyleLbl="node3" presStyleIdx="7" presStyleCnt="14">
         <dgm:presLayoutVars>
           <dgm:chPref val="3"/>
         </dgm:presLayoutVars>
@@ -5943,7 +6015,7 @@
       <dgm:spPr/>
     </dgm:pt>
     <dgm:pt modelId="{F5DA5587-5EB1-405E-8951-92F671AE6BE5}" type="pres">
-      <dgm:prSet presAssocID="{DE023E0B-5C31-4E35-A101-3DA3908C072F}" presName="rootConnector" presStyleLbl="node3" presStyleIdx="6" presStyleCnt="13"/>
+      <dgm:prSet presAssocID="{DE023E0B-5C31-4E35-A101-3DA3908C072F}" presName="rootConnector" presStyleLbl="node3" presStyleIdx="7" presStyleCnt="14"/>
       <dgm:spPr/>
     </dgm:pt>
     <dgm:pt modelId="{0BACCB52-5846-4B4E-82B3-B705AA185DE8}" type="pres">
@@ -5955,7 +6027,7 @@
       <dgm:spPr/>
     </dgm:pt>
     <dgm:pt modelId="{72D06BF6-42C5-434C-92ED-F618F0FF3B5A}" type="pres">
-      <dgm:prSet presAssocID="{7CF047C5-7A21-4DCA-910B-CBEC1AA93BA9}" presName="Name37" presStyleLbl="parChTrans1D3" presStyleIdx="7" presStyleCnt="13"/>
+      <dgm:prSet presAssocID="{7CF047C5-7A21-4DCA-910B-CBEC1AA93BA9}" presName="Name37" presStyleLbl="parChTrans1D3" presStyleIdx="8" presStyleCnt="14"/>
       <dgm:spPr/>
     </dgm:pt>
     <dgm:pt modelId="{7CE87129-122F-415D-9687-B4831C7BAD6B}" type="pres">
@@ -5971,7 +6043,7 @@
       <dgm:spPr/>
     </dgm:pt>
     <dgm:pt modelId="{50EC3807-8481-4C01-82B7-F19C2342E1A0}" type="pres">
-      <dgm:prSet presAssocID="{10F04DDC-9425-470F-8153-E7CB032EC473}" presName="rootText" presStyleLbl="node3" presStyleIdx="7" presStyleCnt="13">
+      <dgm:prSet presAssocID="{10F04DDC-9425-470F-8153-E7CB032EC473}" presName="rootText" presStyleLbl="node3" presStyleIdx="8" presStyleCnt="14">
         <dgm:presLayoutVars>
           <dgm:chPref val="3"/>
         </dgm:presLayoutVars>
@@ -5979,7 +6051,7 @@
       <dgm:spPr/>
     </dgm:pt>
     <dgm:pt modelId="{274E767F-761A-4B30-B369-389DF89B937D}" type="pres">
-      <dgm:prSet presAssocID="{10F04DDC-9425-470F-8153-E7CB032EC473}" presName="rootConnector" presStyleLbl="node3" presStyleIdx="7" presStyleCnt="13"/>
+      <dgm:prSet presAssocID="{10F04DDC-9425-470F-8153-E7CB032EC473}" presName="rootConnector" presStyleLbl="node3" presStyleIdx="8" presStyleCnt="14"/>
       <dgm:spPr/>
     </dgm:pt>
     <dgm:pt modelId="{4A3801EA-4E87-4854-89D0-F5EE8C40E870}" type="pres">
@@ -5991,7 +6063,7 @@
       <dgm:spPr/>
     </dgm:pt>
     <dgm:pt modelId="{A3F9BD0E-C624-4151-9767-64BBD33870D8}" type="pres">
-      <dgm:prSet presAssocID="{341C93D3-8A95-4DFB-AA9D-C38CA282C9E7}" presName="Name37" presStyleLbl="parChTrans1D3" presStyleIdx="8" presStyleCnt="13"/>
+      <dgm:prSet presAssocID="{341C93D3-8A95-4DFB-AA9D-C38CA282C9E7}" presName="Name37" presStyleLbl="parChTrans1D3" presStyleIdx="9" presStyleCnt="14"/>
       <dgm:spPr/>
     </dgm:pt>
     <dgm:pt modelId="{F2908DFE-90E6-4506-8F75-EC087EFF2791}" type="pres">
@@ -6007,7 +6079,7 @@
       <dgm:spPr/>
     </dgm:pt>
     <dgm:pt modelId="{FE90803F-BB98-472A-87D1-B85B7689304F}" type="pres">
-      <dgm:prSet presAssocID="{10948DB9-C87A-4CB4-AA25-2159E53038FA}" presName="rootText" presStyleLbl="node3" presStyleIdx="8" presStyleCnt="13">
+      <dgm:prSet presAssocID="{10948DB9-C87A-4CB4-AA25-2159E53038FA}" presName="rootText" presStyleLbl="node3" presStyleIdx="9" presStyleCnt="14">
         <dgm:presLayoutVars>
           <dgm:chPref val="3"/>
         </dgm:presLayoutVars>
@@ -6015,7 +6087,7 @@
       <dgm:spPr/>
     </dgm:pt>
     <dgm:pt modelId="{BEB1E389-DC78-4834-98AF-B72FEAAD2902}" type="pres">
-      <dgm:prSet presAssocID="{10948DB9-C87A-4CB4-AA25-2159E53038FA}" presName="rootConnector" presStyleLbl="node3" presStyleIdx="8" presStyleCnt="13"/>
+      <dgm:prSet presAssocID="{10948DB9-C87A-4CB4-AA25-2159E53038FA}" presName="rootConnector" presStyleLbl="node3" presStyleIdx="9" presStyleCnt="14"/>
       <dgm:spPr/>
     </dgm:pt>
     <dgm:pt modelId="{ACA86701-4A36-495A-A1A1-9DC9B364DF9A}" type="pres">
@@ -6063,7 +6135,7 @@
       <dgm:spPr/>
     </dgm:pt>
     <dgm:pt modelId="{206209FB-F600-4BD1-9606-121E90963E67}" type="pres">
-      <dgm:prSet presAssocID="{0ED2AB80-1B48-415F-BD87-852714594E12}" presName="Name37" presStyleLbl="parChTrans1D3" presStyleIdx="9" presStyleCnt="13"/>
+      <dgm:prSet presAssocID="{0ED2AB80-1B48-415F-BD87-852714594E12}" presName="Name37" presStyleLbl="parChTrans1D3" presStyleIdx="10" presStyleCnt="14"/>
       <dgm:spPr/>
     </dgm:pt>
     <dgm:pt modelId="{9D94A714-C145-4F55-BF39-E82CC94072CD}" type="pres">
@@ -6079,7 +6151,7 @@
       <dgm:spPr/>
     </dgm:pt>
     <dgm:pt modelId="{B15B783C-17E1-46DC-B52E-C2A7EDCDDBF6}" type="pres">
-      <dgm:prSet presAssocID="{785ADFEC-7668-46D6-9578-5377B24474CF}" presName="rootText" presStyleLbl="node3" presStyleIdx="9" presStyleCnt="13">
+      <dgm:prSet presAssocID="{785ADFEC-7668-46D6-9578-5377B24474CF}" presName="rootText" presStyleLbl="node3" presStyleIdx="10" presStyleCnt="14">
         <dgm:presLayoutVars>
           <dgm:chPref val="3"/>
         </dgm:presLayoutVars>
@@ -6087,7 +6159,7 @@
       <dgm:spPr/>
     </dgm:pt>
     <dgm:pt modelId="{43888EB2-C238-4AB3-84EF-EB4C21FE5D9D}" type="pres">
-      <dgm:prSet presAssocID="{785ADFEC-7668-46D6-9578-5377B24474CF}" presName="rootConnector" presStyleLbl="node3" presStyleIdx="9" presStyleCnt="13"/>
+      <dgm:prSet presAssocID="{785ADFEC-7668-46D6-9578-5377B24474CF}" presName="rootConnector" presStyleLbl="node3" presStyleIdx="10" presStyleCnt="14"/>
       <dgm:spPr/>
     </dgm:pt>
     <dgm:pt modelId="{1D44AC0C-5EFA-40AA-A409-4132EDAC6BF1}" type="pres">
@@ -6135,7 +6207,7 @@
       <dgm:spPr/>
     </dgm:pt>
     <dgm:pt modelId="{865CC225-A0DA-47E2-8F93-648401CE5D35}" type="pres">
-      <dgm:prSet presAssocID="{42168C56-2F22-4C47-AD41-80714FFDE7B7}" presName="Name37" presStyleLbl="parChTrans1D3" presStyleIdx="10" presStyleCnt="13"/>
+      <dgm:prSet presAssocID="{42168C56-2F22-4C47-AD41-80714FFDE7B7}" presName="Name37" presStyleLbl="parChTrans1D3" presStyleIdx="11" presStyleCnt="14"/>
       <dgm:spPr/>
     </dgm:pt>
     <dgm:pt modelId="{70E78AA5-44C3-4381-958B-78CB23EBFFCE}" type="pres">
@@ -6151,7 +6223,7 @@
       <dgm:spPr/>
     </dgm:pt>
     <dgm:pt modelId="{CC33A293-E3CB-411D-9632-6FE6954F9F3F}" type="pres">
-      <dgm:prSet presAssocID="{4DE3A42A-E3CE-4E99-83D9-D1A6756B3CB9}" presName="rootText" presStyleLbl="node3" presStyleIdx="10" presStyleCnt="13">
+      <dgm:prSet presAssocID="{4DE3A42A-E3CE-4E99-83D9-D1A6756B3CB9}" presName="rootText" presStyleLbl="node3" presStyleIdx="11" presStyleCnt="14">
         <dgm:presLayoutVars>
           <dgm:chPref val="3"/>
         </dgm:presLayoutVars>
@@ -6159,7 +6231,7 @@
       <dgm:spPr/>
     </dgm:pt>
     <dgm:pt modelId="{2C816549-9EE9-4756-A160-AC0E53C139B8}" type="pres">
-      <dgm:prSet presAssocID="{4DE3A42A-E3CE-4E99-83D9-D1A6756B3CB9}" presName="rootConnector" presStyleLbl="node3" presStyleIdx="10" presStyleCnt="13"/>
+      <dgm:prSet presAssocID="{4DE3A42A-E3CE-4E99-83D9-D1A6756B3CB9}" presName="rootConnector" presStyleLbl="node3" presStyleIdx="11" presStyleCnt="14"/>
       <dgm:spPr/>
     </dgm:pt>
     <dgm:pt modelId="{B4B577CE-F927-44B3-B73A-132AB0F7463E}" type="pres">
@@ -6315,7 +6387,7 @@
       <dgm:spPr/>
     </dgm:pt>
     <dgm:pt modelId="{98DF9615-6AB1-4615-98A9-227A4B3AE02B}" type="pres">
-      <dgm:prSet presAssocID="{AD5EE0EA-60D1-43DE-980D-E1501EFCEDE7}" presName="Name37" presStyleLbl="parChTrans1D3" presStyleIdx="11" presStyleCnt="13"/>
+      <dgm:prSet presAssocID="{AD5EE0EA-60D1-43DE-980D-E1501EFCEDE7}" presName="Name37" presStyleLbl="parChTrans1D3" presStyleIdx="12" presStyleCnt="14"/>
       <dgm:spPr/>
     </dgm:pt>
     <dgm:pt modelId="{F4F6AA9E-5CC7-4688-8E0A-DFFF2E2453E3}" type="pres">
@@ -6331,7 +6403,7 @@
       <dgm:spPr/>
     </dgm:pt>
     <dgm:pt modelId="{7A882588-0810-4F92-AD23-756B9035A4E8}" type="pres">
-      <dgm:prSet presAssocID="{197668C4-8212-48B8-A54E-73002176A9B9}" presName="rootText" presStyleLbl="node3" presStyleIdx="11" presStyleCnt="13">
+      <dgm:prSet presAssocID="{197668C4-8212-48B8-A54E-73002176A9B9}" presName="rootText" presStyleLbl="node3" presStyleIdx="12" presStyleCnt="14">
         <dgm:presLayoutVars>
           <dgm:chPref val="3"/>
         </dgm:presLayoutVars>
@@ -6339,7 +6411,7 @@
       <dgm:spPr/>
     </dgm:pt>
     <dgm:pt modelId="{241D6C5A-A704-4FEC-BFA2-42E7E1150593}" type="pres">
-      <dgm:prSet presAssocID="{197668C4-8212-48B8-A54E-73002176A9B9}" presName="rootConnector" presStyleLbl="node3" presStyleIdx="11" presStyleCnt="13"/>
+      <dgm:prSet presAssocID="{197668C4-8212-48B8-A54E-73002176A9B9}" presName="rootConnector" presStyleLbl="node3" presStyleIdx="12" presStyleCnt="14"/>
       <dgm:spPr/>
     </dgm:pt>
     <dgm:pt modelId="{1773CDB1-D2E3-4EAE-A42A-B036DC3596AE}" type="pres">
@@ -6351,7 +6423,7 @@
       <dgm:spPr/>
     </dgm:pt>
     <dgm:pt modelId="{B4023B61-E2B4-4C69-A00E-8B14067C6DC3}" type="pres">
-      <dgm:prSet presAssocID="{D672805F-D531-46CA-8240-38805655CA82}" presName="Name37" presStyleLbl="parChTrans1D3" presStyleIdx="12" presStyleCnt="13"/>
+      <dgm:prSet presAssocID="{D672805F-D531-46CA-8240-38805655CA82}" presName="Name37" presStyleLbl="parChTrans1D3" presStyleIdx="13" presStyleCnt="14"/>
       <dgm:spPr/>
     </dgm:pt>
     <dgm:pt modelId="{BBBC079C-B4BF-4ADF-8148-1298E67D0F08}" type="pres">
@@ -6367,7 +6439,7 @@
       <dgm:spPr/>
     </dgm:pt>
     <dgm:pt modelId="{B04C15FD-14A3-4E7B-895B-7C4AF0E8908C}" type="pres">
-      <dgm:prSet presAssocID="{5DF6C11B-377F-47FB-BC50-A7E3E32B7B43}" presName="rootText" presStyleLbl="node3" presStyleIdx="12" presStyleCnt="13">
+      <dgm:prSet presAssocID="{5DF6C11B-377F-47FB-BC50-A7E3E32B7B43}" presName="rootText" presStyleLbl="node3" presStyleIdx="13" presStyleCnt="14">
         <dgm:presLayoutVars>
           <dgm:chPref val="3"/>
         </dgm:presLayoutVars>
@@ -6375,7 +6447,7 @@
       <dgm:spPr/>
     </dgm:pt>
     <dgm:pt modelId="{D2420743-058E-43CD-8DE7-96F37C968137}" type="pres">
-      <dgm:prSet presAssocID="{5DF6C11B-377F-47FB-BC50-A7E3E32B7B43}" presName="rootConnector" presStyleLbl="node3" presStyleIdx="12" presStyleCnt="13"/>
+      <dgm:prSet presAssocID="{5DF6C11B-377F-47FB-BC50-A7E3E32B7B43}" presName="rootConnector" presStyleLbl="node3" presStyleIdx="13" presStyleCnt="14"/>
       <dgm:spPr/>
     </dgm:pt>
     <dgm:pt modelId="{0C86AA4C-1483-49E1-8C49-98CA315494B9}" type="pres">
@@ -6412,6 +6484,7 @@
     <dgm:cxn modelId="{78841D3B-011C-4F77-863D-764B0865371F}" type="presOf" srcId="{B829E806-E11E-4BDA-8589-5EF437FD4FD6}" destId="{940D3546-6031-400F-B1CF-0A05124CD0AE}" srcOrd="0" destOrd="0" presId="urn:microsoft.com/office/officeart/2005/8/layout/orgChart1"/>
     <dgm:cxn modelId="{EF5B123E-DF97-4A3E-8871-AAA083F0DF6B}" type="presOf" srcId="{D672805F-D531-46CA-8240-38805655CA82}" destId="{B4023B61-E2B4-4C69-A00E-8B14067C6DC3}" srcOrd="0" destOrd="0" presId="urn:microsoft.com/office/officeart/2005/8/layout/orgChart1"/>
     <dgm:cxn modelId="{83710E5D-5FD5-4794-8A4E-81F1DD87174C}" type="presOf" srcId="{5DF6C11B-377F-47FB-BC50-A7E3E32B7B43}" destId="{B04C15FD-14A3-4E7B-895B-7C4AF0E8908C}" srcOrd="0" destOrd="0" presId="urn:microsoft.com/office/officeart/2005/8/layout/orgChart1"/>
+    <dgm:cxn modelId="{3526BE46-DFD7-448B-BA56-4BF4E097739C}" type="presOf" srcId="{FBAC9C05-519A-4AB7-B985-D9BE1A39A0B1}" destId="{7BD205D8-B95D-44F8-9394-3A803C3AE7E3}" srcOrd="0" destOrd="0" presId="urn:microsoft.com/office/officeart/2005/8/layout/orgChart1"/>
     <dgm:cxn modelId="{3679A549-E1BF-4456-B75B-8BA78A97E6CE}" type="presOf" srcId="{4DE3A42A-E3CE-4E99-83D9-D1A6756B3CB9}" destId="{CC33A293-E3CB-411D-9632-6FE6954F9F3F}" srcOrd="0" destOrd="0" presId="urn:microsoft.com/office/officeart/2005/8/layout/orgChart1"/>
     <dgm:cxn modelId="{1D7CEA49-FBBA-4F7B-ACF8-330C48D879F8}" type="presOf" srcId="{57A8CB2D-79BE-4C74-9A37-D6A913DE1B82}" destId="{ED24999A-CB54-48D6-8528-2545D016E1D3}" srcOrd="0" destOrd="0" presId="urn:microsoft.com/office/officeart/2005/8/layout/orgChart1"/>
     <dgm:cxn modelId="{523F296D-2CC7-4C29-85F8-5468ED82EAEB}" srcId="{34BEB75E-ED6D-4113-9F50-1BF5F1954990}" destId="{441C9BFF-8AD7-4827-90F5-60BEDCAF3705}" srcOrd="0" destOrd="0" parTransId="{AED53F1B-6F52-4865-A6C0-13F7BB680C57}" sibTransId="{EE93340F-3E48-4F2C-8A92-4BB8BFF38136}"/>
@@ -6432,6 +6505,7 @@
     <dgm:cxn modelId="{22A03889-C31F-4932-9032-214B397B0A0F}" type="presOf" srcId="{305846AD-47C4-463B-9DBE-6AA8AAAFD9CA}" destId="{1B492F86-1603-4E21-B660-DA6307964BAD}" srcOrd="0" destOrd="0" presId="urn:microsoft.com/office/officeart/2005/8/layout/orgChart1"/>
     <dgm:cxn modelId="{8FFBDF89-5769-4DA0-89DA-2C34592C540B}" type="presOf" srcId="{3C6EA423-D64F-4DC7-B184-24C9BC3512E8}" destId="{6326AB10-BB5C-4854-9D21-95B3803C563E}" srcOrd="1" destOrd="0" presId="urn:microsoft.com/office/officeart/2005/8/layout/orgChart1"/>
     <dgm:cxn modelId="{5ECCA38B-6E25-44ED-A687-D20C973638AC}" type="presOf" srcId="{795061A3-2B93-41B7-8CB3-D2EA827D06F1}" destId="{6E5659B3-987D-47B1-A1A1-39AAF04C38E5}" srcOrd="0" destOrd="0" presId="urn:microsoft.com/office/officeart/2005/8/layout/orgChart1"/>
+    <dgm:cxn modelId="{A167778E-6A1B-4DA4-912C-72E3358785B4}" type="presOf" srcId="{579C73EA-AC1B-47D0-8426-C21255916998}" destId="{CD070373-8DF7-435C-92DB-D4837DF76FC3}" srcOrd="0" destOrd="0" presId="urn:microsoft.com/office/officeart/2005/8/layout/orgChart1"/>
     <dgm:cxn modelId="{96A74491-5C5F-47EE-80D2-0B4E847CFBE4}" type="presOf" srcId="{967C17FD-B87B-4CD0-BD44-345E2E5D2EA3}" destId="{E4F616C8-77CD-4807-B795-EDC2BC3DD8F2}" srcOrd="0" destOrd="0" presId="urn:microsoft.com/office/officeart/2005/8/layout/orgChart1"/>
     <dgm:cxn modelId="{C81E8C91-5EF5-45E9-ACD4-E449A9809B80}" srcId="{1924ECD5-AA0E-4B54-9424-D53165043932}" destId="{305846AD-47C4-463B-9DBE-6AA8AAAFD9CA}" srcOrd="3" destOrd="0" parTransId="{57A8CB2D-79BE-4C74-9A37-D6A913DE1B82}" sibTransId="{6A058D6F-D207-4F81-A3FF-D70611BE6534}"/>
     <dgm:cxn modelId="{A3F6D991-5237-4FEF-9535-02A35ACB4BCB}" type="presOf" srcId="{34BEB75E-ED6D-4113-9F50-1BF5F1954990}" destId="{5F3FAA4C-44A3-470C-81C5-23BB7113FF75}" srcOrd="0" destOrd="0" presId="urn:microsoft.com/office/officeart/2005/8/layout/orgChart1"/>
@@ -6471,6 +6545,8 @@
     <dgm:cxn modelId="{714EDCCA-D136-47E8-93E3-18AD130D9A96}" type="presOf" srcId="{347BA63F-6330-4E17-9091-C819304D8374}" destId="{42DEE17A-3D83-4C0D-B91C-CA141A292DA2}" srcOrd="1" destOrd="0" presId="urn:microsoft.com/office/officeart/2005/8/layout/orgChart1"/>
     <dgm:cxn modelId="{105FF0CA-A9FE-4385-849A-513AFC6AB6C4}" type="presOf" srcId="{A1698A36-C129-4FA1-BE7D-9B591DCFED6F}" destId="{EA35908A-375B-4EF7-A17D-476DA652899F}" srcOrd="0" destOrd="0" presId="urn:microsoft.com/office/officeart/2005/8/layout/orgChart1"/>
     <dgm:cxn modelId="{A894B2CE-042B-4933-973A-0F0987339BD2}" type="presOf" srcId="{10F04DDC-9425-470F-8153-E7CB032EC473}" destId="{274E767F-761A-4B30-B369-389DF89B937D}" srcOrd="1" destOrd="0" presId="urn:microsoft.com/office/officeart/2005/8/layout/orgChart1"/>
+    <dgm:cxn modelId="{463373CF-273F-40C2-95CE-CC20F6B4CA8A}" type="presOf" srcId="{FBAC9C05-519A-4AB7-B985-D9BE1A39A0B1}" destId="{390062A8-6670-4F37-9397-41D8E8C03E2B}" srcOrd="1" destOrd="0" presId="urn:microsoft.com/office/officeart/2005/8/layout/orgChart1"/>
+    <dgm:cxn modelId="{FD077AD2-0BF3-4EFB-91F6-46E700E229BB}" srcId="{44363CFA-628E-4026-88F3-8868490E44F8}" destId="{FBAC9C05-519A-4AB7-B985-D9BE1A39A0B1}" srcOrd="0" destOrd="0" parTransId="{579C73EA-AC1B-47D0-8426-C21255916998}" sibTransId="{C09F2730-84BE-44BA-B0A5-5D57ACB94EC0}"/>
     <dgm:cxn modelId="{A59B17D5-B98F-4D2B-8FCB-DE732988D245}" type="presOf" srcId="{332EBDA1-FC91-42DD-8C1E-2C7B445019B3}" destId="{1F530FFE-35D1-4609-8D1C-CEEB0EF8690E}" srcOrd="1" destOrd="0" presId="urn:microsoft.com/office/officeart/2005/8/layout/orgChart1"/>
     <dgm:cxn modelId="{C0EFEBD5-5DF4-4D4F-8FE8-1BE15E6AF913}" type="presOf" srcId="{DE023E0B-5C31-4E35-A101-3DA3908C072F}" destId="{F5DA5587-5EB1-405E-8951-92F671AE6BE5}" srcOrd="1" destOrd="0" presId="urn:microsoft.com/office/officeart/2005/8/layout/orgChart1"/>
     <dgm:cxn modelId="{EF32A5D6-A7ED-472E-846C-E4C37BA3F657}" type="presOf" srcId="{785ADFEC-7668-46D6-9578-5377B24474CF}" destId="{B15B783C-17E1-46DC-B52E-C2A7EDCDDBF6}" srcOrd="0" destOrd="0" presId="urn:microsoft.com/office/officeart/2005/8/layout/orgChart1"/>
@@ -6531,6 +6607,13 @@
     <dgm:cxn modelId="{53FD0442-F118-460F-96D9-B19FF2646F31}" type="presParOf" srcId="{82990AE5-EA67-44AF-B5C7-812F8D1B493B}" destId="{2D05126F-7CA9-467A-B341-F8E1AF5FCF66}" srcOrd="0" destOrd="0" presId="urn:microsoft.com/office/officeart/2005/8/layout/orgChart1"/>
     <dgm:cxn modelId="{22B6FF1F-5A87-48FA-BF0E-721F5C159B60}" type="presParOf" srcId="{82990AE5-EA67-44AF-B5C7-812F8D1B493B}" destId="{9C340236-4FFD-45ED-9EE1-A04737FABAE4}" srcOrd="1" destOrd="0" presId="urn:microsoft.com/office/officeart/2005/8/layout/orgChart1"/>
     <dgm:cxn modelId="{19C0CCED-B244-4718-BDE1-8BEEF1A02086}" type="presParOf" srcId="{80FD1344-699F-4451-B64E-18964A3F14D0}" destId="{DE4A9740-7D9B-4A7D-9A6A-26B43F1C9054}" srcOrd="1" destOrd="0" presId="urn:microsoft.com/office/officeart/2005/8/layout/orgChart1"/>
+    <dgm:cxn modelId="{FB14FAC1-70AE-41E9-BBEE-73E8742EF163}" type="presParOf" srcId="{DE4A9740-7D9B-4A7D-9A6A-26B43F1C9054}" destId="{CD070373-8DF7-435C-92DB-D4837DF76FC3}" srcOrd="0" destOrd="0" presId="urn:microsoft.com/office/officeart/2005/8/layout/orgChart1"/>
+    <dgm:cxn modelId="{13C7FF00-EEEB-4F17-A7B8-6CA9080BD2E2}" type="presParOf" srcId="{DE4A9740-7D9B-4A7D-9A6A-26B43F1C9054}" destId="{57A23413-0351-4B01-B143-DF45D03C6A89}" srcOrd="1" destOrd="0" presId="urn:microsoft.com/office/officeart/2005/8/layout/orgChart1"/>
+    <dgm:cxn modelId="{3BB540AB-2C01-4A55-B0CB-E1CDE3D7D9D6}" type="presParOf" srcId="{57A23413-0351-4B01-B143-DF45D03C6A89}" destId="{43C637BB-C0F7-48B7-BCB5-4C46ED31DC73}" srcOrd="0" destOrd="0" presId="urn:microsoft.com/office/officeart/2005/8/layout/orgChart1"/>
+    <dgm:cxn modelId="{FF3B6EB9-1C3C-4A0A-8453-5931A18BA805}" type="presParOf" srcId="{43C637BB-C0F7-48B7-BCB5-4C46ED31DC73}" destId="{7BD205D8-B95D-44F8-9394-3A803C3AE7E3}" srcOrd="0" destOrd="0" presId="urn:microsoft.com/office/officeart/2005/8/layout/orgChart1"/>
+    <dgm:cxn modelId="{5F9AA71A-D504-43F1-B323-CA14BFF1C4EB}" type="presParOf" srcId="{43C637BB-C0F7-48B7-BCB5-4C46ED31DC73}" destId="{390062A8-6670-4F37-9397-41D8E8C03E2B}" srcOrd="1" destOrd="0" presId="urn:microsoft.com/office/officeart/2005/8/layout/orgChart1"/>
+    <dgm:cxn modelId="{717BB828-5A3C-470F-9512-5EF58DE46E49}" type="presParOf" srcId="{57A23413-0351-4B01-B143-DF45D03C6A89}" destId="{093E2217-0455-4C34-BA46-E099CA2EAF49}" srcOrd="1" destOrd="0" presId="urn:microsoft.com/office/officeart/2005/8/layout/orgChart1"/>
+    <dgm:cxn modelId="{DBA4B4E4-9B9C-4504-A025-82620C90E960}" type="presParOf" srcId="{57A23413-0351-4B01-B143-DF45D03C6A89}" destId="{2EF7E96D-2F1E-468B-90A0-927051DAC862}" srcOrd="2" destOrd="0" presId="urn:microsoft.com/office/officeart/2005/8/layout/orgChart1"/>
     <dgm:cxn modelId="{48FAAEDA-3439-480E-AF63-59AAA8EED615}" type="presParOf" srcId="{80FD1344-699F-4451-B64E-18964A3F14D0}" destId="{2B358511-A0D0-46D9-8267-856248CA4EE9}" srcOrd="2" destOrd="0" presId="urn:microsoft.com/office/officeart/2005/8/layout/orgChart1"/>
     <dgm:cxn modelId="{31FFA8EA-F7CF-48D2-9107-5B5EC9ABF3E3}" type="presParOf" srcId="{E4F35EED-3168-4BAF-B012-BC20D796120D}" destId="{F2FC5845-76F4-45FC-9102-1D5405CED484}" srcOrd="6" destOrd="0" presId="urn:microsoft.com/office/officeart/2005/8/layout/orgChart1"/>
     <dgm:cxn modelId="{C959F902-64C2-4EEA-9450-7D68CF149FCB}" type="presParOf" srcId="{E4F35EED-3168-4BAF-B012-BC20D796120D}" destId="{B4B6317A-15CF-41A3-8884-996C77B54179}" srcOrd="7" destOrd="0" presId="urn:microsoft.com/office/officeart/2005/8/layout/orgChart1"/>
@@ -10236,6 +10319,65 @@
         <a:fontRef idx="minor"/>
       </dsp:style>
     </dsp:sp>
+    <dsp:sp modelId="{CD070373-8DF7-435C-92DB-D4837DF76FC3}">
+      <dsp:nvSpPr>
+        <dsp:cNvPr id="0" name=""/>
+        <dsp:cNvSpPr/>
+      </dsp:nvSpPr>
+      <dsp:spPr>
+        <a:xfrm>
+          <a:off x="3362883" y="1344513"/>
+          <a:ext cx="166315" cy="510033"/>
+        </a:xfrm>
+        <a:custGeom>
+          <a:avLst/>
+          <a:gdLst/>
+          <a:ahLst/>
+          <a:cxnLst/>
+          <a:rect l="0" t="0" r="0" b="0"/>
+          <a:pathLst>
+            <a:path>
+              <a:moveTo>
+                <a:pt x="0" y="0"/>
+              </a:moveTo>
+              <a:lnTo>
+                <a:pt x="0" y="510033"/>
+              </a:lnTo>
+              <a:lnTo>
+                <a:pt x="166315" y="510033"/>
+              </a:lnTo>
+            </a:path>
+          </a:pathLst>
+        </a:custGeom>
+        <a:noFill/>
+        <a:ln w="12700" cap="flat" cmpd="sng" algn="ctr">
+          <a:solidFill>
+            <a:schemeClr val="accent1">
+              <a:shade val="80000"/>
+              <a:hueOff val="0"/>
+              <a:satOff val="0"/>
+              <a:lumOff val="0"/>
+              <a:alphaOff val="0"/>
+            </a:schemeClr>
+          </a:solidFill>
+          <a:prstDash val="solid"/>
+          <a:miter lim="800000"/>
+        </a:ln>
+        <a:effectLst/>
+      </dsp:spPr>
+      <dsp:style>
+        <a:lnRef idx="2">
+          <a:scrgbClr r="0" g="0" b="0"/>
+        </a:lnRef>
+        <a:fillRef idx="0">
+          <a:scrgbClr r="0" g="0" b="0"/>
+        </a:fillRef>
+        <a:effectRef idx="0">
+          <a:scrgbClr r="0" g="0" b="0"/>
+        </a:effectRef>
+        <a:fontRef idx="minor"/>
+      </dsp:style>
+    </dsp:sp>
     <dsp:sp modelId="{F92D201F-4429-48F2-A613-5C474A994CD9}">
       <dsp:nvSpPr>
         <dsp:cNvPr id="0" name=""/>
@@ -11005,6 +11147,84 @@
       </dsp:txBody>
       <dsp:txXfrm>
         <a:off x="3252006" y="790128"/>
+        <a:ext cx="1108769" cy="554384"/>
+      </dsp:txXfrm>
+    </dsp:sp>
+    <dsp:sp modelId="{7BD205D8-B95D-44F8-9394-3A803C3AE7E3}">
+      <dsp:nvSpPr>
+        <dsp:cNvPr id="0" name=""/>
+        <dsp:cNvSpPr/>
+      </dsp:nvSpPr>
+      <dsp:spPr>
+        <a:xfrm>
+          <a:off x="3529198" y="1577354"/>
+          <a:ext cx="1108769" cy="554384"/>
+        </a:xfrm>
+        <a:prstGeom prst="rect">
+          <a:avLst/>
+        </a:prstGeom>
+        <a:solidFill>
+          <a:schemeClr val="accent1">
+            <a:hueOff val="0"/>
+            <a:satOff val="0"/>
+            <a:lumOff val="0"/>
+            <a:alphaOff val="0"/>
+          </a:schemeClr>
+        </a:solidFill>
+        <a:ln w="12700" cap="flat" cmpd="sng" algn="ctr">
+          <a:solidFill>
+            <a:schemeClr val="lt1">
+              <a:hueOff val="0"/>
+              <a:satOff val="0"/>
+              <a:lumOff val="0"/>
+              <a:alphaOff val="0"/>
+            </a:schemeClr>
+          </a:solidFill>
+          <a:prstDash val="solid"/>
+          <a:miter lim="800000"/>
+        </a:ln>
+        <a:effectLst/>
+      </dsp:spPr>
+      <dsp:style>
+        <a:lnRef idx="2">
+          <a:scrgbClr r="0" g="0" b="0"/>
+        </a:lnRef>
+        <a:fillRef idx="1">
+          <a:scrgbClr r="0" g="0" b="0"/>
+        </a:fillRef>
+        <a:effectRef idx="0">
+          <a:scrgbClr r="0" g="0" b="0"/>
+        </a:effectRef>
+        <a:fontRef idx="minor">
+          <a:schemeClr val="lt1"/>
+        </a:fontRef>
+      </dsp:style>
+      <dsp:txBody>
+        <a:bodyPr spcFirstLastPara="0" vert="horz" wrap="square" lIns="5080" tIns="5080" rIns="5080" bIns="5080" numCol="1" spcCol="1270" anchor="ctr" anchorCtr="0">
+          <a:noAutofit/>
+        </a:bodyPr>
+        <a:lstStyle/>
+        <a:p>
+          <a:pPr marL="0" lvl="0" indent="0" algn="ctr" defTabSz="355600">
+            <a:lnSpc>
+              <a:spcPct val="90000"/>
+            </a:lnSpc>
+            <a:spcBef>
+              <a:spcPct val="0"/>
+            </a:spcBef>
+            <a:spcAft>
+              <a:spcPct val="35000"/>
+            </a:spcAft>
+            <a:buNone/>
+          </a:pPr>
+          <a:r>
+            <a:rPr lang="en-PH" sz="800" i="0" u="none" kern="1200" dirty="0"/>
+            <a:t>GET: /home/search/&lt;search&gt;</a:t>
+          </a:r>
+        </a:p>
+      </dsp:txBody>
+      <dsp:txXfrm>
+        <a:off x="3529198" y="1577354"/>
         <a:ext cx="1108769" cy="554384"/>
       </dsp:txXfrm>
     </dsp:sp>
@@ -26011,7 +26231,7 @@
           <a:p>
             <a:fld id="{2CDD62A0-B891-4650-A5BB-561AD783AD7C}" type="datetimeFigureOut">
               <a:rPr lang="en-PH" smtClean="0"/>
-              <a:t>30/05/2022</a:t>
+              <a:t>01/06/2022</a:t>
             </a:fld>
             <a:endParaRPr lang="en-PH"/>
           </a:p>
@@ -26211,7 +26431,7 @@
           <a:p>
             <a:fld id="{2CDD62A0-B891-4650-A5BB-561AD783AD7C}" type="datetimeFigureOut">
               <a:rPr lang="en-PH" smtClean="0"/>
-              <a:t>30/05/2022</a:t>
+              <a:t>01/06/2022</a:t>
             </a:fld>
             <a:endParaRPr lang="en-PH"/>
           </a:p>
@@ -26421,7 +26641,7 @@
           <a:p>
             <a:fld id="{2CDD62A0-B891-4650-A5BB-561AD783AD7C}" type="datetimeFigureOut">
               <a:rPr lang="en-PH" smtClean="0"/>
-              <a:t>30/05/2022</a:t>
+              <a:t>01/06/2022</a:t>
             </a:fld>
             <a:endParaRPr lang="en-PH"/>
           </a:p>
@@ -26621,7 +26841,7 @@
           <a:p>
             <a:fld id="{2CDD62A0-B891-4650-A5BB-561AD783AD7C}" type="datetimeFigureOut">
               <a:rPr lang="en-PH" smtClean="0"/>
-              <a:t>30/05/2022</a:t>
+              <a:t>01/06/2022</a:t>
             </a:fld>
             <a:endParaRPr lang="en-PH"/>
           </a:p>
@@ -26897,7 +27117,7 @@
           <a:p>
             <a:fld id="{2CDD62A0-B891-4650-A5BB-561AD783AD7C}" type="datetimeFigureOut">
               <a:rPr lang="en-PH" smtClean="0"/>
-              <a:t>30/05/2022</a:t>
+              <a:t>01/06/2022</a:t>
             </a:fld>
             <a:endParaRPr lang="en-PH"/>
           </a:p>
@@ -27165,7 +27385,7 @@
           <a:p>
             <a:fld id="{2CDD62A0-B891-4650-A5BB-561AD783AD7C}" type="datetimeFigureOut">
               <a:rPr lang="en-PH" smtClean="0"/>
-              <a:t>30/05/2022</a:t>
+              <a:t>01/06/2022</a:t>
             </a:fld>
             <a:endParaRPr lang="en-PH"/>
           </a:p>
@@ -27580,7 +27800,7 @@
           <a:p>
             <a:fld id="{2CDD62A0-B891-4650-A5BB-561AD783AD7C}" type="datetimeFigureOut">
               <a:rPr lang="en-PH" smtClean="0"/>
-              <a:t>30/05/2022</a:t>
+              <a:t>01/06/2022</a:t>
             </a:fld>
             <a:endParaRPr lang="en-PH"/>
           </a:p>
@@ -27722,7 +27942,7 @@
           <a:p>
             <a:fld id="{2CDD62A0-B891-4650-A5BB-561AD783AD7C}" type="datetimeFigureOut">
               <a:rPr lang="en-PH" smtClean="0"/>
-              <a:t>30/05/2022</a:t>
+              <a:t>01/06/2022</a:t>
             </a:fld>
             <a:endParaRPr lang="en-PH"/>
           </a:p>
@@ -27835,7 +28055,7 @@
           <a:p>
             <a:fld id="{2CDD62A0-B891-4650-A5BB-561AD783AD7C}" type="datetimeFigureOut">
               <a:rPr lang="en-PH" smtClean="0"/>
-              <a:t>30/05/2022</a:t>
+              <a:t>01/06/2022</a:t>
             </a:fld>
             <a:endParaRPr lang="en-PH"/>
           </a:p>
@@ -28148,7 +28368,7 @@
           <a:p>
             <a:fld id="{2CDD62A0-B891-4650-A5BB-561AD783AD7C}" type="datetimeFigureOut">
               <a:rPr lang="en-PH" smtClean="0"/>
-              <a:t>30/05/2022</a:t>
+              <a:t>01/06/2022</a:t>
             </a:fld>
             <a:endParaRPr lang="en-PH"/>
           </a:p>
@@ -28437,7 +28657,7 @@
           <a:p>
             <a:fld id="{2CDD62A0-B891-4650-A5BB-561AD783AD7C}" type="datetimeFigureOut">
               <a:rPr lang="en-PH" smtClean="0"/>
-              <a:t>30/05/2022</a:t>
+              <a:t>01/06/2022</a:t>
             </a:fld>
             <a:endParaRPr lang="en-PH"/>
           </a:p>
@@ -28680,7 +28900,7 @@
           <a:p>
             <a:fld id="{2CDD62A0-B891-4650-A5BB-561AD783AD7C}" type="datetimeFigureOut">
               <a:rPr lang="en-PH" smtClean="0"/>
-              <a:t>30/05/2022</a:t>
+              <a:t>01/06/2022</a:t>
             </a:fld>
             <a:endParaRPr lang="en-PH"/>
           </a:p>
@@ -29382,7 +29602,7 @@
             <p:ph idx="1"/>
             <p:extLst>
               <p:ext uri="{D42A27DB-BD31-4B8C-83A1-F6EECF244321}">
-                <p14:modId xmlns:p14="http://schemas.microsoft.com/office/powerpoint/2010/main" val="2785262154"/>
+                <p14:modId xmlns:p14="http://schemas.microsoft.com/office/powerpoint/2010/main" val="2002842890"/>
               </p:ext>
             </p:extLst>
           </p:nvPr>

--- a/Official/MCO Design.pptx
+++ b/Official/MCO Design.pptx
@@ -5489,12 +5489,8 @@
         <a:lstStyle/>
         <a:p>
           <a:r>
-            <a:rPr lang="en-PH" i="0" u="none"/>
-            <a:t>POST: </a:t>
-          </a:r>
-          <a:r>
             <a:rPr lang="en-PH" i="0" u="none" dirty="0"/>
-            <a:t>/validate/username</a:t>
+            <a:t>POST: /validate/username</a:t>
           </a:r>
         </a:p>
       </dgm:t>
@@ -5556,6 +5552,136 @@
           <a:endParaRPr lang="en-PH"/>
         </a:p>
       </dgm:t>
+    </dgm:pt>
+    <dgm:pt modelId="{883372AC-54A3-434D-B3FD-47B7FC1A2F94}">
+      <dgm:prSet phldrT="[Text]"/>
+      <dgm:spPr/>
+      <dgm:t>
+        <a:bodyPr/>
+        <a:lstStyle/>
+        <a:p>
+          <a:r>
+            <a:rPr lang="en-PH" i="0" u="none" dirty="0"/>
+            <a:t>NONE: /debug</a:t>
+          </a:r>
+        </a:p>
+      </dgm:t>
+    </dgm:pt>
+    <dgm:pt modelId="{E5E79FCF-73DE-4917-B161-D2D920AE6114}" type="parTrans" cxnId="{2C568396-9ABB-4BCD-B239-144F3DDBA3EC}">
+      <dgm:prSet/>
+      <dgm:spPr/>
+    </dgm:pt>
+    <dgm:pt modelId="{17BA298D-1370-41B5-9B62-7081F499794F}" type="sibTrans" cxnId="{2C568396-9ABB-4BCD-B239-144F3DDBA3EC}">
+      <dgm:prSet/>
+      <dgm:spPr/>
+    </dgm:pt>
+    <dgm:pt modelId="{06D4AC17-67B1-4EEF-B1BB-B0ECE09E5C55}">
+      <dgm:prSet phldrT="[Text]"/>
+      <dgm:spPr/>
+      <dgm:t>
+        <a:bodyPr/>
+        <a:lstStyle/>
+        <a:p>
+          <a:r>
+            <a:rPr lang="en-PH" b="0" dirty="0"/>
+            <a:t>GET: /debug/home</a:t>
+          </a:r>
+          <a:endParaRPr lang="en-PH" i="0" u="none" dirty="0"/>
+        </a:p>
+      </dgm:t>
+    </dgm:pt>
+    <dgm:pt modelId="{F1332BF6-B8C7-4DEA-BE82-35051DA5F48B}" type="parTrans" cxnId="{4E6F2EA1-CFBA-42A2-B39B-716DCB0351A9}">
+      <dgm:prSet/>
+      <dgm:spPr/>
+    </dgm:pt>
+    <dgm:pt modelId="{6FBF65EE-2A23-49C5-A93C-005CF8AA4457}" type="sibTrans" cxnId="{4E6F2EA1-CFBA-42A2-B39B-716DCB0351A9}">
+      <dgm:prSet/>
+      <dgm:spPr/>
+    </dgm:pt>
+    <dgm:pt modelId="{1D75DDC8-EEF1-49FE-98B9-BC4622DC3AE8}">
+      <dgm:prSet phldrT="[Text]"/>
+      <dgm:spPr/>
+      <dgm:t>
+        <a:bodyPr/>
+        <a:lstStyle/>
+        <a:p>
+          <a:r>
+            <a:rPr lang="en-PH" i="0" u="none" dirty="0"/>
+            <a:t>GET: </a:t>
+          </a:r>
+          <a:r>
+            <a:rPr lang="en-PH" b="0" dirty="0"/>
+            <a:t>/debug/profile</a:t>
+          </a:r>
+          <a:endParaRPr lang="en-PH" i="0" u="none" dirty="0"/>
+        </a:p>
+      </dgm:t>
+    </dgm:pt>
+    <dgm:pt modelId="{D88A751F-AD3E-446A-AC38-7AFA6263DB0A}" type="parTrans" cxnId="{1047E695-6C97-46AD-8DCA-7FA3784C6205}">
+      <dgm:prSet/>
+      <dgm:spPr/>
+    </dgm:pt>
+    <dgm:pt modelId="{0F072DC2-97E0-42C6-BB3C-D2C321EF202A}" type="sibTrans" cxnId="{1047E695-6C97-46AD-8DCA-7FA3784C6205}">
+      <dgm:prSet/>
+      <dgm:spPr/>
+    </dgm:pt>
+    <dgm:pt modelId="{FAC5F8A5-12AB-41C4-94E8-6418DF438EA1}">
+      <dgm:prSet phldrT="[Text]"/>
+      <dgm:spPr/>
+      <dgm:t>
+        <a:bodyPr/>
+        <a:lstStyle/>
+        <a:p>
+          <a:r>
+            <a:rPr lang="en-PH" i="0" u="none" dirty="0"/>
+            <a:t>GET: </a:t>
+          </a:r>
+          <a:r>
+            <a:rPr lang="en-PH" b="0" dirty="0"/>
+            <a:t>/debug/home/search/&lt;</a:t>
+          </a:r>
+          <a:r>
+            <a:rPr lang="en-PH" b="0" dirty="0" err="1"/>
+            <a:t>searchVal</a:t>
+          </a:r>
+          <a:r>
+            <a:rPr lang="en-PH" b="0" dirty="0"/>
+            <a:t>&gt;</a:t>
+          </a:r>
+          <a:endParaRPr lang="en-PH" i="0" u="none" dirty="0"/>
+        </a:p>
+      </dgm:t>
+    </dgm:pt>
+    <dgm:pt modelId="{B084A808-0F3D-4F7D-9EDC-B57BB21EA28A}" type="parTrans" cxnId="{4698E726-A723-4D3A-AB4A-17178151555C}">
+      <dgm:prSet/>
+      <dgm:spPr/>
+    </dgm:pt>
+    <dgm:pt modelId="{4722A899-72DF-4DAC-AA67-628578714C4D}" type="sibTrans" cxnId="{4698E726-A723-4D3A-AB4A-17178151555C}">
+      <dgm:prSet/>
+      <dgm:spPr/>
+    </dgm:pt>
+    <dgm:pt modelId="{BF6447A2-3917-466A-8BBF-187904A81840}">
+      <dgm:prSet phldrT="[Text]"/>
+      <dgm:spPr/>
+      <dgm:t>
+        <a:bodyPr/>
+        <a:lstStyle/>
+        <a:p>
+          <a:r>
+            <a:rPr lang="en-PH" b="0" dirty="0"/>
+            <a:t>GET: /debug/user/&lt;username&gt;</a:t>
+          </a:r>
+          <a:endParaRPr lang="en-PH" i="0" u="none" dirty="0"/>
+        </a:p>
+      </dgm:t>
+    </dgm:pt>
+    <dgm:pt modelId="{3AD8B49B-CAD2-45C7-8BD2-E443686D8364}" type="parTrans" cxnId="{092A5968-B8BB-4723-9584-92BDDF3F57C2}">
+      <dgm:prSet/>
+      <dgm:spPr/>
+    </dgm:pt>
+    <dgm:pt modelId="{02DF254E-550D-4B2B-8300-83A37FEC33D6}" type="sibTrans" cxnId="{092A5968-B8BB-4723-9584-92BDDF3F57C2}">
+      <dgm:prSet/>
+      <dgm:spPr/>
     </dgm:pt>
     <dgm:pt modelId="{5F3FAA4C-44A3-470C-81C5-23BB7113FF75}" type="pres">
       <dgm:prSet presAssocID="{34BEB75E-ED6D-4113-9F50-1BF5F1954990}" presName="hierChild1" presStyleCnt="0">
@@ -5599,7 +5725,7 @@
       <dgm:spPr/>
     </dgm:pt>
     <dgm:pt modelId="{EA35908A-375B-4EF7-A17D-476DA652899F}" type="pres">
-      <dgm:prSet presAssocID="{A1698A36-C129-4FA1-BE7D-9B591DCFED6F}" presName="Name37" presStyleLbl="parChTrans1D2" presStyleIdx="0" presStyleCnt="8"/>
+      <dgm:prSet presAssocID="{A1698A36-C129-4FA1-BE7D-9B591DCFED6F}" presName="Name37" presStyleLbl="parChTrans1D2" presStyleIdx="0" presStyleCnt="9"/>
       <dgm:spPr/>
     </dgm:pt>
     <dgm:pt modelId="{6E4757AA-5F66-4D17-9F4E-EAD6DC00EEBB}" type="pres">
@@ -5615,7 +5741,7 @@
       <dgm:spPr/>
     </dgm:pt>
     <dgm:pt modelId="{AE1DD6B5-8922-4162-945A-41BF7A420F55}" type="pres">
-      <dgm:prSet presAssocID="{EF6B1CB1-4266-4EA5-804A-ACC48ED2EE3D}" presName="rootText" presStyleLbl="node2" presStyleIdx="0" presStyleCnt="8">
+      <dgm:prSet presAssocID="{EF6B1CB1-4266-4EA5-804A-ACC48ED2EE3D}" presName="rootText" presStyleLbl="node2" presStyleIdx="0" presStyleCnt="9">
         <dgm:presLayoutVars>
           <dgm:chPref val="3"/>
         </dgm:presLayoutVars>
@@ -5623,7 +5749,7 @@
       <dgm:spPr/>
     </dgm:pt>
     <dgm:pt modelId="{F18F04F2-ED04-4331-853F-808462CDAC9B}" type="pres">
-      <dgm:prSet presAssocID="{EF6B1CB1-4266-4EA5-804A-ACC48ED2EE3D}" presName="rootConnector" presStyleLbl="node2" presStyleIdx="0" presStyleCnt="8"/>
+      <dgm:prSet presAssocID="{EF6B1CB1-4266-4EA5-804A-ACC48ED2EE3D}" presName="rootConnector" presStyleLbl="node2" presStyleIdx="0" presStyleCnt="9"/>
       <dgm:spPr/>
     </dgm:pt>
     <dgm:pt modelId="{DB4FE243-CE1E-43FF-80E2-4160B5F6B3D7}" type="pres">
@@ -5631,7 +5757,7 @@
       <dgm:spPr/>
     </dgm:pt>
     <dgm:pt modelId="{32554A9C-FE4D-43F7-AEE1-C54D9D75C200}" type="pres">
-      <dgm:prSet presAssocID="{E8EB6F71-72ED-410E-A6D6-688CC4C8622F}" presName="Name37" presStyleLbl="parChTrans1D3" presStyleIdx="0" presStyleCnt="14"/>
+      <dgm:prSet presAssocID="{E8EB6F71-72ED-410E-A6D6-688CC4C8622F}" presName="Name37" presStyleLbl="parChTrans1D3" presStyleIdx="0" presStyleCnt="18"/>
       <dgm:spPr/>
     </dgm:pt>
     <dgm:pt modelId="{B90CC990-B130-4339-9559-D69CF90E88B4}" type="pres">
@@ -5647,7 +5773,7 @@
       <dgm:spPr/>
     </dgm:pt>
     <dgm:pt modelId="{3C293340-5887-41DE-859C-77675150C6EB}" type="pres">
-      <dgm:prSet presAssocID="{028C5DFA-CD08-425A-9808-BE49C21D580B}" presName="rootText" presStyleLbl="node3" presStyleIdx="0" presStyleCnt="14">
+      <dgm:prSet presAssocID="{028C5DFA-CD08-425A-9808-BE49C21D580B}" presName="rootText" presStyleLbl="node3" presStyleIdx="0" presStyleCnt="18">
         <dgm:presLayoutVars>
           <dgm:chPref val="3"/>
         </dgm:presLayoutVars>
@@ -5655,7 +5781,7 @@
       <dgm:spPr/>
     </dgm:pt>
     <dgm:pt modelId="{31730A28-5687-49A7-9084-9821AA2323E9}" type="pres">
-      <dgm:prSet presAssocID="{028C5DFA-CD08-425A-9808-BE49C21D580B}" presName="rootConnector" presStyleLbl="node3" presStyleIdx="0" presStyleCnt="14"/>
+      <dgm:prSet presAssocID="{028C5DFA-CD08-425A-9808-BE49C21D580B}" presName="rootConnector" presStyleLbl="node3" presStyleIdx="0" presStyleCnt="18"/>
       <dgm:spPr/>
     </dgm:pt>
     <dgm:pt modelId="{854997E6-49AF-48D8-846F-0DF8A234610E}" type="pres">
@@ -5671,7 +5797,7 @@
       <dgm:spPr/>
     </dgm:pt>
     <dgm:pt modelId="{940D3546-6031-400F-B1CF-0A05124CD0AE}" type="pres">
-      <dgm:prSet presAssocID="{B829E806-E11E-4BDA-8589-5EF437FD4FD6}" presName="Name37" presStyleLbl="parChTrans1D2" presStyleIdx="1" presStyleCnt="8"/>
+      <dgm:prSet presAssocID="{B829E806-E11E-4BDA-8589-5EF437FD4FD6}" presName="Name37" presStyleLbl="parChTrans1D2" presStyleIdx="1" presStyleCnt="9"/>
       <dgm:spPr/>
     </dgm:pt>
     <dgm:pt modelId="{2489C89A-47E0-4AA9-91DA-D3C26C334189}" type="pres">
@@ -5687,7 +5813,7 @@
       <dgm:spPr/>
     </dgm:pt>
     <dgm:pt modelId="{1FCFCB3A-B4C7-413C-B6B5-18473C4E0215}" type="pres">
-      <dgm:prSet presAssocID="{98DE5844-EBFB-4ECB-843E-1E3C116CD0A7}" presName="rootText" presStyleLbl="node2" presStyleIdx="1" presStyleCnt="8">
+      <dgm:prSet presAssocID="{98DE5844-EBFB-4ECB-843E-1E3C116CD0A7}" presName="rootText" presStyleLbl="node2" presStyleIdx="1" presStyleCnt="9">
         <dgm:presLayoutVars>
           <dgm:chPref val="3"/>
         </dgm:presLayoutVars>
@@ -5695,7 +5821,7 @@
       <dgm:spPr/>
     </dgm:pt>
     <dgm:pt modelId="{43413BE2-49D4-4AD2-85D5-14EDF44EA0F1}" type="pres">
-      <dgm:prSet presAssocID="{98DE5844-EBFB-4ECB-843E-1E3C116CD0A7}" presName="rootConnector" presStyleLbl="node2" presStyleIdx="1" presStyleCnt="8"/>
+      <dgm:prSet presAssocID="{98DE5844-EBFB-4ECB-843E-1E3C116CD0A7}" presName="rootConnector" presStyleLbl="node2" presStyleIdx="1" presStyleCnt="9"/>
       <dgm:spPr/>
     </dgm:pt>
     <dgm:pt modelId="{C5F9AA3B-B14E-4E63-8361-23B432F884E3}" type="pres">
@@ -5703,7 +5829,7 @@
       <dgm:spPr/>
     </dgm:pt>
     <dgm:pt modelId="{FC1B4037-826A-4F44-80EE-641936EF98B7}" type="pres">
-      <dgm:prSet presAssocID="{0E41C96E-49F8-4F4A-AF74-A981293F785F}" presName="Name37" presStyleLbl="parChTrans1D3" presStyleIdx="1" presStyleCnt="14"/>
+      <dgm:prSet presAssocID="{0E41C96E-49F8-4F4A-AF74-A981293F785F}" presName="Name37" presStyleLbl="parChTrans1D3" presStyleIdx="1" presStyleCnt="18"/>
       <dgm:spPr/>
     </dgm:pt>
     <dgm:pt modelId="{3B7362A0-4644-4129-AD8D-83D094010059}" type="pres">
@@ -5719,7 +5845,7 @@
       <dgm:spPr/>
     </dgm:pt>
     <dgm:pt modelId="{5CEACDA1-7667-40A9-B874-25D1B1E21A99}" type="pres">
-      <dgm:prSet presAssocID="{332EBDA1-FC91-42DD-8C1E-2C7B445019B3}" presName="rootText" presStyleLbl="node3" presStyleIdx="1" presStyleCnt="14">
+      <dgm:prSet presAssocID="{332EBDA1-FC91-42DD-8C1E-2C7B445019B3}" presName="rootText" presStyleLbl="node3" presStyleIdx="1" presStyleCnt="18">
         <dgm:presLayoutVars>
           <dgm:chPref val="3"/>
         </dgm:presLayoutVars>
@@ -5727,7 +5853,7 @@
       <dgm:spPr/>
     </dgm:pt>
     <dgm:pt modelId="{1F530FFE-35D1-4609-8D1C-CEEB0EF8690E}" type="pres">
-      <dgm:prSet presAssocID="{332EBDA1-FC91-42DD-8C1E-2C7B445019B3}" presName="rootConnector" presStyleLbl="node3" presStyleIdx="1" presStyleCnt="14"/>
+      <dgm:prSet presAssocID="{332EBDA1-FC91-42DD-8C1E-2C7B445019B3}" presName="rootConnector" presStyleLbl="node3" presStyleIdx="1" presStyleCnt="18"/>
       <dgm:spPr/>
     </dgm:pt>
     <dgm:pt modelId="{681C3D72-8919-4649-B5A8-1D83A3949CB2}" type="pres">
@@ -5743,7 +5869,7 @@
       <dgm:spPr/>
     </dgm:pt>
     <dgm:pt modelId="{F92D201F-4429-48F2-A613-5C474A994CD9}" type="pres">
-      <dgm:prSet presAssocID="{A98B9FA4-4126-4C91-AF71-10ACE11266DD}" presName="Name37" presStyleLbl="parChTrans1D2" presStyleIdx="2" presStyleCnt="8"/>
+      <dgm:prSet presAssocID="{A98B9FA4-4126-4C91-AF71-10ACE11266DD}" presName="Name37" presStyleLbl="parChTrans1D2" presStyleIdx="2" presStyleCnt="9"/>
       <dgm:spPr/>
     </dgm:pt>
     <dgm:pt modelId="{80FD1344-699F-4451-B64E-18964A3F14D0}" type="pres">
@@ -5759,7 +5885,7 @@
       <dgm:spPr/>
     </dgm:pt>
     <dgm:pt modelId="{2D05126F-7CA9-467A-B341-F8E1AF5FCF66}" type="pres">
-      <dgm:prSet presAssocID="{44363CFA-628E-4026-88F3-8868490E44F8}" presName="rootText" presStyleLbl="node2" presStyleIdx="2" presStyleCnt="8">
+      <dgm:prSet presAssocID="{44363CFA-628E-4026-88F3-8868490E44F8}" presName="rootText" presStyleLbl="node2" presStyleIdx="2" presStyleCnt="9">
         <dgm:presLayoutVars>
           <dgm:chPref val="3"/>
         </dgm:presLayoutVars>
@@ -5767,7 +5893,7 @@
       <dgm:spPr/>
     </dgm:pt>
     <dgm:pt modelId="{9C340236-4FFD-45ED-9EE1-A04737FABAE4}" type="pres">
-      <dgm:prSet presAssocID="{44363CFA-628E-4026-88F3-8868490E44F8}" presName="rootConnector" presStyleLbl="node2" presStyleIdx="2" presStyleCnt="8"/>
+      <dgm:prSet presAssocID="{44363CFA-628E-4026-88F3-8868490E44F8}" presName="rootConnector" presStyleLbl="node2" presStyleIdx="2" presStyleCnt="9"/>
       <dgm:spPr/>
     </dgm:pt>
     <dgm:pt modelId="{DE4A9740-7D9B-4A7D-9A6A-26B43F1C9054}" type="pres">
@@ -5775,7 +5901,7 @@
       <dgm:spPr/>
     </dgm:pt>
     <dgm:pt modelId="{CD070373-8DF7-435C-92DB-D4837DF76FC3}" type="pres">
-      <dgm:prSet presAssocID="{579C73EA-AC1B-47D0-8426-C21255916998}" presName="Name37" presStyleLbl="parChTrans1D3" presStyleIdx="2" presStyleCnt="14"/>
+      <dgm:prSet presAssocID="{579C73EA-AC1B-47D0-8426-C21255916998}" presName="Name37" presStyleLbl="parChTrans1D3" presStyleIdx="2" presStyleCnt="18"/>
       <dgm:spPr/>
     </dgm:pt>
     <dgm:pt modelId="{57A23413-0351-4B01-B143-DF45D03C6A89}" type="pres">
@@ -5791,7 +5917,7 @@
       <dgm:spPr/>
     </dgm:pt>
     <dgm:pt modelId="{7BD205D8-B95D-44F8-9394-3A803C3AE7E3}" type="pres">
-      <dgm:prSet presAssocID="{FBAC9C05-519A-4AB7-B985-D9BE1A39A0B1}" presName="rootText" presStyleLbl="node3" presStyleIdx="2" presStyleCnt="14">
+      <dgm:prSet presAssocID="{FBAC9C05-519A-4AB7-B985-D9BE1A39A0B1}" presName="rootText" presStyleLbl="node3" presStyleIdx="2" presStyleCnt="18">
         <dgm:presLayoutVars>
           <dgm:chPref val="3"/>
         </dgm:presLayoutVars>
@@ -5799,7 +5925,7 @@
       <dgm:spPr/>
     </dgm:pt>
     <dgm:pt modelId="{390062A8-6670-4F37-9397-41D8E8C03E2B}" type="pres">
-      <dgm:prSet presAssocID="{FBAC9C05-519A-4AB7-B985-D9BE1A39A0B1}" presName="rootConnector" presStyleLbl="node3" presStyleIdx="2" presStyleCnt="14"/>
+      <dgm:prSet presAssocID="{FBAC9C05-519A-4AB7-B985-D9BE1A39A0B1}" presName="rootConnector" presStyleLbl="node3" presStyleIdx="2" presStyleCnt="18"/>
       <dgm:spPr/>
     </dgm:pt>
     <dgm:pt modelId="{093E2217-0455-4C34-BA46-E099CA2EAF49}" type="pres">
@@ -5815,7 +5941,7 @@
       <dgm:spPr/>
     </dgm:pt>
     <dgm:pt modelId="{F2FC5845-76F4-45FC-9102-1D5405CED484}" type="pres">
-      <dgm:prSet presAssocID="{3930E226-FA6F-40B0-905E-754A21C6644C}" presName="Name37" presStyleLbl="parChTrans1D2" presStyleIdx="3" presStyleCnt="8"/>
+      <dgm:prSet presAssocID="{3930E226-FA6F-40B0-905E-754A21C6644C}" presName="Name37" presStyleLbl="parChTrans1D2" presStyleIdx="3" presStyleCnt="9"/>
       <dgm:spPr/>
     </dgm:pt>
     <dgm:pt modelId="{B4B6317A-15CF-41A3-8884-996C77B54179}" type="pres">
@@ -5831,7 +5957,7 @@
       <dgm:spPr/>
     </dgm:pt>
     <dgm:pt modelId="{816DF2EF-6A2D-47D7-82D8-0F775682513B}" type="pres">
-      <dgm:prSet presAssocID="{1924ECD5-AA0E-4B54-9424-D53165043932}" presName="rootText" presStyleLbl="node2" presStyleIdx="3" presStyleCnt="8">
+      <dgm:prSet presAssocID="{1924ECD5-AA0E-4B54-9424-D53165043932}" presName="rootText" presStyleLbl="node2" presStyleIdx="3" presStyleCnt="9">
         <dgm:presLayoutVars>
           <dgm:chPref val="3"/>
         </dgm:presLayoutVars>
@@ -5839,7 +5965,7 @@
       <dgm:spPr/>
     </dgm:pt>
     <dgm:pt modelId="{29EC5DCF-76B9-464F-84BA-87F256E14F2F}" type="pres">
-      <dgm:prSet presAssocID="{1924ECD5-AA0E-4B54-9424-D53165043932}" presName="rootConnector" presStyleLbl="node2" presStyleIdx="3" presStyleCnt="8"/>
+      <dgm:prSet presAssocID="{1924ECD5-AA0E-4B54-9424-D53165043932}" presName="rootConnector" presStyleLbl="node2" presStyleIdx="3" presStyleCnt="9"/>
       <dgm:spPr/>
     </dgm:pt>
     <dgm:pt modelId="{46125244-8048-47DF-A71C-35A05F4D1C16}" type="pres">
@@ -5847,7 +5973,7 @@
       <dgm:spPr/>
     </dgm:pt>
     <dgm:pt modelId="{104BA3A7-D652-47E4-9B20-83BB4665DF76}" type="pres">
-      <dgm:prSet presAssocID="{BF950D71-5670-40D6-AC0F-099BAE4EAFCE}" presName="Name37" presStyleLbl="parChTrans1D3" presStyleIdx="3" presStyleCnt="14"/>
+      <dgm:prSet presAssocID="{BF950D71-5670-40D6-AC0F-099BAE4EAFCE}" presName="Name37" presStyleLbl="parChTrans1D3" presStyleIdx="3" presStyleCnt="18"/>
       <dgm:spPr/>
     </dgm:pt>
     <dgm:pt modelId="{531B9504-8DE6-4712-98FE-50F6F2431DE0}" type="pres">
@@ -5863,7 +5989,7 @@
       <dgm:spPr/>
     </dgm:pt>
     <dgm:pt modelId="{7F097E5B-6209-4AF0-8ED0-402082DA0749}" type="pres">
-      <dgm:prSet presAssocID="{3C6EA423-D64F-4DC7-B184-24C9BC3512E8}" presName="rootText" presStyleLbl="node3" presStyleIdx="3" presStyleCnt="14">
+      <dgm:prSet presAssocID="{3C6EA423-D64F-4DC7-B184-24C9BC3512E8}" presName="rootText" presStyleLbl="node3" presStyleIdx="3" presStyleCnt="18">
         <dgm:presLayoutVars>
           <dgm:chPref val="3"/>
         </dgm:presLayoutVars>
@@ -5871,7 +5997,7 @@
       <dgm:spPr/>
     </dgm:pt>
     <dgm:pt modelId="{6326AB10-BB5C-4854-9D21-95B3803C563E}" type="pres">
-      <dgm:prSet presAssocID="{3C6EA423-D64F-4DC7-B184-24C9BC3512E8}" presName="rootConnector" presStyleLbl="node3" presStyleIdx="3" presStyleCnt="14"/>
+      <dgm:prSet presAssocID="{3C6EA423-D64F-4DC7-B184-24C9BC3512E8}" presName="rootConnector" presStyleLbl="node3" presStyleIdx="3" presStyleCnt="18"/>
       <dgm:spPr/>
     </dgm:pt>
     <dgm:pt modelId="{25A49672-0356-4BA3-BAB1-ADB32D08F479}" type="pres">
@@ -5883,7 +6009,7 @@
       <dgm:spPr/>
     </dgm:pt>
     <dgm:pt modelId="{246DDF7E-D086-468F-AD98-C5A107AC1D5D}" type="pres">
-      <dgm:prSet presAssocID="{B9579491-E72E-41C5-854B-F50C3EB1B30B}" presName="Name37" presStyleLbl="parChTrans1D3" presStyleIdx="4" presStyleCnt="14"/>
+      <dgm:prSet presAssocID="{B9579491-E72E-41C5-854B-F50C3EB1B30B}" presName="Name37" presStyleLbl="parChTrans1D3" presStyleIdx="4" presStyleCnt="18"/>
       <dgm:spPr/>
     </dgm:pt>
     <dgm:pt modelId="{CCBEDB89-BBC0-4E76-85D0-33739605D6D2}" type="pres">
@@ -5899,7 +6025,7 @@
       <dgm:spPr/>
     </dgm:pt>
     <dgm:pt modelId="{E50F9959-464F-43F9-8195-9C82C537826B}" type="pres">
-      <dgm:prSet presAssocID="{F1DABE6E-F8F2-4453-9AF1-0A543F993768}" presName="rootText" presStyleLbl="node3" presStyleIdx="4" presStyleCnt="14">
+      <dgm:prSet presAssocID="{F1DABE6E-F8F2-4453-9AF1-0A543F993768}" presName="rootText" presStyleLbl="node3" presStyleIdx="4" presStyleCnt="18">
         <dgm:presLayoutVars>
           <dgm:chPref val="3"/>
         </dgm:presLayoutVars>
@@ -5907,7 +6033,7 @@
       <dgm:spPr/>
     </dgm:pt>
     <dgm:pt modelId="{29A7D2B3-E83F-48D3-BA82-6C1B33C7D117}" type="pres">
-      <dgm:prSet presAssocID="{F1DABE6E-F8F2-4453-9AF1-0A543F993768}" presName="rootConnector" presStyleLbl="node3" presStyleIdx="4" presStyleCnt="14"/>
+      <dgm:prSet presAssocID="{F1DABE6E-F8F2-4453-9AF1-0A543F993768}" presName="rootConnector" presStyleLbl="node3" presStyleIdx="4" presStyleCnt="18"/>
       <dgm:spPr/>
     </dgm:pt>
     <dgm:pt modelId="{3F8B49D1-1470-4AFD-996C-55991B6E6161}" type="pres">
@@ -5919,7 +6045,7 @@
       <dgm:spPr/>
     </dgm:pt>
     <dgm:pt modelId="{F07C89FB-7AC0-4D6A-BF40-C0070FED0EE3}" type="pres">
-      <dgm:prSet presAssocID="{423859FD-096E-4927-9390-25344E903FBF}" presName="Name37" presStyleLbl="parChTrans1D3" presStyleIdx="5" presStyleCnt="14"/>
+      <dgm:prSet presAssocID="{423859FD-096E-4927-9390-25344E903FBF}" presName="Name37" presStyleLbl="parChTrans1D3" presStyleIdx="5" presStyleCnt="18"/>
       <dgm:spPr/>
     </dgm:pt>
     <dgm:pt modelId="{B5323093-C52B-4762-88CA-EB05C45B59E6}" type="pres">
@@ -5935,7 +6061,7 @@
       <dgm:spPr/>
     </dgm:pt>
     <dgm:pt modelId="{B99F24ED-3BC7-432A-B386-E1A66BAEF726}" type="pres">
-      <dgm:prSet presAssocID="{A1C6BA05-AD07-4670-B0CD-118E17FA1993}" presName="rootText" presStyleLbl="node3" presStyleIdx="5" presStyleCnt="14">
+      <dgm:prSet presAssocID="{A1C6BA05-AD07-4670-B0CD-118E17FA1993}" presName="rootText" presStyleLbl="node3" presStyleIdx="5" presStyleCnt="18">
         <dgm:presLayoutVars>
           <dgm:chPref val="3"/>
         </dgm:presLayoutVars>
@@ -5943,7 +6069,7 @@
       <dgm:spPr/>
     </dgm:pt>
     <dgm:pt modelId="{19FABE79-F8A2-4566-9B89-1E2FB5DFB7A6}" type="pres">
-      <dgm:prSet presAssocID="{A1C6BA05-AD07-4670-B0CD-118E17FA1993}" presName="rootConnector" presStyleLbl="node3" presStyleIdx="5" presStyleCnt="14"/>
+      <dgm:prSet presAssocID="{A1C6BA05-AD07-4670-B0CD-118E17FA1993}" presName="rootConnector" presStyleLbl="node3" presStyleIdx="5" presStyleCnt="18"/>
       <dgm:spPr/>
     </dgm:pt>
     <dgm:pt modelId="{96062C70-76CB-46F2-A12D-7691F85D67F8}" type="pres">
@@ -5955,7 +6081,7 @@
       <dgm:spPr/>
     </dgm:pt>
     <dgm:pt modelId="{ED24999A-CB54-48D6-8528-2545D016E1D3}" type="pres">
-      <dgm:prSet presAssocID="{57A8CB2D-79BE-4C74-9A37-D6A913DE1B82}" presName="Name37" presStyleLbl="parChTrans1D3" presStyleIdx="6" presStyleCnt="14"/>
+      <dgm:prSet presAssocID="{57A8CB2D-79BE-4C74-9A37-D6A913DE1B82}" presName="Name37" presStyleLbl="parChTrans1D3" presStyleIdx="6" presStyleCnt="18"/>
       <dgm:spPr/>
     </dgm:pt>
     <dgm:pt modelId="{C220EF82-2A32-455B-B92E-AB4AE94BE50C}" type="pres">
@@ -5971,7 +6097,7 @@
       <dgm:spPr/>
     </dgm:pt>
     <dgm:pt modelId="{1B492F86-1603-4E21-B660-DA6307964BAD}" type="pres">
-      <dgm:prSet presAssocID="{305846AD-47C4-463B-9DBE-6AA8AAAFD9CA}" presName="rootText" presStyleLbl="node3" presStyleIdx="6" presStyleCnt="14">
+      <dgm:prSet presAssocID="{305846AD-47C4-463B-9DBE-6AA8AAAFD9CA}" presName="rootText" presStyleLbl="node3" presStyleIdx="6" presStyleCnt="18">
         <dgm:presLayoutVars>
           <dgm:chPref val="3"/>
         </dgm:presLayoutVars>
@@ -5979,7 +6105,7 @@
       <dgm:spPr/>
     </dgm:pt>
     <dgm:pt modelId="{166FE553-CB8C-48D6-822E-56CDBDF78666}" type="pres">
-      <dgm:prSet presAssocID="{305846AD-47C4-463B-9DBE-6AA8AAAFD9CA}" presName="rootConnector" presStyleLbl="node3" presStyleIdx="6" presStyleCnt="14"/>
+      <dgm:prSet presAssocID="{305846AD-47C4-463B-9DBE-6AA8AAAFD9CA}" presName="rootConnector" presStyleLbl="node3" presStyleIdx="6" presStyleCnt="18"/>
       <dgm:spPr/>
     </dgm:pt>
     <dgm:pt modelId="{EDD082AB-8072-49AE-821E-1F6D02B72C2A}" type="pres">
@@ -5991,7 +6117,7 @@
       <dgm:spPr/>
     </dgm:pt>
     <dgm:pt modelId="{E4F616C8-77CD-4807-B795-EDC2BC3DD8F2}" type="pres">
-      <dgm:prSet presAssocID="{967C17FD-B87B-4CD0-BD44-345E2E5D2EA3}" presName="Name37" presStyleLbl="parChTrans1D3" presStyleIdx="7" presStyleCnt="14"/>
+      <dgm:prSet presAssocID="{967C17FD-B87B-4CD0-BD44-345E2E5D2EA3}" presName="Name37" presStyleLbl="parChTrans1D3" presStyleIdx="7" presStyleCnt="18"/>
       <dgm:spPr/>
     </dgm:pt>
     <dgm:pt modelId="{97BCDE9B-FA44-4866-B9CD-42F4D28FC57C}" type="pres">
@@ -6007,7 +6133,7 @@
       <dgm:spPr/>
     </dgm:pt>
     <dgm:pt modelId="{26976F64-C724-4705-94F5-0E6CD971C2E4}" type="pres">
-      <dgm:prSet presAssocID="{DE023E0B-5C31-4E35-A101-3DA3908C072F}" presName="rootText" presStyleLbl="node3" presStyleIdx="7" presStyleCnt="14">
+      <dgm:prSet presAssocID="{DE023E0B-5C31-4E35-A101-3DA3908C072F}" presName="rootText" presStyleLbl="node3" presStyleIdx="7" presStyleCnt="18">
         <dgm:presLayoutVars>
           <dgm:chPref val="3"/>
         </dgm:presLayoutVars>
@@ -6015,7 +6141,7 @@
       <dgm:spPr/>
     </dgm:pt>
     <dgm:pt modelId="{F5DA5587-5EB1-405E-8951-92F671AE6BE5}" type="pres">
-      <dgm:prSet presAssocID="{DE023E0B-5C31-4E35-A101-3DA3908C072F}" presName="rootConnector" presStyleLbl="node3" presStyleIdx="7" presStyleCnt="14"/>
+      <dgm:prSet presAssocID="{DE023E0B-5C31-4E35-A101-3DA3908C072F}" presName="rootConnector" presStyleLbl="node3" presStyleIdx="7" presStyleCnt="18"/>
       <dgm:spPr/>
     </dgm:pt>
     <dgm:pt modelId="{0BACCB52-5846-4B4E-82B3-B705AA185DE8}" type="pres">
@@ -6027,7 +6153,7 @@
       <dgm:spPr/>
     </dgm:pt>
     <dgm:pt modelId="{72D06BF6-42C5-434C-92ED-F618F0FF3B5A}" type="pres">
-      <dgm:prSet presAssocID="{7CF047C5-7A21-4DCA-910B-CBEC1AA93BA9}" presName="Name37" presStyleLbl="parChTrans1D3" presStyleIdx="8" presStyleCnt="14"/>
+      <dgm:prSet presAssocID="{7CF047C5-7A21-4DCA-910B-CBEC1AA93BA9}" presName="Name37" presStyleLbl="parChTrans1D3" presStyleIdx="8" presStyleCnt="18"/>
       <dgm:spPr/>
     </dgm:pt>
     <dgm:pt modelId="{7CE87129-122F-415D-9687-B4831C7BAD6B}" type="pres">
@@ -6043,7 +6169,7 @@
       <dgm:spPr/>
     </dgm:pt>
     <dgm:pt modelId="{50EC3807-8481-4C01-82B7-F19C2342E1A0}" type="pres">
-      <dgm:prSet presAssocID="{10F04DDC-9425-470F-8153-E7CB032EC473}" presName="rootText" presStyleLbl="node3" presStyleIdx="8" presStyleCnt="14">
+      <dgm:prSet presAssocID="{10F04DDC-9425-470F-8153-E7CB032EC473}" presName="rootText" presStyleLbl="node3" presStyleIdx="8" presStyleCnt="18">
         <dgm:presLayoutVars>
           <dgm:chPref val="3"/>
         </dgm:presLayoutVars>
@@ -6051,7 +6177,7 @@
       <dgm:spPr/>
     </dgm:pt>
     <dgm:pt modelId="{274E767F-761A-4B30-B369-389DF89B937D}" type="pres">
-      <dgm:prSet presAssocID="{10F04DDC-9425-470F-8153-E7CB032EC473}" presName="rootConnector" presStyleLbl="node3" presStyleIdx="8" presStyleCnt="14"/>
+      <dgm:prSet presAssocID="{10F04DDC-9425-470F-8153-E7CB032EC473}" presName="rootConnector" presStyleLbl="node3" presStyleIdx="8" presStyleCnt="18"/>
       <dgm:spPr/>
     </dgm:pt>
     <dgm:pt modelId="{4A3801EA-4E87-4854-89D0-F5EE8C40E870}" type="pres">
@@ -6063,7 +6189,7 @@
       <dgm:spPr/>
     </dgm:pt>
     <dgm:pt modelId="{A3F9BD0E-C624-4151-9767-64BBD33870D8}" type="pres">
-      <dgm:prSet presAssocID="{341C93D3-8A95-4DFB-AA9D-C38CA282C9E7}" presName="Name37" presStyleLbl="parChTrans1D3" presStyleIdx="9" presStyleCnt="14"/>
+      <dgm:prSet presAssocID="{341C93D3-8A95-4DFB-AA9D-C38CA282C9E7}" presName="Name37" presStyleLbl="parChTrans1D3" presStyleIdx="9" presStyleCnt="18"/>
       <dgm:spPr/>
     </dgm:pt>
     <dgm:pt modelId="{F2908DFE-90E6-4506-8F75-EC087EFF2791}" type="pres">
@@ -6079,7 +6205,7 @@
       <dgm:spPr/>
     </dgm:pt>
     <dgm:pt modelId="{FE90803F-BB98-472A-87D1-B85B7689304F}" type="pres">
-      <dgm:prSet presAssocID="{10948DB9-C87A-4CB4-AA25-2159E53038FA}" presName="rootText" presStyleLbl="node3" presStyleIdx="9" presStyleCnt="14">
+      <dgm:prSet presAssocID="{10948DB9-C87A-4CB4-AA25-2159E53038FA}" presName="rootText" presStyleLbl="node3" presStyleIdx="9" presStyleCnt="18">
         <dgm:presLayoutVars>
           <dgm:chPref val="3"/>
         </dgm:presLayoutVars>
@@ -6087,7 +6213,7 @@
       <dgm:spPr/>
     </dgm:pt>
     <dgm:pt modelId="{BEB1E389-DC78-4834-98AF-B72FEAAD2902}" type="pres">
-      <dgm:prSet presAssocID="{10948DB9-C87A-4CB4-AA25-2159E53038FA}" presName="rootConnector" presStyleLbl="node3" presStyleIdx="9" presStyleCnt="14"/>
+      <dgm:prSet presAssocID="{10948DB9-C87A-4CB4-AA25-2159E53038FA}" presName="rootConnector" presStyleLbl="node3" presStyleIdx="9" presStyleCnt="18"/>
       <dgm:spPr/>
     </dgm:pt>
     <dgm:pt modelId="{ACA86701-4A36-495A-A1A1-9DC9B364DF9A}" type="pres">
@@ -6103,7 +6229,7 @@
       <dgm:spPr/>
     </dgm:pt>
     <dgm:pt modelId="{EDE52273-429D-4F0E-B2E9-2F7FE11FCD67}" type="pres">
-      <dgm:prSet presAssocID="{9F967694-B9EF-45F7-AC9F-9806D8CB5482}" presName="Name37" presStyleLbl="parChTrans1D2" presStyleIdx="4" presStyleCnt="8"/>
+      <dgm:prSet presAssocID="{9F967694-B9EF-45F7-AC9F-9806D8CB5482}" presName="Name37" presStyleLbl="parChTrans1D2" presStyleIdx="4" presStyleCnt="9"/>
       <dgm:spPr/>
     </dgm:pt>
     <dgm:pt modelId="{8A87B9B0-9590-4772-ADB4-79757898A6E1}" type="pres">
@@ -6119,7 +6245,7 @@
       <dgm:spPr/>
     </dgm:pt>
     <dgm:pt modelId="{0C2F2216-8D08-4E87-B39E-9F041EF12805}" type="pres">
-      <dgm:prSet presAssocID="{EB65517D-69B4-43D8-B5D7-51657BA54F8A}" presName="rootText" presStyleLbl="node2" presStyleIdx="4" presStyleCnt="8">
+      <dgm:prSet presAssocID="{EB65517D-69B4-43D8-B5D7-51657BA54F8A}" presName="rootText" presStyleLbl="node2" presStyleIdx="4" presStyleCnt="9">
         <dgm:presLayoutVars>
           <dgm:chPref val="3"/>
         </dgm:presLayoutVars>
@@ -6127,7 +6253,7 @@
       <dgm:spPr/>
     </dgm:pt>
     <dgm:pt modelId="{15D3E976-5568-44A0-A255-991A6803201C}" type="pres">
-      <dgm:prSet presAssocID="{EB65517D-69B4-43D8-B5D7-51657BA54F8A}" presName="rootConnector" presStyleLbl="node2" presStyleIdx="4" presStyleCnt="8"/>
+      <dgm:prSet presAssocID="{EB65517D-69B4-43D8-B5D7-51657BA54F8A}" presName="rootConnector" presStyleLbl="node2" presStyleIdx="4" presStyleCnt="9"/>
       <dgm:spPr/>
     </dgm:pt>
     <dgm:pt modelId="{E0EDB8A2-BD71-4E29-82CC-B81590494B83}" type="pres">
@@ -6135,7 +6261,7 @@
       <dgm:spPr/>
     </dgm:pt>
     <dgm:pt modelId="{206209FB-F600-4BD1-9606-121E90963E67}" type="pres">
-      <dgm:prSet presAssocID="{0ED2AB80-1B48-415F-BD87-852714594E12}" presName="Name37" presStyleLbl="parChTrans1D3" presStyleIdx="10" presStyleCnt="14"/>
+      <dgm:prSet presAssocID="{0ED2AB80-1B48-415F-BD87-852714594E12}" presName="Name37" presStyleLbl="parChTrans1D3" presStyleIdx="10" presStyleCnt="18"/>
       <dgm:spPr/>
     </dgm:pt>
     <dgm:pt modelId="{9D94A714-C145-4F55-BF39-E82CC94072CD}" type="pres">
@@ -6151,7 +6277,7 @@
       <dgm:spPr/>
     </dgm:pt>
     <dgm:pt modelId="{B15B783C-17E1-46DC-B52E-C2A7EDCDDBF6}" type="pres">
-      <dgm:prSet presAssocID="{785ADFEC-7668-46D6-9578-5377B24474CF}" presName="rootText" presStyleLbl="node3" presStyleIdx="10" presStyleCnt="14">
+      <dgm:prSet presAssocID="{785ADFEC-7668-46D6-9578-5377B24474CF}" presName="rootText" presStyleLbl="node3" presStyleIdx="10" presStyleCnt="18">
         <dgm:presLayoutVars>
           <dgm:chPref val="3"/>
         </dgm:presLayoutVars>
@@ -6159,7 +6285,7 @@
       <dgm:spPr/>
     </dgm:pt>
     <dgm:pt modelId="{43888EB2-C238-4AB3-84EF-EB4C21FE5D9D}" type="pres">
-      <dgm:prSet presAssocID="{785ADFEC-7668-46D6-9578-5377B24474CF}" presName="rootConnector" presStyleLbl="node3" presStyleIdx="10" presStyleCnt="14"/>
+      <dgm:prSet presAssocID="{785ADFEC-7668-46D6-9578-5377B24474CF}" presName="rootConnector" presStyleLbl="node3" presStyleIdx="10" presStyleCnt="18"/>
       <dgm:spPr/>
     </dgm:pt>
     <dgm:pt modelId="{1D44AC0C-5EFA-40AA-A409-4132EDAC6BF1}" type="pres">
@@ -6175,7 +6301,7 @@
       <dgm:spPr/>
     </dgm:pt>
     <dgm:pt modelId="{D4C5CCAB-7FF3-44F7-8278-BB322864B121}" type="pres">
-      <dgm:prSet presAssocID="{C64C22FD-D31D-4129-A644-EAC90AC2F0EF}" presName="Name37" presStyleLbl="parChTrans1D2" presStyleIdx="5" presStyleCnt="8"/>
+      <dgm:prSet presAssocID="{C64C22FD-D31D-4129-A644-EAC90AC2F0EF}" presName="Name37" presStyleLbl="parChTrans1D2" presStyleIdx="5" presStyleCnt="9"/>
       <dgm:spPr/>
     </dgm:pt>
     <dgm:pt modelId="{5CC20E89-F633-4EE5-A46A-2881618E8D80}" type="pres">
@@ -6191,7 +6317,7 @@
       <dgm:spPr/>
     </dgm:pt>
     <dgm:pt modelId="{022713AF-96D9-4A2B-A358-49115AFE68DF}" type="pres">
-      <dgm:prSet presAssocID="{347BA63F-6330-4E17-9091-C819304D8374}" presName="rootText" presStyleLbl="node2" presStyleIdx="5" presStyleCnt="8">
+      <dgm:prSet presAssocID="{347BA63F-6330-4E17-9091-C819304D8374}" presName="rootText" presStyleLbl="node2" presStyleIdx="5" presStyleCnt="9">
         <dgm:presLayoutVars>
           <dgm:chPref val="3"/>
         </dgm:presLayoutVars>
@@ -6199,7 +6325,7 @@
       <dgm:spPr/>
     </dgm:pt>
     <dgm:pt modelId="{42DEE17A-3D83-4C0D-B91C-CA141A292DA2}" type="pres">
-      <dgm:prSet presAssocID="{347BA63F-6330-4E17-9091-C819304D8374}" presName="rootConnector" presStyleLbl="node2" presStyleIdx="5" presStyleCnt="8"/>
+      <dgm:prSet presAssocID="{347BA63F-6330-4E17-9091-C819304D8374}" presName="rootConnector" presStyleLbl="node2" presStyleIdx="5" presStyleCnt="9"/>
       <dgm:spPr/>
     </dgm:pt>
     <dgm:pt modelId="{943B17A1-4133-47E1-8214-3894E9A6F0CB}" type="pres">
@@ -6207,7 +6333,7 @@
       <dgm:spPr/>
     </dgm:pt>
     <dgm:pt modelId="{865CC225-A0DA-47E2-8F93-648401CE5D35}" type="pres">
-      <dgm:prSet presAssocID="{42168C56-2F22-4C47-AD41-80714FFDE7B7}" presName="Name37" presStyleLbl="parChTrans1D3" presStyleIdx="11" presStyleCnt="14"/>
+      <dgm:prSet presAssocID="{42168C56-2F22-4C47-AD41-80714FFDE7B7}" presName="Name37" presStyleLbl="parChTrans1D3" presStyleIdx="11" presStyleCnt="18"/>
       <dgm:spPr/>
     </dgm:pt>
     <dgm:pt modelId="{70E78AA5-44C3-4381-958B-78CB23EBFFCE}" type="pres">
@@ -6223,7 +6349,7 @@
       <dgm:spPr/>
     </dgm:pt>
     <dgm:pt modelId="{CC33A293-E3CB-411D-9632-6FE6954F9F3F}" type="pres">
-      <dgm:prSet presAssocID="{4DE3A42A-E3CE-4E99-83D9-D1A6756B3CB9}" presName="rootText" presStyleLbl="node3" presStyleIdx="11" presStyleCnt="14">
+      <dgm:prSet presAssocID="{4DE3A42A-E3CE-4E99-83D9-D1A6756B3CB9}" presName="rootText" presStyleLbl="node3" presStyleIdx="11" presStyleCnt="18">
         <dgm:presLayoutVars>
           <dgm:chPref val="3"/>
         </dgm:presLayoutVars>
@@ -6231,7 +6357,7 @@
       <dgm:spPr/>
     </dgm:pt>
     <dgm:pt modelId="{2C816549-9EE9-4756-A160-AC0E53C139B8}" type="pres">
-      <dgm:prSet presAssocID="{4DE3A42A-E3CE-4E99-83D9-D1A6756B3CB9}" presName="rootConnector" presStyleLbl="node3" presStyleIdx="11" presStyleCnt="14"/>
+      <dgm:prSet presAssocID="{4DE3A42A-E3CE-4E99-83D9-D1A6756B3CB9}" presName="rootConnector" presStyleLbl="node3" presStyleIdx="11" presStyleCnt="18"/>
       <dgm:spPr/>
     </dgm:pt>
     <dgm:pt modelId="{B4B577CE-F927-44B3-B73A-132AB0F7463E}" type="pres">
@@ -6319,7 +6445,7 @@
       <dgm:spPr/>
     </dgm:pt>
     <dgm:pt modelId="{C01F831D-EFD6-481A-9BCE-21CF8207E0E1}" type="pres">
-      <dgm:prSet presAssocID="{476A2B4E-0CFD-4F03-9824-25789D527EDB}" presName="Name37" presStyleLbl="parChTrans1D2" presStyleIdx="6" presStyleCnt="8"/>
+      <dgm:prSet presAssocID="{476A2B4E-0CFD-4F03-9824-25789D527EDB}" presName="Name37" presStyleLbl="parChTrans1D2" presStyleIdx="6" presStyleCnt="9"/>
       <dgm:spPr/>
     </dgm:pt>
     <dgm:pt modelId="{C9B38781-C395-4C17-8C7F-BEE957BD4249}" type="pres">
@@ -6335,7 +6461,7 @@
       <dgm:spPr/>
     </dgm:pt>
     <dgm:pt modelId="{12F0C7F9-8119-4BBD-A7C5-DEFEEA6C7D89}" type="pres">
-      <dgm:prSet presAssocID="{A48100E6-84E1-4E3F-8C93-442D7A1A23CC}" presName="rootText" presStyleLbl="node2" presStyleIdx="6" presStyleCnt="8">
+      <dgm:prSet presAssocID="{A48100E6-84E1-4E3F-8C93-442D7A1A23CC}" presName="rootText" presStyleLbl="node2" presStyleIdx="6" presStyleCnt="9">
         <dgm:presLayoutVars>
           <dgm:chPref val="3"/>
         </dgm:presLayoutVars>
@@ -6343,7 +6469,7 @@
       <dgm:spPr/>
     </dgm:pt>
     <dgm:pt modelId="{0328B132-74A6-4425-821D-84668D625AD9}" type="pres">
-      <dgm:prSet presAssocID="{A48100E6-84E1-4E3F-8C93-442D7A1A23CC}" presName="rootConnector" presStyleLbl="node2" presStyleIdx="6" presStyleCnt="8"/>
+      <dgm:prSet presAssocID="{A48100E6-84E1-4E3F-8C93-442D7A1A23CC}" presName="rootConnector" presStyleLbl="node2" presStyleIdx="6" presStyleCnt="9"/>
       <dgm:spPr/>
     </dgm:pt>
     <dgm:pt modelId="{2576764E-D309-4CA8-B535-2E32B2410668}" type="pres">
@@ -6355,7 +6481,7 @@
       <dgm:spPr/>
     </dgm:pt>
     <dgm:pt modelId="{DC0B8C07-BCD6-4D91-BB5F-6E51880E10CA}" type="pres">
-      <dgm:prSet presAssocID="{B0804064-996B-41FA-9EBA-EC56EBF3506F}" presName="Name37" presStyleLbl="parChTrans1D2" presStyleIdx="7" presStyleCnt="8"/>
+      <dgm:prSet presAssocID="{B0804064-996B-41FA-9EBA-EC56EBF3506F}" presName="Name37" presStyleLbl="parChTrans1D2" presStyleIdx="7" presStyleCnt="9"/>
       <dgm:spPr/>
     </dgm:pt>
     <dgm:pt modelId="{B4ED0032-F552-4842-84E2-122A4AFFF45E}" type="pres">
@@ -6371,7 +6497,7 @@
       <dgm:spPr/>
     </dgm:pt>
     <dgm:pt modelId="{99BBCD64-0904-4F94-938B-1D4FAE73A2E1}" type="pres">
-      <dgm:prSet presAssocID="{28ACC96C-DAEE-4690-912C-9633C398023B}" presName="rootText" presStyleLbl="node2" presStyleIdx="7" presStyleCnt="8">
+      <dgm:prSet presAssocID="{28ACC96C-DAEE-4690-912C-9633C398023B}" presName="rootText" presStyleLbl="node2" presStyleIdx="7" presStyleCnt="9">
         <dgm:presLayoutVars>
           <dgm:chPref val="3"/>
         </dgm:presLayoutVars>
@@ -6379,7 +6505,7 @@
       <dgm:spPr/>
     </dgm:pt>
     <dgm:pt modelId="{4C381AC9-173E-441C-AC7D-6F1D3FC15D8A}" type="pres">
-      <dgm:prSet presAssocID="{28ACC96C-DAEE-4690-912C-9633C398023B}" presName="rootConnector" presStyleLbl="node2" presStyleIdx="7" presStyleCnt="8"/>
+      <dgm:prSet presAssocID="{28ACC96C-DAEE-4690-912C-9633C398023B}" presName="rootConnector" presStyleLbl="node2" presStyleIdx="7" presStyleCnt="9"/>
       <dgm:spPr/>
     </dgm:pt>
     <dgm:pt modelId="{1E03C464-5C83-400B-BDFE-953A491844E5}" type="pres">
@@ -6387,7 +6513,7 @@
       <dgm:spPr/>
     </dgm:pt>
     <dgm:pt modelId="{98DF9615-6AB1-4615-98A9-227A4B3AE02B}" type="pres">
-      <dgm:prSet presAssocID="{AD5EE0EA-60D1-43DE-980D-E1501EFCEDE7}" presName="Name37" presStyleLbl="parChTrans1D3" presStyleIdx="12" presStyleCnt="14"/>
+      <dgm:prSet presAssocID="{AD5EE0EA-60D1-43DE-980D-E1501EFCEDE7}" presName="Name37" presStyleLbl="parChTrans1D3" presStyleIdx="12" presStyleCnt="18"/>
       <dgm:spPr/>
     </dgm:pt>
     <dgm:pt modelId="{F4F6AA9E-5CC7-4688-8E0A-DFFF2E2453E3}" type="pres">
@@ -6403,7 +6529,7 @@
       <dgm:spPr/>
     </dgm:pt>
     <dgm:pt modelId="{7A882588-0810-4F92-AD23-756B9035A4E8}" type="pres">
-      <dgm:prSet presAssocID="{197668C4-8212-48B8-A54E-73002176A9B9}" presName="rootText" presStyleLbl="node3" presStyleIdx="12" presStyleCnt="14">
+      <dgm:prSet presAssocID="{197668C4-8212-48B8-A54E-73002176A9B9}" presName="rootText" presStyleLbl="node3" presStyleIdx="12" presStyleCnt="18">
         <dgm:presLayoutVars>
           <dgm:chPref val="3"/>
         </dgm:presLayoutVars>
@@ -6411,7 +6537,7 @@
       <dgm:spPr/>
     </dgm:pt>
     <dgm:pt modelId="{241D6C5A-A704-4FEC-BFA2-42E7E1150593}" type="pres">
-      <dgm:prSet presAssocID="{197668C4-8212-48B8-A54E-73002176A9B9}" presName="rootConnector" presStyleLbl="node3" presStyleIdx="12" presStyleCnt="14"/>
+      <dgm:prSet presAssocID="{197668C4-8212-48B8-A54E-73002176A9B9}" presName="rootConnector" presStyleLbl="node3" presStyleIdx="12" presStyleCnt="18"/>
       <dgm:spPr/>
     </dgm:pt>
     <dgm:pt modelId="{1773CDB1-D2E3-4EAE-A42A-B036DC3596AE}" type="pres">
@@ -6423,7 +6549,7 @@
       <dgm:spPr/>
     </dgm:pt>
     <dgm:pt modelId="{B4023B61-E2B4-4C69-A00E-8B14067C6DC3}" type="pres">
-      <dgm:prSet presAssocID="{D672805F-D531-46CA-8240-38805655CA82}" presName="Name37" presStyleLbl="parChTrans1D3" presStyleIdx="13" presStyleCnt="14"/>
+      <dgm:prSet presAssocID="{D672805F-D531-46CA-8240-38805655CA82}" presName="Name37" presStyleLbl="parChTrans1D3" presStyleIdx="13" presStyleCnt="18"/>
       <dgm:spPr/>
     </dgm:pt>
     <dgm:pt modelId="{BBBC079C-B4BF-4ADF-8148-1298E67D0F08}" type="pres">
@@ -6439,7 +6565,7 @@
       <dgm:spPr/>
     </dgm:pt>
     <dgm:pt modelId="{B04C15FD-14A3-4E7B-895B-7C4AF0E8908C}" type="pres">
-      <dgm:prSet presAssocID="{5DF6C11B-377F-47FB-BC50-A7E3E32B7B43}" presName="rootText" presStyleLbl="node3" presStyleIdx="13" presStyleCnt="14">
+      <dgm:prSet presAssocID="{5DF6C11B-377F-47FB-BC50-A7E3E32B7B43}" presName="rootText" presStyleLbl="node3" presStyleIdx="13" presStyleCnt="18">
         <dgm:presLayoutVars>
           <dgm:chPref val="3"/>
         </dgm:presLayoutVars>
@@ -6447,7 +6573,7 @@
       <dgm:spPr/>
     </dgm:pt>
     <dgm:pt modelId="{D2420743-058E-43CD-8DE7-96F37C968137}" type="pres">
-      <dgm:prSet presAssocID="{5DF6C11B-377F-47FB-BC50-A7E3E32B7B43}" presName="rootConnector" presStyleLbl="node3" presStyleIdx="13" presStyleCnt="14"/>
+      <dgm:prSet presAssocID="{5DF6C11B-377F-47FB-BC50-A7E3E32B7B43}" presName="rootConnector" presStyleLbl="node3" presStyleIdx="13" presStyleCnt="18"/>
       <dgm:spPr/>
     </dgm:pt>
     <dgm:pt modelId="{0C86AA4C-1483-49E1-8C49-98CA315494B9}" type="pres">
@@ -6460,6 +6586,186 @@
     </dgm:pt>
     <dgm:pt modelId="{761E2FBE-BF4C-4F06-94D6-4399B7503FC9}" type="pres">
       <dgm:prSet presAssocID="{28ACC96C-DAEE-4690-912C-9633C398023B}" presName="hierChild5" presStyleCnt="0"/>
+      <dgm:spPr/>
+    </dgm:pt>
+    <dgm:pt modelId="{3C7E0377-7826-4EB4-A154-E9D5E18BE81C}" type="pres">
+      <dgm:prSet presAssocID="{E5E79FCF-73DE-4917-B161-D2D920AE6114}" presName="Name37" presStyleLbl="parChTrans1D2" presStyleIdx="8" presStyleCnt="9"/>
+      <dgm:spPr/>
+    </dgm:pt>
+    <dgm:pt modelId="{04F77DF7-580B-4348-BFC8-11E09BE0E95D}" type="pres">
+      <dgm:prSet presAssocID="{883372AC-54A3-434D-B3FD-47B7FC1A2F94}" presName="hierRoot2" presStyleCnt="0">
+        <dgm:presLayoutVars>
+          <dgm:hierBranch val="init"/>
+        </dgm:presLayoutVars>
+      </dgm:prSet>
+      <dgm:spPr/>
+    </dgm:pt>
+    <dgm:pt modelId="{2AFF067B-22E8-451F-9159-12B708B396F8}" type="pres">
+      <dgm:prSet presAssocID="{883372AC-54A3-434D-B3FD-47B7FC1A2F94}" presName="rootComposite" presStyleCnt="0"/>
+      <dgm:spPr/>
+    </dgm:pt>
+    <dgm:pt modelId="{AE2F2268-A6C7-4EC7-BF2C-D734B8B30E4A}" type="pres">
+      <dgm:prSet presAssocID="{883372AC-54A3-434D-B3FD-47B7FC1A2F94}" presName="rootText" presStyleLbl="node2" presStyleIdx="8" presStyleCnt="9">
+        <dgm:presLayoutVars>
+          <dgm:chPref val="3"/>
+        </dgm:presLayoutVars>
+      </dgm:prSet>
+      <dgm:spPr/>
+    </dgm:pt>
+    <dgm:pt modelId="{52E22AD1-FE45-4C27-B4BD-2562A4F28B0D}" type="pres">
+      <dgm:prSet presAssocID="{883372AC-54A3-434D-B3FD-47B7FC1A2F94}" presName="rootConnector" presStyleLbl="node2" presStyleIdx="8" presStyleCnt="9"/>
+      <dgm:spPr/>
+    </dgm:pt>
+    <dgm:pt modelId="{F4364CCC-F547-44F5-987F-E53A777046EF}" type="pres">
+      <dgm:prSet presAssocID="{883372AC-54A3-434D-B3FD-47B7FC1A2F94}" presName="hierChild4" presStyleCnt="0"/>
+      <dgm:spPr/>
+    </dgm:pt>
+    <dgm:pt modelId="{2A01B9DD-6370-4CAA-9132-07CEDA3A502F}" type="pres">
+      <dgm:prSet presAssocID="{F1332BF6-B8C7-4DEA-BE82-35051DA5F48B}" presName="Name37" presStyleLbl="parChTrans1D3" presStyleIdx="14" presStyleCnt="18"/>
+      <dgm:spPr/>
+    </dgm:pt>
+    <dgm:pt modelId="{1BC02E00-E014-4A0A-B044-2AB8B3FA46BF}" type="pres">
+      <dgm:prSet presAssocID="{06D4AC17-67B1-4EEF-B1BB-B0ECE09E5C55}" presName="hierRoot2" presStyleCnt="0">
+        <dgm:presLayoutVars>
+          <dgm:hierBranch val="init"/>
+        </dgm:presLayoutVars>
+      </dgm:prSet>
+      <dgm:spPr/>
+    </dgm:pt>
+    <dgm:pt modelId="{C75D0B61-7849-4FAB-A95B-B9DD03F0D1C5}" type="pres">
+      <dgm:prSet presAssocID="{06D4AC17-67B1-4EEF-B1BB-B0ECE09E5C55}" presName="rootComposite" presStyleCnt="0"/>
+      <dgm:spPr/>
+    </dgm:pt>
+    <dgm:pt modelId="{0AF6AD1F-90E4-467B-9024-E8CEF427C8C5}" type="pres">
+      <dgm:prSet presAssocID="{06D4AC17-67B1-4EEF-B1BB-B0ECE09E5C55}" presName="rootText" presStyleLbl="node3" presStyleIdx="14" presStyleCnt="18">
+        <dgm:presLayoutVars>
+          <dgm:chPref val="3"/>
+        </dgm:presLayoutVars>
+      </dgm:prSet>
+      <dgm:spPr/>
+    </dgm:pt>
+    <dgm:pt modelId="{93ADFACE-1AEF-48D7-BC0C-F1330AF93051}" type="pres">
+      <dgm:prSet presAssocID="{06D4AC17-67B1-4EEF-B1BB-B0ECE09E5C55}" presName="rootConnector" presStyleLbl="node3" presStyleIdx="14" presStyleCnt="18"/>
+      <dgm:spPr/>
+    </dgm:pt>
+    <dgm:pt modelId="{99AD2B96-E571-4276-889B-2AEE100456DE}" type="pres">
+      <dgm:prSet presAssocID="{06D4AC17-67B1-4EEF-B1BB-B0ECE09E5C55}" presName="hierChild4" presStyleCnt="0"/>
+      <dgm:spPr/>
+    </dgm:pt>
+    <dgm:pt modelId="{BFEF1977-90D2-4502-8B60-3A681440CBE7}" type="pres">
+      <dgm:prSet presAssocID="{06D4AC17-67B1-4EEF-B1BB-B0ECE09E5C55}" presName="hierChild5" presStyleCnt="0"/>
+      <dgm:spPr/>
+    </dgm:pt>
+    <dgm:pt modelId="{651FDB2C-2A09-4AFC-B231-51BFBA03F5B4}" type="pres">
+      <dgm:prSet presAssocID="{D88A751F-AD3E-446A-AC38-7AFA6263DB0A}" presName="Name37" presStyleLbl="parChTrans1D3" presStyleIdx="15" presStyleCnt="18"/>
+      <dgm:spPr/>
+    </dgm:pt>
+    <dgm:pt modelId="{745C66FD-36DA-45EC-A072-75F68B485EEB}" type="pres">
+      <dgm:prSet presAssocID="{1D75DDC8-EEF1-49FE-98B9-BC4622DC3AE8}" presName="hierRoot2" presStyleCnt="0">
+        <dgm:presLayoutVars>
+          <dgm:hierBranch val="init"/>
+        </dgm:presLayoutVars>
+      </dgm:prSet>
+      <dgm:spPr/>
+    </dgm:pt>
+    <dgm:pt modelId="{4F555D29-3691-4F64-8444-4724F9D792D0}" type="pres">
+      <dgm:prSet presAssocID="{1D75DDC8-EEF1-49FE-98B9-BC4622DC3AE8}" presName="rootComposite" presStyleCnt="0"/>
+      <dgm:spPr/>
+    </dgm:pt>
+    <dgm:pt modelId="{686C69EA-C904-4E3D-9B40-533D92B8E82F}" type="pres">
+      <dgm:prSet presAssocID="{1D75DDC8-EEF1-49FE-98B9-BC4622DC3AE8}" presName="rootText" presStyleLbl="node3" presStyleIdx="15" presStyleCnt="18">
+        <dgm:presLayoutVars>
+          <dgm:chPref val="3"/>
+        </dgm:presLayoutVars>
+      </dgm:prSet>
+      <dgm:spPr/>
+    </dgm:pt>
+    <dgm:pt modelId="{3B567BCD-F1BD-47C3-86E5-67758BC4FDE4}" type="pres">
+      <dgm:prSet presAssocID="{1D75DDC8-EEF1-49FE-98B9-BC4622DC3AE8}" presName="rootConnector" presStyleLbl="node3" presStyleIdx="15" presStyleCnt="18"/>
+      <dgm:spPr/>
+    </dgm:pt>
+    <dgm:pt modelId="{C37804E5-69FC-4A85-B427-37067E42B2C0}" type="pres">
+      <dgm:prSet presAssocID="{1D75DDC8-EEF1-49FE-98B9-BC4622DC3AE8}" presName="hierChild4" presStyleCnt="0"/>
+      <dgm:spPr/>
+    </dgm:pt>
+    <dgm:pt modelId="{3B25464F-6BE4-4B03-B789-A37578B0B2F9}" type="pres">
+      <dgm:prSet presAssocID="{1D75DDC8-EEF1-49FE-98B9-BC4622DC3AE8}" presName="hierChild5" presStyleCnt="0"/>
+      <dgm:spPr/>
+    </dgm:pt>
+    <dgm:pt modelId="{CE034E7E-9D5B-43F7-901D-6280D21CEAEB}" type="pres">
+      <dgm:prSet presAssocID="{B084A808-0F3D-4F7D-9EDC-B57BB21EA28A}" presName="Name37" presStyleLbl="parChTrans1D3" presStyleIdx="16" presStyleCnt="18"/>
+      <dgm:spPr/>
+    </dgm:pt>
+    <dgm:pt modelId="{328BA5F8-F687-4ED6-AFFA-41A925D4A2CC}" type="pres">
+      <dgm:prSet presAssocID="{FAC5F8A5-12AB-41C4-94E8-6418DF438EA1}" presName="hierRoot2" presStyleCnt="0">
+        <dgm:presLayoutVars>
+          <dgm:hierBranch val="init"/>
+        </dgm:presLayoutVars>
+      </dgm:prSet>
+      <dgm:spPr/>
+    </dgm:pt>
+    <dgm:pt modelId="{74617059-0E38-455B-929A-5382A0702321}" type="pres">
+      <dgm:prSet presAssocID="{FAC5F8A5-12AB-41C4-94E8-6418DF438EA1}" presName="rootComposite" presStyleCnt="0"/>
+      <dgm:spPr/>
+    </dgm:pt>
+    <dgm:pt modelId="{AA709FDF-C364-4FE8-B052-54BEC06C781F}" type="pres">
+      <dgm:prSet presAssocID="{FAC5F8A5-12AB-41C4-94E8-6418DF438EA1}" presName="rootText" presStyleLbl="node3" presStyleIdx="16" presStyleCnt="18">
+        <dgm:presLayoutVars>
+          <dgm:chPref val="3"/>
+        </dgm:presLayoutVars>
+      </dgm:prSet>
+      <dgm:spPr/>
+    </dgm:pt>
+    <dgm:pt modelId="{E0AA9267-59A7-4574-BCE8-E567567A9877}" type="pres">
+      <dgm:prSet presAssocID="{FAC5F8A5-12AB-41C4-94E8-6418DF438EA1}" presName="rootConnector" presStyleLbl="node3" presStyleIdx="16" presStyleCnt="18"/>
+      <dgm:spPr/>
+    </dgm:pt>
+    <dgm:pt modelId="{AE414E95-8470-4B4E-A0EE-79FD5EAD144C}" type="pres">
+      <dgm:prSet presAssocID="{FAC5F8A5-12AB-41C4-94E8-6418DF438EA1}" presName="hierChild4" presStyleCnt="0"/>
+      <dgm:spPr/>
+    </dgm:pt>
+    <dgm:pt modelId="{9EA0A317-0688-46E5-BFCE-375D1AF58F3C}" type="pres">
+      <dgm:prSet presAssocID="{FAC5F8A5-12AB-41C4-94E8-6418DF438EA1}" presName="hierChild5" presStyleCnt="0"/>
+      <dgm:spPr/>
+    </dgm:pt>
+    <dgm:pt modelId="{2AB33B9F-0D3C-4528-9E1C-821C3D315AD3}" type="pres">
+      <dgm:prSet presAssocID="{3AD8B49B-CAD2-45C7-8BD2-E443686D8364}" presName="Name37" presStyleLbl="parChTrans1D3" presStyleIdx="17" presStyleCnt="18"/>
+      <dgm:spPr/>
+    </dgm:pt>
+    <dgm:pt modelId="{5C998195-8868-4B11-B8EE-FDB4EF4D46E9}" type="pres">
+      <dgm:prSet presAssocID="{BF6447A2-3917-466A-8BBF-187904A81840}" presName="hierRoot2" presStyleCnt="0">
+        <dgm:presLayoutVars>
+          <dgm:hierBranch val="init"/>
+        </dgm:presLayoutVars>
+      </dgm:prSet>
+      <dgm:spPr/>
+    </dgm:pt>
+    <dgm:pt modelId="{9013B6CA-5B39-4E78-B615-B922F5768B54}" type="pres">
+      <dgm:prSet presAssocID="{BF6447A2-3917-466A-8BBF-187904A81840}" presName="rootComposite" presStyleCnt="0"/>
+      <dgm:spPr/>
+    </dgm:pt>
+    <dgm:pt modelId="{24C11AD3-B1F4-4741-BC85-7A806BA85E2B}" type="pres">
+      <dgm:prSet presAssocID="{BF6447A2-3917-466A-8BBF-187904A81840}" presName="rootText" presStyleLbl="node3" presStyleIdx="17" presStyleCnt="18">
+        <dgm:presLayoutVars>
+          <dgm:chPref val="3"/>
+        </dgm:presLayoutVars>
+      </dgm:prSet>
+      <dgm:spPr/>
+    </dgm:pt>
+    <dgm:pt modelId="{C202CE6B-EFBF-4DB8-9FDD-3F4F1FB13C78}" type="pres">
+      <dgm:prSet presAssocID="{BF6447A2-3917-466A-8BBF-187904A81840}" presName="rootConnector" presStyleLbl="node3" presStyleIdx="17" presStyleCnt="18"/>
+      <dgm:spPr/>
+    </dgm:pt>
+    <dgm:pt modelId="{7857A5A8-AEB4-406E-8BF9-B76E783D0985}" type="pres">
+      <dgm:prSet presAssocID="{BF6447A2-3917-466A-8BBF-187904A81840}" presName="hierChild4" presStyleCnt="0"/>
+      <dgm:spPr/>
+    </dgm:pt>
+    <dgm:pt modelId="{AD7C79A3-CF1B-4960-9C4A-FFDD4A90370E}" type="pres">
+      <dgm:prSet presAssocID="{BF6447A2-3917-466A-8BBF-187904A81840}" presName="hierChild5" presStyleCnt="0"/>
+      <dgm:spPr/>
+    </dgm:pt>
+    <dgm:pt modelId="{0F58BC4E-CA28-47E0-A8A1-509806023068}" type="pres">
+      <dgm:prSet presAssocID="{883372AC-54A3-434D-B3FD-47B7FC1A2F94}" presName="hierChild5" presStyleCnt="0"/>
       <dgm:spPr/>
     </dgm:pt>
     <dgm:pt modelId="{2DAC1630-BA8F-4206-952C-EBE673153874}" type="pres">
@@ -6472,12 +6778,18 @@
     <dgm:cxn modelId="{270DDA09-7491-47DE-BF57-0D4FA9136B89}" type="presOf" srcId="{EF6B1CB1-4266-4EA5-804A-ACC48ED2EE3D}" destId="{F18F04F2-ED04-4331-853F-808462CDAC9B}" srcOrd="1" destOrd="0" presId="urn:microsoft.com/office/officeart/2005/8/layout/orgChart1"/>
     <dgm:cxn modelId="{D95FE817-C3E6-4CE6-AC73-B2F0C288457F}" type="presOf" srcId="{305846AD-47C4-463B-9DBE-6AA8AAAFD9CA}" destId="{166FE553-CB8C-48D6-822E-56CDBDF78666}" srcOrd="1" destOrd="0" presId="urn:microsoft.com/office/officeart/2005/8/layout/orgChart1"/>
     <dgm:cxn modelId="{D5359E19-2FD0-4409-A875-DC359F817818}" srcId="{441C9BFF-8AD7-4827-90F5-60BEDCAF3705}" destId="{EF6B1CB1-4266-4EA5-804A-ACC48ED2EE3D}" srcOrd="0" destOrd="0" parTransId="{A1698A36-C129-4FA1-BE7D-9B591DCFED6F}" sibTransId="{874649DD-CE2C-4963-AD9D-6BF4EABFEA87}"/>
+    <dgm:cxn modelId="{CC56E119-22BC-4837-A9AA-C12DB8C947B0}" type="presOf" srcId="{06D4AC17-67B1-4EEF-B1BB-B0ECE09E5C55}" destId="{0AF6AD1F-90E4-467B-9024-E8CEF427C8C5}" srcOrd="0" destOrd="0" presId="urn:microsoft.com/office/officeart/2005/8/layout/orgChart1"/>
+    <dgm:cxn modelId="{AAC1A61F-5DBB-4096-9F02-44990FF0D758}" type="presOf" srcId="{FAC5F8A5-12AB-41C4-94E8-6418DF438EA1}" destId="{E0AA9267-59A7-4574-BCE8-E567567A9877}" srcOrd="1" destOrd="0" presId="urn:microsoft.com/office/officeart/2005/8/layout/orgChart1"/>
     <dgm:cxn modelId="{438ACE25-C8C6-4AEF-92C4-A2D3A6306E5A}" type="presOf" srcId="{332EBDA1-FC91-42DD-8C1E-2C7B445019B3}" destId="{5CEACDA1-7667-40A9-B874-25D1B1E21A99}" srcOrd="0" destOrd="0" presId="urn:microsoft.com/office/officeart/2005/8/layout/orgChart1"/>
     <dgm:cxn modelId="{F45B7A26-8D0F-48F9-A2DC-CF949FE58CED}" type="presOf" srcId="{197668C4-8212-48B8-A54E-73002176A9B9}" destId="{7A882588-0810-4F92-AD23-756B9035A4E8}" srcOrd="0" destOrd="0" presId="urn:microsoft.com/office/officeart/2005/8/layout/orgChart1"/>
     <dgm:cxn modelId="{0A009826-02C9-4163-9C61-B7F53EBB75B2}" type="presOf" srcId="{441C9BFF-8AD7-4827-90F5-60BEDCAF3705}" destId="{D4AAF6B0-5935-4077-A7BD-9DC102060D2E}" srcOrd="0" destOrd="0" presId="urn:microsoft.com/office/officeart/2005/8/layout/orgChart1"/>
+    <dgm:cxn modelId="{4698E726-A723-4D3A-AB4A-17178151555C}" srcId="{883372AC-54A3-434D-B3FD-47B7FC1A2F94}" destId="{FAC5F8A5-12AB-41C4-94E8-6418DF438EA1}" srcOrd="2" destOrd="0" parTransId="{B084A808-0F3D-4F7D-9EDC-B57BB21EA28A}" sibTransId="{4722A899-72DF-4DAC-AA67-628578714C4D}"/>
     <dgm:cxn modelId="{C54F5B28-6AE5-41FA-A76A-40C3EBDC4BAD}" type="presOf" srcId="{1924ECD5-AA0E-4B54-9424-D53165043932}" destId="{29EC5DCF-76B9-464F-84BA-87F256E14F2F}" srcOrd="1" destOrd="0" presId="urn:microsoft.com/office/officeart/2005/8/layout/orgChart1"/>
+    <dgm:cxn modelId="{A4CE6B28-2F40-4581-8C6F-EC83D61BFD23}" type="presOf" srcId="{BF6447A2-3917-466A-8BBF-187904A81840}" destId="{C202CE6B-EFBF-4DB8-9FDD-3F4F1FB13C78}" srcOrd="1" destOrd="0" presId="urn:microsoft.com/office/officeart/2005/8/layout/orgChart1"/>
     <dgm:cxn modelId="{3CAD0829-4311-453A-B452-C74675A5E305}" srcId="{441C9BFF-8AD7-4827-90F5-60BEDCAF3705}" destId="{44363CFA-628E-4026-88F3-8868490E44F8}" srcOrd="2" destOrd="0" parTransId="{A98B9FA4-4126-4C91-AF71-10ACE11266DD}" sibTransId="{AD8C0F6F-44FE-4E14-A2AE-D5615410E79B}"/>
     <dgm:cxn modelId="{66B6CD30-0CE2-458C-AFF5-D5AFDD4A7D0C}" type="presOf" srcId="{3C6EA423-D64F-4DC7-B184-24C9BC3512E8}" destId="{7F097E5B-6209-4AF0-8ED0-402082DA0749}" srcOrd="0" destOrd="0" presId="urn:microsoft.com/office/officeart/2005/8/layout/orgChart1"/>
+    <dgm:cxn modelId="{4E2CDC30-235A-4A73-BAA7-C36C7C8CC0D6}" type="presOf" srcId="{1D75DDC8-EEF1-49FE-98B9-BC4622DC3AE8}" destId="{686C69EA-C904-4E3D-9B40-533D92B8E82F}" srcOrd="0" destOrd="0" presId="urn:microsoft.com/office/officeart/2005/8/layout/orgChart1"/>
+    <dgm:cxn modelId="{30F56D32-2581-4F6E-8347-92293D1A79A6}" type="presOf" srcId="{883372AC-54A3-434D-B3FD-47B7FC1A2F94}" destId="{52E22AD1-FE45-4C27-B4BD-2562A4F28B0D}" srcOrd="1" destOrd="0" presId="urn:microsoft.com/office/officeart/2005/8/layout/orgChart1"/>
     <dgm:cxn modelId="{14916237-07B0-486C-AB32-4028F1D84EBB}" type="presOf" srcId="{9F967694-B9EF-45F7-AC9F-9806D8CB5482}" destId="{EDE52273-429D-4F0E-B2E9-2F7FE11FCD67}" srcOrd="0" destOrd="0" presId="urn:microsoft.com/office/officeart/2005/8/layout/orgChart1"/>
     <dgm:cxn modelId="{67EFE438-94F0-4BBA-9CA6-DCBB8E871FB1}" type="presOf" srcId="{F1DABE6E-F8F2-4453-9AF1-0A543F993768}" destId="{29A7D2B3-E83F-48D3-BA82-6C1B33C7D117}" srcOrd="1" destOrd="0" presId="urn:microsoft.com/office/officeart/2005/8/layout/orgChart1"/>
     <dgm:cxn modelId="{5B946639-C386-43A7-99EF-97B4B9A0EDAF}" type="presOf" srcId="{028C5DFA-CD08-425A-9808-BE49C21D580B}" destId="{31730A28-5687-49A7-9084-9821AA2323E9}" srcOrd="1" destOrd="0" presId="urn:microsoft.com/office/officeart/2005/8/layout/orgChart1"/>
@@ -6485,11 +6797,15 @@
     <dgm:cxn modelId="{EF5B123E-DF97-4A3E-8871-AAA083F0DF6B}" type="presOf" srcId="{D672805F-D531-46CA-8240-38805655CA82}" destId="{B4023B61-E2B4-4C69-A00E-8B14067C6DC3}" srcOrd="0" destOrd="0" presId="urn:microsoft.com/office/officeart/2005/8/layout/orgChart1"/>
     <dgm:cxn modelId="{83710E5D-5FD5-4794-8A4E-81F1DD87174C}" type="presOf" srcId="{5DF6C11B-377F-47FB-BC50-A7E3E32B7B43}" destId="{B04C15FD-14A3-4E7B-895B-7C4AF0E8908C}" srcOrd="0" destOrd="0" presId="urn:microsoft.com/office/officeart/2005/8/layout/orgChart1"/>
     <dgm:cxn modelId="{3526BE46-DFD7-448B-BA56-4BF4E097739C}" type="presOf" srcId="{FBAC9C05-519A-4AB7-B985-D9BE1A39A0B1}" destId="{7BD205D8-B95D-44F8-9394-3A803C3AE7E3}" srcOrd="0" destOrd="0" presId="urn:microsoft.com/office/officeart/2005/8/layout/orgChart1"/>
+    <dgm:cxn modelId="{092A5968-B8BB-4723-9584-92BDDF3F57C2}" srcId="{883372AC-54A3-434D-B3FD-47B7FC1A2F94}" destId="{BF6447A2-3917-466A-8BBF-187904A81840}" srcOrd="3" destOrd="0" parTransId="{3AD8B49B-CAD2-45C7-8BD2-E443686D8364}" sibTransId="{02DF254E-550D-4B2B-8300-83A37FEC33D6}"/>
     <dgm:cxn modelId="{3679A549-E1BF-4456-B75B-8BA78A97E6CE}" type="presOf" srcId="{4DE3A42A-E3CE-4E99-83D9-D1A6756B3CB9}" destId="{CC33A293-E3CB-411D-9632-6FE6954F9F3F}" srcOrd="0" destOrd="0" presId="urn:microsoft.com/office/officeart/2005/8/layout/orgChart1"/>
     <dgm:cxn modelId="{1D7CEA49-FBBA-4F7B-ACF8-330C48D879F8}" type="presOf" srcId="{57A8CB2D-79BE-4C74-9A37-D6A913DE1B82}" destId="{ED24999A-CB54-48D6-8528-2545D016E1D3}" srcOrd="0" destOrd="0" presId="urn:microsoft.com/office/officeart/2005/8/layout/orgChart1"/>
+    <dgm:cxn modelId="{0F8B746A-3E4D-4014-810F-508337515BFC}" type="presOf" srcId="{3AD8B49B-CAD2-45C7-8BD2-E443686D8364}" destId="{2AB33B9F-0D3C-4528-9E1C-821C3D315AD3}" srcOrd="0" destOrd="0" presId="urn:microsoft.com/office/officeart/2005/8/layout/orgChart1"/>
     <dgm:cxn modelId="{523F296D-2CC7-4C29-85F8-5468ED82EAEB}" srcId="{34BEB75E-ED6D-4113-9F50-1BF5F1954990}" destId="{441C9BFF-8AD7-4827-90F5-60BEDCAF3705}" srcOrd="0" destOrd="0" parTransId="{AED53F1B-6F52-4865-A6C0-13F7BB680C57}" sibTransId="{EE93340F-3E48-4F2C-8A92-4BB8BFF38136}"/>
     <dgm:cxn modelId="{C57B504E-E7B8-44A6-BF6D-0E8126B84CEB}" srcId="{1924ECD5-AA0E-4B54-9424-D53165043932}" destId="{F1DABE6E-F8F2-4453-9AF1-0A543F993768}" srcOrd="1" destOrd="0" parTransId="{B9579491-E72E-41C5-854B-F50C3EB1B30B}" sibTransId="{269CB045-857D-4765-8E43-81EB588E44DA}"/>
+    <dgm:cxn modelId="{E545964F-3F80-4123-A5F9-F8CD8F4C3511}" type="presOf" srcId="{D88A751F-AD3E-446A-AC38-7AFA6263DB0A}" destId="{651FDB2C-2A09-4AFC-B231-51BFBA03F5B4}" srcOrd="0" destOrd="0" presId="urn:microsoft.com/office/officeart/2005/8/layout/orgChart1"/>
     <dgm:cxn modelId="{6029A672-D63D-4FFC-946A-7C3F54E310F4}" type="presOf" srcId="{F1DABE6E-F8F2-4453-9AF1-0A543F993768}" destId="{E50F9959-464F-43F9-8195-9C82C537826B}" srcOrd="0" destOrd="0" presId="urn:microsoft.com/office/officeart/2005/8/layout/orgChart1"/>
+    <dgm:cxn modelId="{27A39053-6990-4EC5-9FF8-0B0660756FF0}" type="presOf" srcId="{B084A808-0F3D-4F7D-9EDC-B57BB21EA28A}" destId="{CE034E7E-9D5B-43F7-901D-6280D21CEAEB}" srcOrd="0" destOrd="0" presId="urn:microsoft.com/office/officeart/2005/8/layout/orgChart1"/>
     <dgm:cxn modelId="{5DF6B753-8AEC-45B1-812D-CBEF4E665B5B}" srcId="{1924ECD5-AA0E-4B54-9424-D53165043932}" destId="{A1C6BA05-AD07-4670-B0CD-118E17FA1993}" srcOrd="2" destOrd="0" parTransId="{423859FD-096E-4927-9390-25344E903FBF}" sibTransId="{249108A4-E90A-45F0-91DE-62B0931DD375}"/>
     <dgm:cxn modelId="{F812C254-ECB2-457A-B2DD-0DA61683069B}" srcId="{1924ECD5-AA0E-4B54-9424-D53165043932}" destId="{DE023E0B-5C31-4E35-A101-3DA3908C072F}" srcOrd="4" destOrd="0" parTransId="{967C17FD-B87B-4CD0-BD44-345E2E5D2EA3}" sibTransId="{8A9ACAAE-236A-4C50-8D2E-022C95250F55}"/>
     <dgm:cxn modelId="{9CAC8275-8BAB-40C0-9FD1-D17F51683F82}" type="presOf" srcId="{4DE3A42A-E3CE-4E99-83D9-D1A6756B3CB9}" destId="{2C816549-9EE9-4756-A160-AC0E53C139B8}" srcOrd="1" destOrd="0" presId="urn:microsoft.com/office/officeart/2005/8/layout/orgChart1"/>
@@ -6509,10 +6825,15 @@
     <dgm:cxn modelId="{96A74491-5C5F-47EE-80D2-0B4E847CFBE4}" type="presOf" srcId="{967C17FD-B87B-4CD0-BD44-345E2E5D2EA3}" destId="{E4F616C8-77CD-4807-B795-EDC2BC3DD8F2}" srcOrd="0" destOrd="0" presId="urn:microsoft.com/office/officeart/2005/8/layout/orgChart1"/>
     <dgm:cxn modelId="{C81E8C91-5EF5-45E9-ACD4-E449A9809B80}" srcId="{1924ECD5-AA0E-4B54-9424-D53165043932}" destId="{305846AD-47C4-463B-9DBE-6AA8AAAFD9CA}" srcOrd="3" destOrd="0" parTransId="{57A8CB2D-79BE-4C74-9A37-D6A913DE1B82}" sibTransId="{6A058D6F-D207-4F81-A3FF-D70611BE6534}"/>
     <dgm:cxn modelId="{A3F6D991-5237-4FEF-9535-02A35ACB4BCB}" type="presOf" srcId="{34BEB75E-ED6D-4113-9F50-1BF5F1954990}" destId="{5F3FAA4C-44A3-470C-81C5-23BB7113FF75}" srcOrd="0" destOrd="0" presId="urn:microsoft.com/office/officeart/2005/8/layout/orgChart1"/>
+    <dgm:cxn modelId="{720FAA94-D90E-4F70-A00D-995338547D6B}" type="presOf" srcId="{06D4AC17-67B1-4EEF-B1BB-B0ECE09E5C55}" destId="{93ADFACE-1AEF-48D7-BC0C-F1330AF93051}" srcOrd="1" destOrd="0" presId="urn:microsoft.com/office/officeart/2005/8/layout/orgChart1"/>
+    <dgm:cxn modelId="{1047E695-6C97-46AD-8DCA-7FA3784C6205}" srcId="{883372AC-54A3-434D-B3FD-47B7FC1A2F94}" destId="{1D75DDC8-EEF1-49FE-98B9-BC4622DC3AE8}" srcOrd="1" destOrd="0" parTransId="{D88A751F-AD3E-446A-AC38-7AFA6263DB0A}" sibTransId="{0F072DC2-97E0-42C6-BB3C-D2C321EF202A}"/>
+    <dgm:cxn modelId="{2C568396-9ABB-4BCD-B239-144F3DDBA3EC}" srcId="{441C9BFF-8AD7-4827-90F5-60BEDCAF3705}" destId="{883372AC-54A3-434D-B3FD-47B7FC1A2F94}" srcOrd="8" destOrd="0" parTransId="{E5E79FCF-73DE-4917-B161-D2D920AE6114}" sibTransId="{17BA298D-1370-41B5-9B62-7081F499794F}"/>
     <dgm:cxn modelId="{33DF3899-0AA9-4D12-8AFD-B5E16AF2A923}" srcId="{EB65517D-69B4-43D8-B5D7-51657BA54F8A}" destId="{785ADFEC-7668-46D6-9578-5377B24474CF}" srcOrd="0" destOrd="0" parTransId="{0ED2AB80-1B48-415F-BD87-852714594E12}" sibTransId="{1114127C-B245-4E79-9FFA-C610A89B9B6C}"/>
+    <dgm:cxn modelId="{65E64F99-210F-4056-9AB6-BCA4753D9CC4}" type="presOf" srcId="{E5E79FCF-73DE-4917-B161-D2D920AE6114}" destId="{3C7E0377-7826-4EB4-A154-E9D5E18BE81C}" srcOrd="0" destOrd="0" presId="urn:microsoft.com/office/officeart/2005/8/layout/orgChart1"/>
     <dgm:cxn modelId="{3517AE9C-6628-4933-8CE6-0CA1EC7C87DD}" srcId="{441C9BFF-8AD7-4827-90F5-60BEDCAF3705}" destId="{347BA63F-6330-4E17-9091-C819304D8374}" srcOrd="5" destOrd="0" parTransId="{C64C22FD-D31D-4129-A644-EAC90AC2F0EF}" sibTransId="{36DAFF60-F4E1-4919-B05F-DD90C1E847D2}"/>
     <dgm:cxn modelId="{A939899E-AEF0-4A63-B01A-2811913BFAD2}" type="presOf" srcId="{98DE5844-EBFB-4ECB-843E-1E3C116CD0A7}" destId="{43413BE2-49D4-4AD2-85D5-14EDF44EA0F1}" srcOrd="1" destOrd="0" presId="urn:microsoft.com/office/officeart/2005/8/layout/orgChart1"/>
     <dgm:cxn modelId="{0226A49E-23FC-42BA-B8CE-BA3B5D4DCC31}" type="presOf" srcId="{EB65517D-69B4-43D8-B5D7-51657BA54F8A}" destId="{0C2F2216-8D08-4E87-B39E-9F041EF12805}" srcOrd="0" destOrd="0" presId="urn:microsoft.com/office/officeart/2005/8/layout/orgChart1"/>
+    <dgm:cxn modelId="{4E6F2EA1-CFBA-42A2-B39B-716DCB0351A9}" srcId="{883372AC-54A3-434D-B3FD-47B7FC1A2F94}" destId="{06D4AC17-67B1-4EEF-B1BB-B0ECE09E5C55}" srcOrd="0" destOrd="0" parTransId="{F1332BF6-B8C7-4DEA-BE82-35051DA5F48B}" sibTransId="{6FBF65EE-2A23-49C5-A93C-005CF8AA4457}"/>
     <dgm:cxn modelId="{B881D0A1-2721-40DE-ACC5-077BA5823963}" type="presOf" srcId="{B0804064-996B-41FA-9EBA-EC56EBF3506F}" destId="{DC0B8C07-BCD6-4D91-BB5F-6E51880E10CA}" srcOrd="0" destOrd="0" presId="urn:microsoft.com/office/officeart/2005/8/layout/orgChart1"/>
     <dgm:cxn modelId="{7E7EDEA4-6763-40BA-82A3-4F093EFBF7FD}" srcId="{441C9BFF-8AD7-4827-90F5-60BEDCAF3705}" destId="{28ACC96C-DAEE-4690-912C-9633C398023B}" srcOrd="7" destOrd="0" parTransId="{B0804064-996B-41FA-9EBA-EC56EBF3506F}" sibTransId="{8AF9705A-3B07-4438-A2D1-1293791B0AE2}"/>
     <dgm:cxn modelId="{1C5B25A9-30D7-4B17-9077-AE5716562504}" srcId="{441C9BFF-8AD7-4827-90F5-60BEDCAF3705}" destId="{EB65517D-69B4-43D8-B5D7-51657BA54F8A}" srcOrd="4" destOrd="0" parTransId="{9F967694-B9EF-45F7-AC9F-9806D8CB5482}" sibTransId="{E544A564-370F-49E5-BAD7-5F5A2C41F0DB}"/>
@@ -6535,6 +6856,7 @@
     <dgm:cxn modelId="{9901F1C1-19FB-42C6-9BED-6FCF273233DC}" type="presOf" srcId="{0ED2AB80-1B48-415F-BD87-852714594E12}" destId="{206209FB-F600-4BD1-9606-121E90963E67}" srcOrd="0" destOrd="0" presId="urn:microsoft.com/office/officeart/2005/8/layout/orgChart1"/>
     <dgm:cxn modelId="{446851C2-10A3-4989-B0D3-47A882BA10D5}" type="presOf" srcId="{9E9AFA18-4A4C-452D-9BB1-22608177395D}" destId="{070D4700-2947-4504-A795-8589C16A902C}" srcOrd="0" destOrd="0" presId="urn:microsoft.com/office/officeart/2005/8/layout/orgChart1"/>
     <dgm:cxn modelId="{22BE7EC2-7640-4746-B645-BD7D5CDD45E9}" type="presOf" srcId="{441C9BFF-8AD7-4827-90F5-60BEDCAF3705}" destId="{90D799FC-A8ED-47E9-A8BE-785E1AB2B5DB}" srcOrd="1" destOrd="0" presId="urn:microsoft.com/office/officeart/2005/8/layout/orgChart1"/>
+    <dgm:cxn modelId="{745D3AC4-26FF-4E3C-AF8B-55D6512D317F}" type="presOf" srcId="{F1332BF6-B8C7-4DEA-BE82-35051DA5F48B}" destId="{2A01B9DD-6370-4CAA-9132-07CEDA3A502F}" srcOrd="0" destOrd="0" presId="urn:microsoft.com/office/officeart/2005/8/layout/orgChart1"/>
     <dgm:cxn modelId="{148792C6-B88E-4AB3-8166-EF8B1E544472}" type="presOf" srcId="{42168C56-2F22-4C47-AD41-80714FFDE7B7}" destId="{865CC225-A0DA-47E2-8F93-648401CE5D35}" srcOrd="0" destOrd="0" presId="urn:microsoft.com/office/officeart/2005/8/layout/orgChart1"/>
     <dgm:cxn modelId="{AF69B7C7-1B09-49A8-9995-724D6A711B85}" type="presOf" srcId="{DE023E0B-5C31-4E35-A101-3DA3908C072F}" destId="{26976F64-C724-4705-94F5-0E6CD971C2E4}" srcOrd="0" destOrd="0" presId="urn:microsoft.com/office/officeart/2005/8/layout/orgChart1"/>
     <dgm:cxn modelId="{F0101AC8-760C-43EB-9A6F-42EF22F0D95D}" type="presOf" srcId="{44363CFA-628E-4026-88F3-8868490E44F8}" destId="{9C340236-4FFD-45ED-9EE1-A04737FABAE4}" srcOrd="1" destOrd="0" presId="urn:microsoft.com/office/officeart/2005/8/layout/orgChart1"/>
@@ -6549,12 +6871,14 @@
     <dgm:cxn modelId="{FD077AD2-0BF3-4EFB-91F6-46E700E229BB}" srcId="{44363CFA-628E-4026-88F3-8868490E44F8}" destId="{FBAC9C05-519A-4AB7-B985-D9BE1A39A0B1}" srcOrd="0" destOrd="0" parTransId="{579C73EA-AC1B-47D0-8426-C21255916998}" sibTransId="{C09F2730-84BE-44BA-B0A5-5D57ACB94EC0}"/>
     <dgm:cxn modelId="{A59B17D5-B98F-4D2B-8FCB-DE732988D245}" type="presOf" srcId="{332EBDA1-FC91-42DD-8C1E-2C7B445019B3}" destId="{1F530FFE-35D1-4609-8D1C-CEEB0EF8690E}" srcOrd="1" destOrd="0" presId="urn:microsoft.com/office/officeart/2005/8/layout/orgChart1"/>
     <dgm:cxn modelId="{C0EFEBD5-5DF4-4D4F-8FE8-1BE15E6AF913}" type="presOf" srcId="{DE023E0B-5C31-4E35-A101-3DA3908C072F}" destId="{F5DA5587-5EB1-405E-8951-92F671AE6BE5}" srcOrd="1" destOrd="0" presId="urn:microsoft.com/office/officeart/2005/8/layout/orgChart1"/>
+    <dgm:cxn modelId="{421E5CD6-A989-4C4B-A468-ED3A996EB089}" type="presOf" srcId="{BF6447A2-3917-466A-8BBF-187904A81840}" destId="{24C11AD3-B1F4-4741-BC85-7A806BA85E2B}" srcOrd="0" destOrd="0" presId="urn:microsoft.com/office/officeart/2005/8/layout/orgChart1"/>
     <dgm:cxn modelId="{EF32A5D6-A7ED-472E-846C-E4C37BA3F657}" type="presOf" srcId="{785ADFEC-7668-46D6-9578-5377B24474CF}" destId="{B15B783C-17E1-46DC-B52E-C2A7EDCDDBF6}" srcOrd="0" destOrd="0" presId="urn:microsoft.com/office/officeart/2005/8/layout/orgChart1"/>
     <dgm:cxn modelId="{B8B8DAD8-4B10-40F0-8ED3-14035B5F0F4D}" srcId="{441C9BFF-8AD7-4827-90F5-60BEDCAF3705}" destId="{A48100E6-84E1-4E3F-8C93-442D7A1A23CC}" srcOrd="6" destOrd="0" parTransId="{476A2B4E-0CFD-4F03-9824-25789D527EDB}" sibTransId="{60462F65-71B6-4ECE-9B21-6A15610060E9}"/>
     <dgm:cxn modelId="{902876D9-9133-4A48-8398-C7CAAFB05485}" srcId="{28ACC96C-DAEE-4690-912C-9633C398023B}" destId="{197668C4-8212-48B8-A54E-73002176A9B9}" srcOrd="0" destOrd="0" parTransId="{AD5EE0EA-60D1-43DE-980D-E1501EFCEDE7}" sibTransId="{ABDB2C2B-782E-4029-89BE-6E5CBB30B114}"/>
     <dgm:cxn modelId="{D823A7DB-3914-4E93-A007-C4D851BBA925}" type="presOf" srcId="{1924ECD5-AA0E-4B54-9424-D53165043932}" destId="{816DF2EF-6A2D-47D7-82D8-0F775682513B}" srcOrd="0" destOrd="0" presId="urn:microsoft.com/office/officeart/2005/8/layout/orgChart1"/>
     <dgm:cxn modelId="{59A442DD-F78A-464B-97AF-79AF5CC25412}" type="presOf" srcId="{7EB6568E-DE68-41D0-B072-2D0DA56F4F15}" destId="{86837EF4-E4BC-47DA-8734-FDF19B2630D1}" srcOrd="0" destOrd="0" presId="urn:microsoft.com/office/officeart/2005/8/layout/orgChart1"/>
     <dgm:cxn modelId="{374F36DF-6662-4F92-91D9-3C41AFDDBB98}" srcId="{4DE3A42A-E3CE-4E99-83D9-D1A6756B3CB9}" destId="{795061A3-2B93-41B7-8CB3-D2EA827D06F1}" srcOrd="1" destOrd="0" parTransId="{AF051581-B2C4-4A22-B3E9-D040DD094A2F}" sibTransId="{A5E25A6B-6ACF-4370-BC1D-916D50C4DBFB}"/>
+    <dgm:cxn modelId="{1B4AD3E3-CF16-4968-981E-7E2A900004E7}" type="presOf" srcId="{1D75DDC8-EEF1-49FE-98B9-BC4622DC3AE8}" destId="{3B567BCD-F1BD-47C3-86E5-67758BC4FDE4}" srcOrd="1" destOrd="0" presId="urn:microsoft.com/office/officeart/2005/8/layout/orgChart1"/>
     <dgm:cxn modelId="{F57507E4-B4D5-4058-B138-C035C84A9DA0}" type="presOf" srcId="{A48100E6-84E1-4E3F-8C93-442D7A1A23CC}" destId="{0328B132-74A6-4425-821D-84668D625AD9}" srcOrd="1" destOrd="0" presId="urn:microsoft.com/office/officeart/2005/8/layout/orgChart1"/>
     <dgm:cxn modelId="{A7E5B9E7-435F-412E-994E-042677F66A38}" srcId="{1924ECD5-AA0E-4B54-9424-D53165043932}" destId="{3C6EA423-D64F-4DC7-B184-24C9BC3512E8}" srcOrd="0" destOrd="0" parTransId="{BF950D71-5670-40D6-AC0F-099BAE4EAFCE}" sibTransId="{172DF7D6-467F-45FD-9576-96B3C7081EEA}"/>
     <dgm:cxn modelId="{0A8866E8-2AA7-443E-A2BD-C420D709BD0E}" type="presOf" srcId="{028C5DFA-CD08-425A-9808-BE49C21D580B}" destId="{3C293340-5887-41DE-859C-77675150C6EB}" srcOrd="0" destOrd="0" presId="urn:microsoft.com/office/officeart/2005/8/layout/orgChart1"/>
@@ -6564,8 +6888,10 @@
     <dgm:cxn modelId="{2987C2EF-D373-40CB-A3CB-1FE39C3C0855}" type="presOf" srcId="{10948DB9-C87A-4CB4-AA25-2159E53038FA}" destId="{BEB1E389-DC78-4834-98AF-B72FEAAD2902}" srcOrd="1" destOrd="0" presId="urn:microsoft.com/office/officeart/2005/8/layout/orgChart1"/>
     <dgm:cxn modelId="{C8ABDCEF-2C6B-447C-B5D4-7BA5799C33EA}" type="presOf" srcId="{476A2B4E-0CFD-4F03-9824-25789D527EDB}" destId="{C01F831D-EFD6-481A-9BCE-21CF8207E0E1}" srcOrd="0" destOrd="0" presId="urn:microsoft.com/office/officeart/2005/8/layout/orgChart1"/>
     <dgm:cxn modelId="{48E3AAF0-C012-4C83-8F56-E8F5F0725BE0}" type="presOf" srcId="{98DE5844-EBFB-4ECB-843E-1E3C116CD0A7}" destId="{1FCFCB3A-B4C7-413C-B6B5-18473C4E0215}" srcOrd="0" destOrd="0" presId="urn:microsoft.com/office/officeart/2005/8/layout/orgChart1"/>
+    <dgm:cxn modelId="{3E7886F6-4CBD-4170-BD01-88A5ED285A3F}" type="presOf" srcId="{FAC5F8A5-12AB-41C4-94E8-6418DF438EA1}" destId="{AA709FDF-C364-4FE8-B052-54BEC06C781F}" srcOrd="0" destOrd="0" presId="urn:microsoft.com/office/officeart/2005/8/layout/orgChart1"/>
     <dgm:cxn modelId="{6B2E06FA-3A8B-4C42-ACC4-8ABAF21B397A}" type="presOf" srcId="{785ADFEC-7668-46D6-9578-5377B24474CF}" destId="{43888EB2-C238-4AB3-84EF-EB4C21FE5D9D}" srcOrd="1" destOrd="0" presId="urn:microsoft.com/office/officeart/2005/8/layout/orgChart1"/>
     <dgm:cxn modelId="{719804FB-D49B-4C65-BC61-5CD0F7789CA5}" srcId="{1924ECD5-AA0E-4B54-9424-D53165043932}" destId="{10948DB9-C87A-4CB4-AA25-2159E53038FA}" srcOrd="6" destOrd="0" parTransId="{341C93D3-8A95-4DFB-AA9D-C38CA282C9E7}" sibTransId="{87270465-EDA7-4083-84B6-95D5BD538DDB}"/>
+    <dgm:cxn modelId="{FD56FDFB-DB1B-443F-9D84-6E4AC9EF7361}" type="presOf" srcId="{883372AC-54A3-434D-B3FD-47B7FC1A2F94}" destId="{AE2F2268-A6C7-4EC7-BF2C-D734B8B30E4A}" srcOrd="0" destOrd="0" presId="urn:microsoft.com/office/officeart/2005/8/layout/orgChart1"/>
     <dgm:cxn modelId="{33BD49FD-5101-4279-946F-FECEDDECC56A}" type="presOf" srcId="{E8EB6F71-72ED-410E-A6D6-688CC4C8622F}" destId="{32554A9C-FE4D-43F7-AEE1-C54D9D75C200}" srcOrd="0" destOrd="0" presId="urn:microsoft.com/office/officeart/2005/8/layout/orgChart1"/>
     <dgm:cxn modelId="{2EEEE9FE-4819-47C9-90CB-DBE883B070CB}" type="presOf" srcId="{347BA63F-6330-4E17-9091-C819304D8374}" destId="{022713AF-96D9-4A2B-A358-49115AFE68DF}" srcOrd="0" destOrd="0" presId="urn:microsoft.com/office/officeart/2005/8/layout/orgChart1"/>
     <dgm:cxn modelId="{AA918EF0-A6B8-4B83-B7B8-22E11F564EC6}" type="presParOf" srcId="{5F3FAA4C-44A3-470C-81C5-23BB7113FF75}" destId="{8B848A77-7266-476A-B593-64C912A0F29B}" srcOrd="0" destOrd="0" presId="urn:microsoft.com/office/officeart/2005/8/layout/orgChart1"/>
@@ -6741,6 +7067,41 @@
     <dgm:cxn modelId="{2D28EB6B-96DE-4635-95EE-234D3ACD76EC}" type="presParOf" srcId="{BBBC079C-B4BF-4ADF-8148-1298E67D0F08}" destId="{0C86AA4C-1483-49E1-8C49-98CA315494B9}" srcOrd="1" destOrd="0" presId="urn:microsoft.com/office/officeart/2005/8/layout/orgChart1"/>
     <dgm:cxn modelId="{C9A2FC6C-ADF4-477E-ACFB-86D4B3B27040}" type="presParOf" srcId="{BBBC079C-B4BF-4ADF-8148-1298E67D0F08}" destId="{4A65B302-E416-4124-B5ED-C3ABD07F5905}" srcOrd="2" destOrd="0" presId="urn:microsoft.com/office/officeart/2005/8/layout/orgChart1"/>
     <dgm:cxn modelId="{97490C6A-BA30-43E1-AFBB-58A5AECD5355}" type="presParOf" srcId="{B4ED0032-F552-4842-84E2-122A4AFFF45E}" destId="{761E2FBE-BF4C-4F06-94D6-4399B7503FC9}" srcOrd="2" destOrd="0" presId="urn:microsoft.com/office/officeart/2005/8/layout/orgChart1"/>
+    <dgm:cxn modelId="{B4E556C1-32B0-47EE-9F0B-3CC3EFDC600E}" type="presParOf" srcId="{E4F35EED-3168-4BAF-B012-BC20D796120D}" destId="{3C7E0377-7826-4EB4-A154-E9D5E18BE81C}" srcOrd="16" destOrd="0" presId="urn:microsoft.com/office/officeart/2005/8/layout/orgChart1"/>
+    <dgm:cxn modelId="{F0F233C4-482B-48B6-980B-C0944044763F}" type="presParOf" srcId="{E4F35EED-3168-4BAF-B012-BC20D796120D}" destId="{04F77DF7-580B-4348-BFC8-11E09BE0E95D}" srcOrd="17" destOrd="0" presId="urn:microsoft.com/office/officeart/2005/8/layout/orgChart1"/>
+    <dgm:cxn modelId="{B7FD15D7-811D-4400-8670-1BE3B027DEDC}" type="presParOf" srcId="{04F77DF7-580B-4348-BFC8-11E09BE0E95D}" destId="{2AFF067B-22E8-451F-9159-12B708B396F8}" srcOrd="0" destOrd="0" presId="urn:microsoft.com/office/officeart/2005/8/layout/orgChart1"/>
+    <dgm:cxn modelId="{6C656229-2C1B-49E7-B2D9-ABF5DBD4DFC7}" type="presParOf" srcId="{2AFF067B-22E8-451F-9159-12B708B396F8}" destId="{AE2F2268-A6C7-4EC7-BF2C-D734B8B30E4A}" srcOrd="0" destOrd="0" presId="urn:microsoft.com/office/officeart/2005/8/layout/orgChart1"/>
+    <dgm:cxn modelId="{9993EF0A-953F-4CF9-9F6F-9CE6E4994387}" type="presParOf" srcId="{2AFF067B-22E8-451F-9159-12B708B396F8}" destId="{52E22AD1-FE45-4C27-B4BD-2562A4F28B0D}" srcOrd="1" destOrd="0" presId="urn:microsoft.com/office/officeart/2005/8/layout/orgChart1"/>
+    <dgm:cxn modelId="{1177D04B-5A22-47F9-ACF5-7C6BBF855496}" type="presParOf" srcId="{04F77DF7-580B-4348-BFC8-11E09BE0E95D}" destId="{F4364CCC-F547-44F5-987F-E53A777046EF}" srcOrd="1" destOrd="0" presId="urn:microsoft.com/office/officeart/2005/8/layout/orgChart1"/>
+    <dgm:cxn modelId="{6678C973-254F-4B10-92BC-13E84A4961AC}" type="presParOf" srcId="{F4364CCC-F547-44F5-987F-E53A777046EF}" destId="{2A01B9DD-6370-4CAA-9132-07CEDA3A502F}" srcOrd="0" destOrd="0" presId="urn:microsoft.com/office/officeart/2005/8/layout/orgChart1"/>
+    <dgm:cxn modelId="{EE79CEEA-2C86-4C8E-8822-3E13A6727948}" type="presParOf" srcId="{F4364CCC-F547-44F5-987F-E53A777046EF}" destId="{1BC02E00-E014-4A0A-B044-2AB8B3FA46BF}" srcOrd="1" destOrd="0" presId="urn:microsoft.com/office/officeart/2005/8/layout/orgChart1"/>
+    <dgm:cxn modelId="{D4CF3D1A-BA62-4C05-93C6-D6FD93CC35C9}" type="presParOf" srcId="{1BC02E00-E014-4A0A-B044-2AB8B3FA46BF}" destId="{C75D0B61-7849-4FAB-A95B-B9DD03F0D1C5}" srcOrd="0" destOrd="0" presId="urn:microsoft.com/office/officeart/2005/8/layout/orgChart1"/>
+    <dgm:cxn modelId="{066F8479-B911-4D5A-896E-BB4722117BC3}" type="presParOf" srcId="{C75D0B61-7849-4FAB-A95B-B9DD03F0D1C5}" destId="{0AF6AD1F-90E4-467B-9024-E8CEF427C8C5}" srcOrd="0" destOrd="0" presId="urn:microsoft.com/office/officeart/2005/8/layout/orgChart1"/>
+    <dgm:cxn modelId="{97E48B0A-7357-4CAB-9B3D-5AD401FF85D2}" type="presParOf" srcId="{C75D0B61-7849-4FAB-A95B-B9DD03F0D1C5}" destId="{93ADFACE-1AEF-48D7-BC0C-F1330AF93051}" srcOrd="1" destOrd="0" presId="urn:microsoft.com/office/officeart/2005/8/layout/orgChart1"/>
+    <dgm:cxn modelId="{6E69F55F-D5C1-4050-9A59-99BE73BDFE96}" type="presParOf" srcId="{1BC02E00-E014-4A0A-B044-2AB8B3FA46BF}" destId="{99AD2B96-E571-4276-889B-2AEE100456DE}" srcOrd="1" destOrd="0" presId="urn:microsoft.com/office/officeart/2005/8/layout/orgChart1"/>
+    <dgm:cxn modelId="{1EA02969-01D8-4A1A-96B7-38CAFE10B843}" type="presParOf" srcId="{1BC02E00-E014-4A0A-B044-2AB8B3FA46BF}" destId="{BFEF1977-90D2-4502-8B60-3A681440CBE7}" srcOrd="2" destOrd="0" presId="urn:microsoft.com/office/officeart/2005/8/layout/orgChart1"/>
+    <dgm:cxn modelId="{531E0066-CCA2-4F94-A8B5-9DAFD1538BE9}" type="presParOf" srcId="{F4364CCC-F547-44F5-987F-E53A777046EF}" destId="{651FDB2C-2A09-4AFC-B231-51BFBA03F5B4}" srcOrd="2" destOrd="0" presId="urn:microsoft.com/office/officeart/2005/8/layout/orgChart1"/>
+    <dgm:cxn modelId="{CC7BB0AE-681B-4D57-AC78-4C5892199F5D}" type="presParOf" srcId="{F4364CCC-F547-44F5-987F-E53A777046EF}" destId="{745C66FD-36DA-45EC-A072-75F68B485EEB}" srcOrd="3" destOrd="0" presId="urn:microsoft.com/office/officeart/2005/8/layout/orgChart1"/>
+    <dgm:cxn modelId="{5AF76C4D-B08B-47F7-9DA7-370EBC99F617}" type="presParOf" srcId="{745C66FD-36DA-45EC-A072-75F68B485EEB}" destId="{4F555D29-3691-4F64-8444-4724F9D792D0}" srcOrd="0" destOrd="0" presId="urn:microsoft.com/office/officeart/2005/8/layout/orgChart1"/>
+    <dgm:cxn modelId="{AB92A76E-4A7E-4229-9399-010B0D280202}" type="presParOf" srcId="{4F555D29-3691-4F64-8444-4724F9D792D0}" destId="{686C69EA-C904-4E3D-9B40-533D92B8E82F}" srcOrd="0" destOrd="0" presId="urn:microsoft.com/office/officeart/2005/8/layout/orgChart1"/>
+    <dgm:cxn modelId="{22D42E88-6838-43B4-924F-F792C4A7367B}" type="presParOf" srcId="{4F555D29-3691-4F64-8444-4724F9D792D0}" destId="{3B567BCD-F1BD-47C3-86E5-67758BC4FDE4}" srcOrd="1" destOrd="0" presId="urn:microsoft.com/office/officeart/2005/8/layout/orgChart1"/>
+    <dgm:cxn modelId="{F95995A1-0F78-4300-B64C-1EC3A38A66D2}" type="presParOf" srcId="{745C66FD-36DA-45EC-A072-75F68B485EEB}" destId="{C37804E5-69FC-4A85-B427-37067E42B2C0}" srcOrd="1" destOrd="0" presId="urn:microsoft.com/office/officeart/2005/8/layout/orgChart1"/>
+    <dgm:cxn modelId="{33A0ABFF-8470-4EB7-8817-BC56512DA487}" type="presParOf" srcId="{745C66FD-36DA-45EC-A072-75F68B485EEB}" destId="{3B25464F-6BE4-4B03-B789-A37578B0B2F9}" srcOrd="2" destOrd="0" presId="urn:microsoft.com/office/officeart/2005/8/layout/orgChart1"/>
+    <dgm:cxn modelId="{38D79E92-52ED-405F-B74B-8C62CD94D546}" type="presParOf" srcId="{F4364CCC-F547-44F5-987F-E53A777046EF}" destId="{CE034E7E-9D5B-43F7-901D-6280D21CEAEB}" srcOrd="4" destOrd="0" presId="urn:microsoft.com/office/officeart/2005/8/layout/orgChart1"/>
+    <dgm:cxn modelId="{092AE332-B5BA-4543-B7BE-308B97991167}" type="presParOf" srcId="{F4364CCC-F547-44F5-987F-E53A777046EF}" destId="{328BA5F8-F687-4ED6-AFFA-41A925D4A2CC}" srcOrd="5" destOrd="0" presId="urn:microsoft.com/office/officeart/2005/8/layout/orgChart1"/>
+    <dgm:cxn modelId="{4726EE1D-387E-4856-81E1-E3CCB4A95EA1}" type="presParOf" srcId="{328BA5F8-F687-4ED6-AFFA-41A925D4A2CC}" destId="{74617059-0E38-455B-929A-5382A0702321}" srcOrd="0" destOrd="0" presId="urn:microsoft.com/office/officeart/2005/8/layout/orgChart1"/>
+    <dgm:cxn modelId="{12F03E3D-9932-4182-90F9-268C7C04BFC3}" type="presParOf" srcId="{74617059-0E38-455B-929A-5382A0702321}" destId="{AA709FDF-C364-4FE8-B052-54BEC06C781F}" srcOrd="0" destOrd="0" presId="urn:microsoft.com/office/officeart/2005/8/layout/orgChart1"/>
+    <dgm:cxn modelId="{692E966D-73EC-485B-BEB8-736FF7B53494}" type="presParOf" srcId="{74617059-0E38-455B-929A-5382A0702321}" destId="{E0AA9267-59A7-4574-BCE8-E567567A9877}" srcOrd="1" destOrd="0" presId="urn:microsoft.com/office/officeart/2005/8/layout/orgChart1"/>
+    <dgm:cxn modelId="{B021F45B-6031-4F7B-BEEC-96694F3862AE}" type="presParOf" srcId="{328BA5F8-F687-4ED6-AFFA-41A925D4A2CC}" destId="{AE414E95-8470-4B4E-A0EE-79FD5EAD144C}" srcOrd="1" destOrd="0" presId="urn:microsoft.com/office/officeart/2005/8/layout/orgChart1"/>
+    <dgm:cxn modelId="{DD6E0C57-97DA-49CD-969F-B436509701EC}" type="presParOf" srcId="{328BA5F8-F687-4ED6-AFFA-41A925D4A2CC}" destId="{9EA0A317-0688-46E5-BFCE-375D1AF58F3C}" srcOrd="2" destOrd="0" presId="urn:microsoft.com/office/officeart/2005/8/layout/orgChart1"/>
+    <dgm:cxn modelId="{AA447AAC-B525-4CAE-89B5-01BB468D94D2}" type="presParOf" srcId="{F4364CCC-F547-44F5-987F-E53A777046EF}" destId="{2AB33B9F-0D3C-4528-9E1C-821C3D315AD3}" srcOrd="6" destOrd="0" presId="urn:microsoft.com/office/officeart/2005/8/layout/orgChart1"/>
+    <dgm:cxn modelId="{E79680DF-8607-41CE-8820-BC3B89FF4DF7}" type="presParOf" srcId="{F4364CCC-F547-44F5-987F-E53A777046EF}" destId="{5C998195-8868-4B11-B8EE-FDB4EF4D46E9}" srcOrd="7" destOrd="0" presId="urn:microsoft.com/office/officeart/2005/8/layout/orgChart1"/>
+    <dgm:cxn modelId="{BDAA91BF-6FCD-461E-93F2-2CB3C3201794}" type="presParOf" srcId="{5C998195-8868-4B11-B8EE-FDB4EF4D46E9}" destId="{9013B6CA-5B39-4E78-B615-B922F5768B54}" srcOrd="0" destOrd="0" presId="urn:microsoft.com/office/officeart/2005/8/layout/orgChart1"/>
+    <dgm:cxn modelId="{5511A044-7BBA-4016-A515-A559B6A51449}" type="presParOf" srcId="{9013B6CA-5B39-4E78-B615-B922F5768B54}" destId="{24C11AD3-B1F4-4741-BC85-7A806BA85E2B}" srcOrd="0" destOrd="0" presId="urn:microsoft.com/office/officeart/2005/8/layout/orgChart1"/>
+    <dgm:cxn modelId="{0EB25075-4185-42A9-B5D9-B0851BC4B140}" type="presParOf" srcId="{9013B6CA-5B39-4E78-B615-B922F5768B54}" destId="{C202CE6B-EFBF-4DB8-9FDD-3F4F1FB13C78}" srcOrd="1" destOrd="0" presId="urn:microsoft.com/office/officeart/2005/8/layout/orgChart1"/>
+    <dgm:cxn modelId="{E79ED59F-F002-4B0E-A7B4-2A2A03D2AE3D}" type="presParOf" srcId="{5C998195-8868-4B11-B8EE-FDB4EF4D46E9}" destId="{7857A5A8-AEB4-406E-8BF9-B76E783D0985}" srcOrd="1" destOrd="0" presId="urn:microsoft.com/office/officeart/2005/8/layout/orgChart1"/>
+    <dgm:cxn modelId="{33EFE27C-7029-4BB8-849D-EB24FEC0ED50}" type="presParOf" srcId="{5C998195-8868-4B11-B8EE-FDB4EF4D46E9}" destId="{AD7C79A3-CF1B-4960-9C4A-FFDD4A90370E}" srcOrd="2" destOrd="0" presId="urn:microsoft.com/office/officeart/2005/8/layout/orgChart1"/>
+    <dgm:cxn modelId="{AE18DAE5-5497-46FB-8413-F137A0F29D62}" type="presParOf" srcId="{04F77DF7-580B-4348-BFC8-11E09BE0E95D}" destId="{0F58BC4E-CA28-47E0-A8A1-509806023068}" srcOrd="2" destOrd="0" presId="urn:microsoft.com/office/officeart/2005/8/layout/orgChart1"/>
     <dgm:cxn modelId="{882046F6-F1A3-4334-AD7D-2E1C4A1F6BF0}" type="presParOf" srcId="{8B848A77-7266-476A-B593-64C912A0F29B}" destId="{2DAC1630-BA8F-4206-952C-EBE673153874}" srcOrd="2" destOrd="0" presId="urn:microsoft.com/office/officeart/2005/8/layout/orgChart1"/>
   </dgm:cxnLst>
   <dgm:bg/>
@@ -8952,9 +9313,10 @@
         <a:lstStyle/>
         <a:p>
           <a:r>
-            <a:rPr lang="en-PH" dirty="0"/>
-            <a:t>Reports</a:t>
+            <a:rPr lang="en-PH"/>
+            <a:t>Report</a:t>
           </a:r>
+          <a:endParaRPr lang="en-PH" dirty="0"/>
         </a:p>
       </dgm:t>
     </dgm:pt>
@@ -9090,6 +9452,43 @@
         </a:p>
       </dgm:t>
     </dgm:pt>
+    <dgm:pt modelId="{A88D3F5D-F718-4B6B-9757-8CC739956C89}">
+      <dgm:prSet phldrT="[Text]"/>
+      <dgm:spPr/>
+      <dgm:t>
+        <a:bodyPr/>
+        <a:lstStyle/>
+        <a:p>
+          <a:r>
+            <a:rPr lang="en-PH" dirty="0" err="1"/>
+            <a:t>postOwnerId</a:t>
+          </a:r>
+          <a:endParaRPr lang="en-PH" dirty="0"/>
+        </a:p>
+      </dgm:t>
+    </dgm:pt>
+    <dgm:pt modelId="{C1438137-D203-4258-9798-D4050240E6A7}" type="parTrans" cxnId="{0A942573-5B4E-431D-9EEF-036B172D0057}">
+      <dgm:prSet/>
+      <dgm:spPr/>
+      <dgm:t>
+        <a:bodyPr/>
+        <a:lstStyle/>
+        <a:p>
+          <a:endParaRPr lang="en-PH"/>
+        </a:p>
+      </dgm:t>
+    </dgm:pt>
+    <dgm:pt modelId="{52BCB56F-2ADA-49AC-97A4-C6EC68045FF3}" type="sibTrans" cxnId="{0A942573-5B4E-431D-9EEF-036B172D0057}">
+      <dgm:prSet/>
+      <dgm:spPr/>
+      <dgm:t>
+        <a:bodyPr/>
+        <a:lstStyle/>
+        <a:p>
+          <a:endParaRPr lang="en-PH"/>
+        </a:p>
+      </dgm:t>
+    </dgm:pt>
     <dgm:pt modelId="{C3352426-939D-4321-8649-D6716BB162C4}" type="pres">
       <dgm:prSet presAssocID="{34BEB75E-ED6D-4113-9F50-1BF5F1954990}" presName="vert0" presStyleCnt="0">
         <dgm:presLayoutVars>
@@ -9109,14 +9508,14 @@
       <dgm:spPr/>
     </dgm:pt>
     <dgm:pt modelId="{E3CC5A9C-1C2B-4849-BDA5-16B8B34A5987}" type="pres">
-      <dgm:prSet presAssocID="{441C9BFF-8AD7-4827-90F5-60BEDCAF3705}" presName="tx1" presStyleLbl="revTx" presStyleIdx="0" presStyleCnt="4"/>
+      <dgm:prSet presAssocID="{441C9BFF-8AD7-4827-90F5-60BEDCAF3705}" presName="tx1" presStyleLbl="revTx" presStyleIdx="0" presStyleCnt="5"/>
       <dgm:spPr/>
     </dgm:pt>
     <dgm:pt modelId="{8D16F346-2AFD-42B3-8D89-71DE88801702}" type="pres">
       <dgm:prSet presAssocID="{441C9BFF-8AD7-4827-90F5-60BEDCAF3705}" presName="vert1" presStyleCnt="0"/>
       <dgm:spPr/>
     </dgm:pt>
-    <dgm:pt modelId="{B0B4D1F8-D1D3-4302-AF97-85F2B054BEC0}" type="pres">
+    <dgm:pt modelId="{5FF8E2D0-1CBD-49F4-8051-60DA01D1BCC2}" type="pres">
       <dgm:prSet presAssocID="{D809E429-04AF-422B-B080-571F331ACCDF}" presName="vertSpace2a" presStyleCnt="0"/>
       <dgm:spPr/>
     </dgm:pt>
@@ -9129,7 +9528,7 @@
       <dgm:spPr/>
     </dgm:pt>
     <dgm:pt modelId="{7C715882-15D3-4785-8D04-6D401EF6AFB0}" type="pres">
-      <dgm:prSet presAssocID="{D809E429-04AF-422B-B080-571F331ACCDF}" presName="tx2" presStyleLbl="revTx" presStyleIdx="1" presStyleCnt="4"/>
+      <dgm:prSet presAssocID="{D809E429-04AF-422B-B080-571F331ACCDF}" presName="tx2" presStyleLbl="revTx" presStyleIdx="1" presStyleCnt="5"/>
       <dgm:spPr/>
     </dgm:pt>
     <dgm:pt modelId="{7345CB9B-9D84-4289-8283-A21AB0F34105}" type="pres">
@@ -9137,13 +9536,37 @@
       <dgm:spPr/>
     </dgm:pt>
     <dgm:pt modelId="{0FF34B0B-2E65-4520-92BB-4118F260C032}" type="pres">
-      <dgm:prSet presAssocID="{D809E429-04AF-422B-B080-571F331ACCDF}" presName="thinLine2b" presStyleLbl="callout" presStyleIdx="0" presStyleCnt="3"/>
+      <dgm:prSet presAssocID="{D809E429-04AF-422B-B080-571F331ACCDF}" presName="thinLine2b" presStyleLbl="callout" presStyleIdx="0" presStyleCnt="4"/>
       <dgm:spPr/>
     </dgm:pt>
     <dgm:pt modelId="{453D1700-8AF1-45E8-959E-433D1C8D7356}" type="pres">
       <dgm:prSet presAssocID="{D809E429-04AF-422B-B080-571F331ACCDF}" presName="vertSpace2b" presStyleCnt="0"/>
       <dgm:spPr/>
     </dgm:pt>
+    <dgm:pt modelId="{CA9C6F60-8A5C-4EED-A23C-87251991486D}" type="pres">
+      <dgm:prSet presAssocID="{A88D3F5D-F718-4B6B-9757-8CC739956C89}" presName="horz2" presStyleCnt="0"/>
+      <dgm:spPr/>
+    </dgm:pt>
+    <dgm:pt modelId="{BEB47204-0A21-4866-8BCA-B7C66394AB48}" type="pres">
+      <dgm:prSet presAssocID="{A88D3F5D-F718-4B6B-9757-8CC739956C89}" presName="horzSpace2" presStyleCnt="0"/>
+      <dgm:spPr/>
+    </dgm:pt>
+    <dgm:pt modelId="{B2F1244F-B55E-4A6E-A5FC-BBD6AB8DAA92}" type="pres">
+      <dgm:prSet presAssocID="{A88D3F5D-F718-4B6B-9757-8CC739956C89}" presName="tx2" presStyleLbl="revTx" presStyleIdx="2" presStyleCnt="5"/>
+      <dgm:spPr/>
+    </dgm:pt>
+    <dgm:pt modelId="{92272911-9EAC-4680-BF6E-4AEF065F66E8}" type="pres">
+      <dgm:prSet presAssocID="{A88D3F5D-F718-4B6B-9757-8CC739956C89}" presName="vert2" presStyleCnt="0"/>
+      <dgm:spPr/>
+    </dgm:pt>
+    <dgm:pt modelId="{0937496B-FE89-4C5B-B22E-762B4D038158}" type="pres">
+      <dgm:prSet presAssocID="{A88D3F5D-F718-4B6B-9757-8CC739956C89}" presName="thinLine2b" presStyleLbl="callout" presStyleIdx="1" presStyleCnt="4"/>
+      <dgm:spPr/>
+    </dgm:pt>
+    <dgm:pt modelId="{7A8AB7B0-0BEB-4080-A094-5246F6C088BA}" type="pres">
+      <dgm:prSet presAssocID="{A88D3F5D-F718-4B6B-9757-8CC739956C89}" presName="vertSpace2b" presStyleCnt="0"/>
+      <dgm:spPr/>
+    </dgm:pt>
     <dgm:pt modelId="{15A6752B-A400-4195-B5DD-03592935198C}" type="pres">
       <dgm:prSet presAssocID="{B8A96C09-D3D8-4A74-A80B-BEA0C980453B}" presName="horz2" presStyleCnt="0"/>
       <dgm:spPr/>
@@ -9153,7 +9576,7 @@
       <dgm:spPr/>
     </dgm:pt>
     <dgm:pt modelId="{347C6339-B231-447A-BCBE-4DD771E79BCD}" type="pres">
-      <dgm:prSet presAssocID="{B8A96C09-D3D8-4A74-A80B-BEA0C980453B}" presName="tx2" presStyleLbl="revTx" presStyleIdx="2" presStyleCnt="4"/>
+      <dgm:prSet presAssocID="{B8A96C09-D3D8-4A74-A80B-BEA0C980453B}" presName="tx2" presStyleLbl="revTx" presStyleIdx="3" presStyleCnt="5"/>
       <dgm:spPr/>
     </dgm:pt>
     <dgm:pt modelId="{B050AE53-096D-41C4-B06F-035F6E844E1A}" type="pres">
@@ -9161,7 +9584,7 @@
       <dgm:spPr/>
     </dgm:pt>
     <dgm:pt modelId="{38233778-9C02-4BB2-AB72-F25A0E5E82CE}" type="pres">
-      <dgm:prSet presAssocID="{B8A96C09-D3D8-4A74-A80B-BEA0C980453B}" presName="thinLine2b" presStyleLbl="callout" presStyleIdx="1" presStyleCnt="3"/>
+      <dgm:prSet presAssocID="{B8A96C09-D3D8-4A74-A80B-BEA0C980453B}" presName="thinLine2b" presStyleLbl="callout" presStyleIdx="2" presStyleCnt="4"/>
       <dgm:spPr/>
     </dgm:pt>
     <dgm:pt modelId="{B61029BE-BA77-4BBC-B76C-5D8976283DBB}" type="pres">
@@ -9177,7 +9600,7 @@
       <dgm:spPr/>
     </dgm:pt>
     <dgm:pt modelId="{1A7DDCE1-AE9D-4BF5-86FE-BF88F167DF4B}" type="pres">
-      <dgm:prSet presAssocID="{A90E5BA9-B030-4072-AA39-F4FDDB6BD880}" presName="tx2" presStyleLbl="revTx" presStyleIdx="3" presStyleCnt="4"/>
+      <dgm:prSet presAssocID="{A90E5BA9-B030-4072-AA39-F4FDDB6BD880}" presName="tx2" presStyleLbl="revTx" presStyleIdx="4" presStyleCnt="5"/>
       <dgm:spPr/>
     </dgm:pt>
     <dgm:pt modelId="{A800B557-0B56-4C3B-A1F7-D149B30AEF9B}" type="pres">
@@ -9185,7 +9608,7 @@
       <dgm:spPr/>
     </dgm:pt>
     <dgm:pt modelId="{96804172-8889-4561-9A0F-ED6AD8558439}" type="pres">
-      <dgm:prSet presAssocID="{A90E5BA9-B030-4072-AA39-F4FDDB6BD880}" presName="thinLine2b" presStyleLbl="callout" presStyleIdx="2" presStyleCnt="3"/>
+      <dgm:prSet presAssocID="{A90E5BA9-B030-4072-AA39-F4FDDB6BD880}" presName="thinLine2b" presStyleLbl="callout" presStyleIdx="3" presStyleCnt="4"/>
       <dgm:spPr/>
     </dgm:pt>
     <dgm:pt modelId="{557824F9-59F8-4589-B84D-38A0A9600673}" type="pres">
@@ -9194,38 +9617,46 @@
     </dgm:pt>
   </dgm:ptLst>
   <dgm:cxnLst>
-    <dgm:cxn modelId="{A45E0700-94C5-4387-A183-699629E4B5E3}" srcId="{441C9BFF-8AD7-4827-90F5-60BEDCAF3705}" destId="{A90E5BA9-B030-4072-AA39-F4FDDB6BD880}" srcOrd="2" destOrd="0" parTransId="{E2728D14-72E4-4149-945D-3BE0F8FB60CA}" sibTransId="{D061BD53-454C-4918-9133-4B555BA12FF8}"/>
-    <dgm:cxn modelId="{AC998630-0F33-4500-9AB0-6BC5C13CF463}" type="presOf" srcId="{A90E5BA9-B030-4072-AA39-F4FDDB6BD880}" destId="{1A7DDCE1-AE9D-4BF5-86FE-BF88F167DF4B}" srcOrd="0" destOrd="0" presId="urn:microsoft.com/office/officeart/2008/layout/LinedList"/>
+    <dgm:cxn modelId="{A45E0700-94C5-4387-A183-699629E4B5E3}" srcId="{441C9BFF-8AD7-4827-90F5-60BEDCAF3705}" destId="{A90E5BA9-B030-4072-AA39-F4FDDB6BD880}" srcOrd="3" destOrd="0" parTransId="{E2728D14-72E4-4149-945D-3BE0F8FB60CA}" sibTransId="{D061BD53-454C-4918-9133-4B555BA12FF8}"/>
+    <dgm:cxn modelId="{85364C32-8093-455F-AB04-753A012F8D02}" type="presOf" srcId="{A90E5BA9-B030-4072-AA39-F4FDDB6BD880}" destId="{1A7DDCE1-AE9D-4BF5-86FE-BF88F167DF4B}" srcOrd="0" destOrd="0" presId="urn:microsoft.com/office/officeart/2008/layout/LinedList"/>
+    <dgm:cxn modelId="{34F1DE33-E519-4061-B7D0-D2D41459D8B4}" type="presOf" srcId="{B8A96C09-D3D8-4A74-A80B-BEA0C980453B}" destId="{347C6339-B231-447A-BCBE-4DD771E79BCD}" srcOrd="0" destOrd="0" presId="urn:microsoft.com/office/officeart/2008/layout/LinedList"/>
     <dgm:cxn modelId="{DB4F8735-0D01-48BD-85A0-85F0B748A85D}" type="presOf" srcId="{441C9BFF-8AD7-4827-90F5-60BEDCAF3705}" destId="{E3CC5A9C-1C2B-4849-BDA5-16B8B34A5987}" srcOrd="0" destOrd="0" presId="urn:microsoft.com/office/officeart/2008/layout/LinedList"/>
-    <dgm:cxn modelId="{F51E733D-C3D0-4CA3-ADA8-483E175EAC31}" type="presOf" srcId="{D809E429-04AF-422B-B080-571F331ACCDF}" destId="{7C715882-15D3-4785-8D04-6D401EF6AFB0}" srcOrd="0" destOrd="0" presId="urn:microsoft.com/office/officeart/2008/layout/LinedList"/>
     <dgm:cxn modelId="{605E4440-290F-426D-ACD9-1A5FCB40EB0E}" srcId="{441C9BFF-8AD7-4827-90F5-60BEDCAF3705}" destId="{D809E429-04AF-422B-B080-571F331ACCDF}" srcOrd="0" destOrd="0" parTransId="{13CCF95D-B99C-49A1-977D-D76183D718CF}" sibTransId="{E2317A59-187B-401C-A619-D2B0DDE89B9A}"/>
-    <dgm:cxn modelId="{B17A2A60-71E1-45E5-961E-93E09E16DBDE}" srcId="{441C9BFF-8AD7-4827-90F5-60BEDCAF3705}" destId="{B8A96C09-D3D8-4A74-A80B-BEA0C980453B}" srcOrd="1" destOrd="0" parTransId="{E3FAACCE-0CD7-4FD4-BC21-AA3AC94926E0}" sibTransId="{3CCF7115-C32E-40D2-B920-114BED460AFD}"/>
+    <dgm:cxn modelId="{B17A2A60-71E1-45E5-961E-93E09E16DBDE}" srcId="{441C9BFF-8AD7-4827-90F5-60BEDCAF3705}" destId="{B8A96C09-D3D8-4A74-A80B-BEA0C980453B}" srcOrd="2" destOrd="0" parTransId="{E3FAACCE-0CD7-4FD4-BC21-AA3AC94926E0}" sibTransId="{3CCF7115-C32E-40D2-B920-114BED460AFD}"/>
     <dgm:cxn modelId="{523F296D-2CC7-4C29-85F8-5468ED82EAEB}" srcId="{34BEB75E-ED6D-4113-9F50-1BF5F1954990}" destId="{441C9BFF-8AD7-4827-90F5-60BEDCAF3705}" srcOrd="0" destOrd="0" parTransId="{AED53F1B-6F52-4865-A6C0-13F7BB680C57}" sibTransId="{EE93340F-3E48-4F2C-8A92-4BB8BFF38136}"/>
-    <dgm:cxn modelId="{740EE279-A384-42E1-9054-1B0EAAF877E3}" type="presOf" srcId="{B8A96C09-D3D8-4A74-A80B-BEA0C980453B}" destId="{347C6339-B231-447A-BCBE-4DD771E79BCD}" srcOrd="0" destOrd="0" presId="urn:microsoft.com/office/officeart/2008/layout/LinedList"/>
+    <dgm:cxn modelId="{0A942573-5B4E-431D-9EEF-036B172D0057}" srcId="{441C9BFF-8AD7-4827-90F5-60BEDCAF3705}" destId="{A88D3F5D-F718-4B6B-9757-8CC739956C89}" srcOrd="1" destOrd="0" parTransId="{C1438137-D203-4258-9798-D4050240E6A7}" sibTransId="{52BCB56F-2ADA-49AC-97A4-C6EC68045FF3}"/>
+    <dgm:cxn modelId="{9FE16558-AEB0-4F21-A53C-6B5B0A0C4860}" type="presOf" srcId="{D809E429-04AF-422B-B080-571F331ACCDF}" destId="{7C715882-15D3-4785-8D04-6D401EF6AFB0}" srcOrd="0" destOrd="0" presId="urn:microsoft.com/office/officeart/2008/layout/LinedList"/>
     <dgm:cxn modelId="{F2B1DBC2-3901-4D1E-BB45-0A525BA7B60E}" type="presOf" srcId="{34BEB75E-ED6D-4113-9F50-1BF5F1954990}" destId="{C3352426-939D-4321-8649-D6716BB162C4}" srcOrd="0" destOrd="0" presId="urn:microsoft.com/office/officeart/2008/layout/LinedList"/>
+    <dgm:cxn modelId="{3A2250ED-ECB0-460A-86DF-07E5BC14B39E}" type="presOf" srcId="{A88D3F5D-F718-4B6B-9757-8CC739956C89}" destId="{B2F1244F-B55E-4A6E-A5FC-BBD6AB8DAA92}" srcOrd="0" destOrd="0" presId="urn:microsoft.com/office/officeart/2008/layout/LinedList"/>
     <dgm:cxn modelId="{054E2C87-8887-4DA9-A413-AA67AC171074}" type="presParOf" srcId="{C3352426-939D-4321-8649-D6716BB162C4}" destId="{F0557730-8B9A-4E9D-832D-78384F71DA4A}" srcOrd="0" destOrd="0" presId="urn:microsoft.com/office/officeart/2008/layout/LinedList"/>
     <dgm:cxn modelId="{A3C9C481-7CBF-426B-9165-22202B290AB5}" type="presParOf" srcId="{C3352426-939D-4321-8649-D6716BB162C4}" destId="{CFD527BF-B157-4E07-8C44-F012E9130A4E}" srcOrd="1" destOrd="0" presId="urn:microsoft.com/office/officeart/2008/layout/LinedList"/>
     <dgm:cxn modelId="{FAA65E88-306D-4325-8A1B-DEB4A2D2D979}" type="presParOf" srcId="{CFD527BF-B157-4E07-8C44-F012E9130A4E}" destId="{E3CC5A9C-1C2B-4849-BDA5-16B8B34A5987}" srcOrd="0" destOrd="0" presId="urn:microsoft.com/office/officeart/2008/layout/LinedList"/>
     <dgm:cxn modelId="{D5FB4FC5-382D-4306-8A07-BB00E2262791}" type="presParOf" srcId="{CFD527BF-B157-4E07-8C44-F012E9130A4E}" destId="{8D16F346-2AFD-42B3-8D89-71DE88801702}" srcOrd="1" destOrd="0" presId="urn:microsoft.com/office/officeart/2008/layout/LinedList"/>
-    <dgm:cxn modelId="{1690AA78-51FA-4406-A140-22F19ED979BC}" type="presParOf" srcId="{8D16F346-2AFD-42B3-8D89-71DE88801702}" destId="{B0B4D1F8-D1D3-4302-AF97-85F2B054BEC0}" srcOrd="0" destOrd="0" presId="urn:microsoft.com/office/officeart/2008/layout/LinedList"/>
-    <dgm:cxn modelId="{D4767373-135F-4A72-B3CB-3288472DCF15}" type="presParOf" srcId="{8D16F346-2AFD-42B3-8D89-71DE88801702}" destId="{D68C06F4-D011-4D10-A7CA-231612848987}" srcOrd="1" destOrd="0" presId="urn:microsoft.com/office/officeart/2008/layout/LinedList"/>
-    <dgm:cxn modelId="{07B5BAD5-CE46-4586-990B-6D623BBDD441}" type="presParOf" srcId="{D68C06F4-D011-4D10-A7CA-231612848987}" destId="{A67507B9-D4E0-45F0-8B6F-E1194C50A57D}" srcOrd="0" destOrd="0" presId="urn:microsoft.com/office/officeart/2008/layout/LinedList"/>
-    <dgm:cxn modelId="{FB25FB53-193A-4CE8-85B8-4397FFF9A349}" type="presParOf" srcId="{D68C06F4-D011-4D10-A7CA-231612848987}" destId="{7C715882-15D3-4785-8D04-6D401EF6AFB0}" srcOrd="1" destOrd="0" presId="urn:microsoft.com/office/officeart/2008/layout/LinedList"/>
-    <dgm:cxn modelId="{288BD028-A3CC-4C57-B422-2E974FFDD467}" type="presParOf" srcId="{D68C06F4-D011-4D10-A7CA-231612848987}" destId="{7345CB9B-9D84-4289-8283-A21AB0F34105}" srcOrd="2" destOrd="0" presId="urn:microsoft.com/office/officeart/2008/layout/LinedList"/>
-    <dgm:cxn modelId="{528C4013-8ED6-4310-9778-3AEE3087C5A8}" type="presParOf" srcId="{8D16F346-2AFD-42B3-8D89-71DE88801702}" destId="{0FF34B0B-2E65-4520-92BB-4118F260C032}" srcOrd="2" destOrd="0" presId="urn:microsoft.com/office/officeart/2008/layout/LinedList"/>
-    <dgm:cxn modelId="{7D06037A-BE20-40CD-BD8E-076EA7A4BE6A}" type="presParOf" srcId="{8D16F346-2AFD-42B3-8D89-71DE88801702}" destId="{453D1700-8AF1-45E8-959E-433D1C8D7356}" srcOrd="3" destOrd="0" presId="urn:microsoft.com/office/officeart/2008/layout/LinedList"/>
-    <dgm:cxn modelId="{E12C1032-48AD-4236-A9B7-65D9C8AF32DF}" type="presParOf" srcId="{8D16F346-2AFD-42B3-8D89-71DE88801702}" destId="{15A6752B-A400-4195-B5DD-03592935198C}" srcOrd="4" destOrd="0" presId="urn:microsoft.com/office/officeart/2008/layout/LinedList"/>
-    <dgm:cxn modelId="{214A6D22-8BA8-4321-82F2-64210E9D7679}" type="presParOf" srcId="{15A6752B-A400-4195-B5DD-03592935198C}" destId="{BA431673-A4E9-4785-A54E-FCC40487DB2E}" srcOrd="0" destOrd="0" presId="urn:microsoft.com/office/officeart/2008/layout/LinedList"/>
-    <dgm:cxn modelId="{93CA7631-EC17-4A30-8EB9-708FCFC14DA3}" type="presParOf" srcId="{15A6752B-A400-4195-B5DD-03592935198C}" destId="{347C6339-B231-447A-BCBE-4DD771E79BCD}" srcOrd="1" destOrd="0" presId="urn:microsoft.com/office/officeart/2008/layout/LinedList"/>
-    <dgm:cxn modelId="{CDD0300B-B5F3-4765-BE49-9A49B0E1E03F}" type="presParOf" srcId="{15A6752B-A400-4195-B5DD-03592935198C}" destId="{B050AE53-096D-41C4-B06F-035F6E844E1A}" srcOrd="2" destOrd="0" presId="urn:microsoft.com/office/officeart/2008/layout/LinedList"/>
-    <dgm:cxn modelId="{8729D974-2B57-46BF-8B0D-26A74AA7FDC6}" type="presParOf" srcId="{8D16F346-2AFD-42B3-8D89-71DE88801702}" destId="{38233778-9C02-4BB2-AB72-F25A0E5E82CE}" srcOrd="5" destOrd="0" presId="urn:microsoft.com/office/officeart/2008/layout/LinedList"/>
-    <dgm:cxn modelId="{B2C00419-4481-4CF2-B8CA-636022BCC5FC}" type="presParOf" srcId="{8D16F346-2AFD-42B3-8D89-71DE88801702}" destId="{B61029BE-BA77-4BBC-B76C-5D8976283DBB}" srcOrd="6" destOrd="0" presId="urn:microsoft.com/office/officeart/2008/layout/LinedList"/>
-    <dgm:cxn modelId="{C8161F33-EBC3-4B81-9AE7-59DAC4F4D0AA}" type="presParOf" srcId="{8D16F346-2AFD-42B3-8D89-71DE88801702}" destId="{F931B3E2-556C-4CFF-9545-D08F9986106E}" srcOrd="7" destOrd="0" presId="urn:microsoft.com/office/officeart/2008/layout/LinedList"/>
-    <dgm:cxn modelId="{7E503CB1-6088-4F73-B9A4-C187F33055B6}" type="presParOf" srcId="{F931B3E2-556C-4CFF-9545-D08F9986106E}" destId="{FAB5F7D6-EF9D-4235-BB15-526F7CAC450C}" srcOrd="0" destOrd="0" presId="urn:microsoft.com/office/officeart/2008/layout/LinedList"/>
-    <dgm:cxn modelId="{4D7A8DF5-9A1D-46BF-A103-38B3AFBC2DF7}" type="presParOf" srcId="{F931B3E2-556C-4CFF-9545-D08F9986106E}" destId="{1A7DDCE1-AE9D-4BF5-86FE-BF88F167DF4B}" srcOrd="1" destOrd="0" presId="urn:microsoft.com/office/officeart/2008/layout/LinedList"/>
-    <dgm:cxn modelId="{C530AB76-8DE6-494D-B069-E11A0B752916}" type="presParOf" srcId="{F931B3E2-556C-4CFF-9545-D08F9986106E}" destId="{A800B557-0B56-4C3B-A1F7-D149B30AEF9B}" srcOrd="2" destOrd="0" presId="urn:microsoft.com/office/officeart/2008/layout/LinedList"/>
-    <dgm:cxn modelId="{972B4B05-B97B-4E37-AB73-2AB2C889C3FC}" type="presParOf" srcId="{8D16F346-2AFD-42B3-8D89-71DE88801702}" destId="{96804172-8889-4561-9A0F-ED6AD8558439}" srcOrd="8" destOrd="0" presId="urn:microsoft.com/office/officeart/2008/layout/LinedList"/>
-    <dgm:cxn modelId="{F44406EF-FF1D-4853-A501-7A2E8C54BA94}" type="presParOf" srcId="{8D16F346-2AFD-42B3-8D89-71DE88801702}" destId="{557824F9-59F8-4589-B84D-38A0A9600673}" srcOrd="9" destOrd="0" presId="urn:microsoft.com/office/officeart/2008/layout/LinedList"/>
+    <dgm:cxn modelId="{530EB2B9-D679-4358-823F-D832685D343A}" type="presParOf" srcId="{8D16F346-2AFD-42B3-8D89-71DE88801702}" destId="{5FF8E2D0-1CBD-49F4-8051-60DA01D1BCC2}" srcOrd="0" destOrd="0" presId="urn:microsoft.com/office/officeart/2008/layout/LinedList"/>
+    <dgm:cxn modelId="{144E04CA-534E-4CD4-9B8F-DF9D49161CC0}" type="presParOf" srcId="{8D16F346-2AFD-42B3-8D89-71DE88801702}" destId="{D68C06F4-D011-4D10-A7CA-231612848987}" srcOrd="1" destOrd="0" presId="urn:microsoft.com/office/officeart/2008/layout/LinedList"/>
+    <dgm:cxn modelId="{F23D2A0E-6B87-4D2B-B268-4AA576AAE8AA}" type="presParOf" srcId="{D68C06F4-D011-4D10-A7CA-231612848987}" destId="{A67507B9-D4E0-45F0-8B6F-E1194C50A57D}" srcOrd="0" destOrd="0" presId="urn:microsoft.com/office/officeart/2008/layout/LinedList"/>
+    <dgm:cxn modelId="{2AFB3B93-5F00-4807-AC55-707F412ABE0E}" type="presParOf" srcId="{D68C06F4-D011-4D10-A7CA-231612848987}" destId="{7C715882-15D3-4785-8D04-6D401EF6AFB0}" srcOrd="1" destOrd="0" presId="urn:microsoft.com/office/officeart/2008/layout/LinedList"/>
+    <dgm:cxn modelId="{D8855A79-0C75-41BF-A3CB-7C89A1FCAE67}" type="presParOf" srcId="{D68C06F4-D011-4D10-A7CA-231612848987}" destId="{7345CB9B-9D84-4289-8283-A21AB0F34105}" srcOrd="2" destOrd="0" presId="urn:microsoft.com/office/officeart/2008/layout/LinedList"/>
+    <dgm:cxn modelId="{BE453716-400E-457B-AC12-B5950FA0D7B7}" type="presParOf" srcId="{8D16F346-2AFD-42B3-8D89-71DE88801702}" destId="{0FF34B0B-2E65-4520-92BB-4118F260C032}" srcOrd="2" destOrd="0" presId="urn:microsoft.com/office/officeart/2008/layout/LinedList"/>
+    <dgm:cxn modelId="{27B79963-CE0D-4B58-99B6-82FAA9228E06}" type="presParOf" srcId="{8D16F346-2AFD-42B3-8D89-71DE88801702}" destId="{453D1700-8AF1-45E8-959E-433D1C8D7356}" srcOrd="3" destOrd="0" presId="urn:microsoft.com/office/officeart/2008/layout/LinedList"/>
+    <dgm:cxn modelId="{AD5DA1E4-A1B1-4C99-8BDD-DF7C74155ED4}" type="presParOf" srcId="{8D16F346-2AFD-42B3-8D89-71DE88801702}" destId="{CA9C6F60-8A5C-4EED-A23C-87251991486D}" srcOrd="4" destOrd="0" presId="urn:microsoft.com/office/officeart/2008/layout/LinedList"/>
+    <dgm:cxn modelId="{884ADDF5-E9EA-4324-9FE7-91014938B4B9}" type="presParOf" srcId="{CA9C6F60-8A5C-4EED-A23C-87251991486D}" destId="{BEB47204-0A21-4866-8BCA-B7C66394AB48}" srcOrd="0" destOrd="0" presId="urn:microsoft.com/office/officeart/2008/layout/LinedList"/>
+    <dgm:cxn modelId="{153FA65E-9516-445E-9F75-9300F815E8F9}" type="presParOf" srcId="{CA9C6F60-8A5C-4EED-A23C-87251991486D}" destId="{B2F1244F-B55E-4A6E-A5FC-BBD6AB8DAA92}" srcOrd="1" destOrd="0" presId="urn:microsoft.com/office/officeart/2008/layout/LinedList"/>
+    <dgm:cxn modelId="{EF7F2A32-E0D0-44C9-B96B-DF72B1404748}" type="presParOf" srcId="{CA9C6F60-8A5C-4EED-A23C-87251991486D}" destId="{92272911-9EAC-4680-BF6E-4AEF065F66E8}" srcOrd="2" destOrd="0" presId="urn:microsoft.com/office/officeart/2008/layout/LinedList"/>
+    <dgm:cxn modelId="{B631DF96-D8D6-48E8-98D4-A8D6EE04AFB5}" type="presParOf" srcId="{8D16F346-2AFD-42B3-8D89-71DE88801702}" destId="{0937496B-FE89-4C5B-B22E-762B4D038158}" srcOrd="5" destOrd="0" presId="urn:microsoft.com/office/officeart/2008/layout/LinedList"/>
+    <dgm:cxn modelId="{B05D952D-E7A2-4D68-87A5-9424E573C334}" type="presParOf" srcId="{8D16F346-2AFD-42B3-8D89-71DE88801702}" destId="{7A8AB7B0-0BEB-4080-A094-5246F6C088BA}" srcOrd="6" destOrd="0" presId="urn:microsoft.com/office/officeart/2008/layout/LinedList"/>
+    <dgm:cxn modelId="{3341D39C-BBF1-4E3E-B1C5-6D9F1DC9D0D5}" type="presParOf" srcId="{8D16F346-2AFD-42B3-8D89-71DE88801702}" destId="{15A6752B-A400-4195-B5DD-03592935198C}" srcOrd="7" destOrd="0" presId="urn:microsoft.com/office/officeart/2008/layout/LinedList"/>
+    <dgm:cxn modelId="{D2729B64-A44D-4807-8383-298C730174B2}" type="presParOf" srcId="{15A6752B-A400-4195-B5DD-03592935198C}" destId="{BA431673-A4E9-4785-A54E-FCC40487DB2E}" srcOrd="0" destOrd="0" presId="urn:microsoft.com/office/officeart/2008/layout/LinedList"/>
+    <dgm:cxn modelId="{1BC814F0-BC2A-4EB7-B510-DA8A76080877}" type="presParOf" srcId="{15A6752B-A400-4195-B5DD-03592935198C}" destId="{347C6339-B231-447A-BCBE-4DD771E79BCD}" srcOrd="1" destOrd="0" presId="urn:microsoft.com/office/officeart/2008/layout/LinedList"/>
+    <dgm:cxn modelId="{61B1F193-08DF-4FBB-A61C-FD77F50DC0E7}" type="presParOf" srcId="{15A6752B-A400-4195-B5DD-03592935198C}" destId="{B050AE53-096D-41C4-B06F-035F6E844E1A}" srcOrd="2" destOrd="0" presId="urn:microsoft.com/office/officeart/2008/layout/LinedList"/>
+    <dgm:cxn modelId="{1E52BC77-13D1-476F-98F5-BDD8282CCEF7}" type="presParOf" srcId="{8D16F346-2AFD-42B3-8D89-71DE88801702}" destId="{38233778-9C02-4BB2-AB72-F25A0E5E82CE}" srcOrd="8" destOrd="0" presId="urn:microsoft.com/office/officeart/2008/layout/LinedList"/>
+    <dgm:cxn modelId="{C2934B12-60C4-478D-93BF-27FE0B95D4D3}" type="presParOf" srcId="{8D16F346-2AFD-42B3-8D89-71DE88801702}" destId="{B61029BE-BA77-4BBC-B76C-5D8976283DBB}" srcOrd="9" destOrd="0" presId="urn:microsoft.com/office/officeart/2008/layout/LinedList"/>
+    <dgm:cxn modelId="{6C570A49-0B4E-46AA-B91C-CA7A0060A95C}" type="presParOf" srcId="{8D16F346-2AFD-42B3-8D89-71DE88801702}" destId="{F931B3E2-556C-4CFF-9545-D08F9986106E}" srcOrd="10" destOrd="0" presId="urn:microsoft.com/office/officeart/2008/layout/LinedList"/>
+    <dgm:cxn modelId="{302BA67E-CAA4-4009-B16C-E8013DE4476D}" type="presParOf" srcId="{F931B3E2-556C-4CFF-9545-D08F9986106E}" destId="{FAB5F7D6-EF9D-4235-BB15-526F7CAC450C}" srcOrd="0" destOrd="0" presId="urn:microsoft.com/office/officeart/2008/layout/LinedList"/>
+    <dgm:cxn modelId="{FCFEF7D0-017A-4274-8FF9-70A976212CED}" type="presParOf" srcId="{F931B3E2-556C-4CFF-9545-D08F9986106E}" destId="{1A7DDCE1-AE9D-4BF5-86FE-BF88F167DF4B}" srcOrd="1" destOrd="0" presId="urn:microsoft.com/office/officeart/2008/layout/LinedList"/>
+    <dgm:cxn modelId="{0C64BA34-1E27-44D9-8B51-D5884E930FB6}" type="presParOf" srcId="{F931B3E2-556C-4CFF-9545-D08F9986106E}" destId="{A800B557-0B56-4C3B-A1F7-D149B30AEF9B}" srcOrd="2" destOrd="0" presId="urn:microsoft.com/office/officeart/2008/layout/LinedList"/>
+    <dgm:cxn modelId="{7D726D82-81DA-448E-A12D-66A013BFB467}" type="presParOf" srcId="{8D16F346-2AFD-42B3-8D89-71DE88801702}" destId="{96804172-8889-4561-9A0F-ED6AD8558439}" srcOrd="11" destOrd="0" presId="urn:microsoft.com/office/officeart/2008/layout/LinedList"/>
+    <dgm:cxn modelId="{BDC66502-EB7E-4323-BAB3-3C985C88DCAA}" type="presParOf" srcId="{8D16F346-2AFD-42B3-8D89-71DE88801702}" destId="{557824F9-59F8-4589-B84D-38A0A9600673}" srcOrd="12" destOrd="0" presId="urn:microsoft.com/office/officeart/2008/layout/LinedList"/>
   </dgm:cxnLst>
   <dgm:bg/>
   <dgm:whole/>
@@ -9245,15 +9676,15 @@
       <dsp:cNvGrpSpPr/>
     </dsp:nvGrpSpPr>
     <dsp:grpSpPr/>
-    <dsp:sp modelId="{B4023B61-E2B4-4C69-A00E-8B14067C6DC3}">
+    <dsp:sp modelId="{2AB33B9F-0D3C-4528-9E1C-821C3D315AD3}">
       <dsp:nvSpPr>
         <dsp:cNvPr id="0" name=""/>
         <dsp:cNvSpPr/>
       </dsp:nvSpPr>
       <dsp:spPr>
         <a:xfrm>
-          <a:off x="10348131" y="1344513"/>
-          <a:ext cx="166315" cy="1297260"/>
+          <a:off x="10936337" y="1379487"/>
+          <a:ext cx="163524" cy="2823529"/>
         </a:xfrm>
         <a:custGeom>
           <a:avLst/>
@@ -9267,10 +9698,10 @@
                 <a:pt x="0" y="0"/>
               </a:moveTo>
               <a:lnTo>
-                <a:pt x="0" y="1297260"/>
+                <a:pt x="0" y="2823529"/>
               </a:lnTo>
               <a:lnTo>
-                <a:pt x="166315" y="1297260"/>
+                <a:pt x="163524" y="2823529"/>
               </a:lnTo>
             </a:path>
           </a:pathLst>
@@ -9304,15 +9735,15 @@
         <a:fontRef idx="minor"/>
       </dsp:style>
     </dsp:sp>
-    <dsp:sp modelId="{98DF9615-6AB1-4615-98A9-227A4B3AE02B}">
+    <dsp:sp modelId="{CE034E7E-9D5B-43F7-901D-6280D21CEAEB}">
       <dsp:nvSpPr>
         <dsp:cNvPr id="0" name=""/>
         <dsp:cNvSpPr/>
       </dsp:nvSpPr>
       <dsp:spPr>
         <a:xfrm>
-          <a:off x="10348131" y="1344513"/>
-          <a:ext cx="166315" cy="510033"/>
+          <a:off x="10936337" y="1379487"/>
+          <a:ext cx="163524" cy="2049512"/>
         </a:xfrm>
         <a:custGeom>
           <a:avLst/>
@@ -9326,10 +9757,10 @@
                 <a:pt x="0" y="0"/>
               </a:moveTo>
               <a:lnTo>
-                <a:pt x="0" y="510033"/>
+                <a:pt x="0" y="2049512"/>
               </a:lnTo>
               <a:lnTo>
-                <a:pt x="166315" y="510033"/>
+                <a:pt x="163524" y="2049512"/>
               </a:lnTo>
             </a:path>
           </a:pathLst>
@@ -9363,15 +9794,15 @@
         <a:fontRef idx="minor"/>
       </dsp:style>
     </dsp:sp>
-    <dsp:sp modelId="{DC0B8C07-BCD6-4D91-BB5F-6E51880E10CA}">
+    <dsp:sp modelId="{651FDB2C-2A09-4AFC-B231-51BFBA03F5B4}">
       <dsp:nvSpPr>
         <dsp:cNvPr id="0" name=""/>
         <dsp:cNvSpPr/>
       </dsp:nvSpPr>
       <dsp:spPr>
         <a:xfrm>
-          <a:off x="5957403" y="557286"/>
-          <a:ext cx="4834235" cy="232841"/>
+          <a:off x="10936337" y="1379487"/>
+          <a:ext cx="163524" cy="1275494"/>
         </a:xfrm>
         <a:custGeom>
           <a:avLst/>
@@ -9385,13 +9816,131 @@
                 <a:pt x="0" y="0"/>
               </a:moveTo>
               <a:lnTo>
-                <a:pt x="0" y="116420"/>
+                <a:pt x="0" y="1275494"/>
               </a:lnTo>
               <a:lnTo>
-                <a:pt x="4834235" y="116420"/>
+                <a:pt x="163524" y="1275494"/>
+              </a:lnTo>
+            </a:path>
+          </a:pathLst>
+        </a:custGeom>
+        <a:noFill/>
+        <a:ln w="12700" cap="flat" cmpd="sng" algn="ctr">
+          <a:solidFill>
+            <a:schemeClr val="accent1">
+              <a:shade val="80000"/>
+              <a:hueOff val="0"/>
+              <a:satOff val="0"/>
+              <a:lumOff val="0"/>
+              <a:alphaOff val="0"/>
+            </a:schemeClr>
+          </a:solidFill>
+          <a:prstDash val="solid"/>
+          <a:miter lim="800000"/>
+        </a:ln>
+        <a:effectLst/>
+      </dsp:spPr>
+      <dsp:style>
+        <a:lnRef idx="2">
+          <a:scrgbClr r="0" g="0" b="0"/>
+        </a:lnRef>
+        <a:fillRef idx="0">
+          <a:scrgbClr r="0" g="0" b="0"/>
+        </a:fillRef>
+        <a:effectRef idx="0">
+          <a:scrgbClr r="0" g="0" b="0"/>
+        </a:effectRef>
+        <a:fontRef idx="minor"/>
+      </dsp:style>
+    </dsp:sp>
+    <dsp:sp modelId="{2A01B9DD-6370-4CAA-9132-07CEDA3A502F}">
+      <dsp:nvSpPr>
+        <dsp:cNvPr id="0" name=""/>
+        <dsp:cNvSpPr/>
+      </dsp:nvSpPr>
+      <dsp:spPr>
+        <a:xfrm>
+          <a:off x="10936337" y="1379487"/>
+          <a:ext cx="163524" cy="501476"/>
+        </a:xfrm>
+        <a:custGeom>
+          <a:avLst/>
+          <a:gdLst/>
+          <a:ahLst/>
+          <a:cxnLst/>
+          <a:rect l="0" t="0" r="0" b="0"/>
+          <a:pathLst>
+            <a:path>
+              <a:moveTo>
+                <a:pt x="0" y="0"/>
+              </a:moveTo>
+              <a:lnTo>
+                <a:pt x="0" y="501476"/>
               </a:lnTo>
               <a:lnTo>
-                <a:pt x="4834235" y="232841"/>
+                <a:pt x="163524" y="501476"/>
+              </a:lnTo>
+            </a:path>
+          </a:pathLst>
+        </a:custGeom>
+        <a:noFill/>
+        <a:ln w="12700" cap="flat" cmpd="sng" algn="ctr">
+          <a:solidFill>
+            <a:schemeClr val="accent1">
+              <a:shade val="80000"/>
+              <a:hueOff val="0"/>
+              <a:satOff val="0"/>
+              <a:lumOff val="0"/>
+              <a:alphaOff val="0"/>
+            </a:schemeClr>
+          </a:solidFill>
+          <a:prstDash val="solid"/>
+          <a:miter lim="800000"/>
+        </a:ln>
+        <a:effectLst/>
+      </dsp:spPr>
+      <dsp:style>
+        <a:lnRef idx="2">
+          <a:scrgbClr r="0" g="0" b="0"/>
+        </a:lnRef>
+        <a:fillRef idx="0">
+          <a:scrgbClr r="0" g="0" b="0"/>
+        </a:fillRef>
+        <a:effectRef idx="0">
+          <a:scrgbClr r="0" g="0" b="0"/>
+        </a:effectRef>
+        <a:fontRef idx="minor"/>
+      </dsp:style>
+    </dsp:sp>
+    <dsp:sp modelId="{3C7E0377-7826-4EB4-A154-E9D5E18BE81C}">
+      <dsp:nvSpPr>
+        <dsp:cNvPr id="0" name=""/>
+        <dsp:cNvSpPr/>
+      </dsp:nvSpPr>
+      <dsp:spPr>
+        <a:xfrm>
+          <a:off x="5959729" y="605470"/>
+          <a:ext cx="5412674" cy="228934"/>
+        </a:xfrm>
+        <a:custGeom>
+          <a:avLst/>
+          <a:gdLst/>
+          <a:ahLst/>
+          <a:cxnLst/>
+          <a:rect l="0" t="0" r="0" b="0"/>
+          <a:pathLst>
+            <a:path>
+              <a:moveTo>
+                <a:pt x="0" y="0"/>
+              </a:moveTo>
+              <a:lnTo>
+                <a:pt x="0" y="114467"/>
+              </a:lnTo>
+              <a:lnTo>
+                <a:pt x="5412674" y="114467"/>
+              </a:lnTo>
+              <a:lnTo>
+                <a:pt x="5412674" y="228934"/>
               </a:lnTo>
             </a:path>
           </a:pathLst>
@@ -9425,15 +9974,15 @@
         <a:fontRef idx="minor"/>
       </dsp:style>
     </dsp:sp>
-    <dsp:sp modelId="{C01F831D-EFD6-481A-9BCE-21CF8207E0E1}">
+    <dsp:sp modelId="{B4023B61-E2B4-4C69-A00E-8B14067C6DC3}">
       <dsp:nvSpPr>
         <dsp:cNvPr id="0" name=""/>
         <dsp:cNvSpPr/>
       </dsp:nvSpPr>
       <dsp:spPr>
         <a:xfrm>
-          <a:off x="5957403" y="557286"/>
-          <a:ext cx="3492624" cy="232841"/>
+          <a:off x="9617236" y="1379487"/>
+          <a:ext cx="163524" cy="1275494"/>
         </a:xfrm>
         <a:custGeom>
           <a:avLst/>
@@ -9447,13 +9996,131 @@
                 <a:pt x="0" y="0"/>
               </a:moveTo>
               <a:lnTo>
-                <a:pt x="0" y="116420"/>
+                <a:pt x="0" y="1275494"/>
               </a:lnTo>
               <a:lnTo>
-                <a:pt x="3492624" y="116420"/>
+                <a:pt x="163524" y="1275494"/>
+              </a:lnTo>
+            </a:path>
+          </a:pathLst>
+        </a:custGeom>
+        <a:noFill/>
+        <a:ln w="12700" cap="flat" cmpd="sng" algn="ctr">
+          <a:solidFill>
+            <a:schemeClr val="accent1">
+              <a:shade val="80000"/>
+              <a:hueOff val="0"/>
+              <a:satOff val="0"/>
+              <a:lumOff val="0"/>
+              <a:alphaOff val="0"/>
+            </a:schemeClr>
+          </a:solidFill>
+          <a:prstDash val="solid"/>
+          <a:miter lim="800000"/>
+        </a:ln>
+        <a:effectLst/>
+      </dsp:spPr>
+      <dsp:style>
+        <a:lnRef idx="2">
+          <a:scrgbClr r="0" g="0" b="0"/>
+        </a:lnRef>
+        <a:fillRef idx="0">
+          <a:scrgbClr r="0" g="0" b="0"/>
+        </a:fillRef>
+        <a:effectRef idx="0">
+          <a:scrgbClr r="0" g="0" b="0"/>
+        </a:effectRef>
+        <a:fontRef idx="minor"/>
+      </dsp:style>
+    </dsp:sp>
+    <dsp:sp modelId="{98DF9615-6AB1-4615-98A9-227A4B3AE02B}">
+      <dsp:nvSpPr>
+        <dsp:cNvPr id="0" name=""/>
+        <dsp:cNvSpPr/>
+      </dsp:nvSpPr>
+      <dsp:spPr>
+        <a:xfrm>
+          <a:off x="9617236" y="1379487"/>
+          <a:ext cx="163524" cy="501476"/>
+        </a:xfrm>
+        <a:custGeom>
+          <a:avLst/>
+          <a:gdLst/>
+          <a:ahLst/>
+          <a:cxnLst/>
+          <a:rect l="0" t="0" r="0" b="0"/>
+          <a:pathLst>
+            <a:path>
+              <a:moveTo>
+                <a:pt x="0" y="0"/>
+              </a:moveTo>
+              <a:lnTo>
+                <a:pt x="0" y="501476"/>
               </a:lnTo>
               <a:lnTo>
-                <a:pt x="3492624" y="232841"/>
+                <a:pt x="163524" y="501476"/>
+              </a:lnTo>
+            </a:path>
+          </a:pathLst>
+        </a:custGeom>
+        <a:noFill/>
+        <a:ln w="12700" cap="flat" cmpd="sng" algn="ctr">
+          <a:solidFill>
+            <a:schemeClr val="accent1">
+              <a:shade val="80000"/>
+              <a:hueOff val="0"/>
+              <a:satOff val="0"/>
+              <a:lumOff val="0"/>
+              <a:alphaOff val="0"/>
+            </a:schemeClr>
+          </a:solidFill>
+          <a:prstDash val="solid"/>
+          <a:miter lim="800000"/>
+        </a:ln>
+        <a:effectLst/>
+      </dsp:spPr>
+      <dsp:style>
+        <a:lnRef idx="2">
+          <a:scrgbClr r="0" g="0" b="0"/>
+        </a:lnRef>
+        <a:fillRef idx="0">
+          <a:scrgbClr r="0" g="0" b="0"/>
+        </a:fillRef>
+        <a:effectRef idx="0">
+          <a:scrgbClr r="0" g="0" b="0"/>
+        </a:effectRef>
+        <a:fontRef idx="minor"/>
+      </dsp:style>
+    </dsp:sp>
+    <dsp:sp modelId="{DC0B8C07-BCD6-4D91-BB5F-6E51880E10CA}">
+      <dsp:nvSpPr>
+        <dsp:cNvPr id="0" name=""/>
+        <dsp:cNvSpPr/>
+      </dsp:nvSpPr>
+      <dsp:spPr>
+        <a:xfrm>
+          <a:off x="5959729" y="605470"/>
+          <a:ext cx="4093573" cy="228934"/>
+        </a:xfrm>
+        <a:custGeom>
+          <a:avLst/>
+          <a:gdLst/>
+          <a:ahLst/>
+          <a:cxnLst/>
+          <a:rect l="0" t="0" r="0" b="0"/>
+          <a:pathLst>
+            <a:path>
+              <a:moveTo>
+                <a:pt x="0" y="0"/>
+              </a:moveTo>
+              <a:lnTo>
+                <a:pt x="0" y="114467"/>
+              </a:lnTo>
+              <a:lnTo>
+                <a:pt x="4093573" y="114467"/>
+              </a:lnTo>
+              <a:lnTo>
+                <a:pt x="4093573" y="228934"/>
               </a:lnTo>
             </a:path>
           </a:pathLst>
@@ -9487,15 +10154,15 @@
         <a:fontRef idx="minor"/>
       </dsp:style>
     </dsp:sp>
-    <dsp:sp modelId="{471300FB-DB21-4C22-8086-4742D736E0BD}">
+    <dsp:sp modelId="{C01F831D-EFD6-481A-9BCE-21CF8207E0E1}">
       <dsp:nvSpPr>
         <dsp:cNvPr id="0" name=""/>
         <dsp:cNvSpPr/>
       </dsp:nvSpPr>
       <dsp:spPr>
         <a:xfrm>
-          <a:off x="7664908" y="2131739"/>
-          <a:ext cx="166315" cy="1297260"/>
+          <a:off x="5959729" y="605470"/>
+          <a:ext cx="2774472" cy="228934"/>
         </a:xfrm>
         <a:custGeom>
           <a:avLst/>
@@ -9509,10 +10176,72 @@
                 <a:pt x="0" y="0"/>
               </a:moveTo>
               <a:lnTo>
-                <a:pt x="0" y="1297260"/>
+                <a:pt x="0" y="114467"/>
               </a:lnTo>
               <a:lnTo>
-                <a:pt x="166315" y="1297260"/>
+                <a:pt x="2774472" y="114467"/>
+              </a:lnTo>
+              <a:lnTo>
+                <a:pt x="2774472" y="228934"/>
+              </a:lnTo>
+            </a:path>
+          </a:pathLst>
+        </a:custGeom>
+        <a:noFill/>
+        <a:ln w="12700" cap="flat" cmpd="sng" algn="ctr">
+          <a:solidFill>
+            <a:schemeClr val="accent1">
+              <a:shade val="60000"/>
+              <a:hueOff val="0"/>
+              <a:satOff val="0"/>
+              <a:lumOff val="0"/>
+              <a:alphaOff val="0"/>
+            </a:schemeClr>
+          </a:solidFill>
+          <a:prstDash val="solid"/>
+          <a:miter lim="800000"/>
+        </a:ln>
+        <a:effectLst/>
+      </dsp:spPr>
+      <dsp:style>
+        <a:lnRef idx="2">
+          <a:scrgbClr r="0" g="0" b="0"/>
+        </a:lnRef>
+        <a:fillRef idx="0">
+          <a:scrgbClr r="0" g="0" b="0"/>
+        </a:fillRef>
+        <a:effectRef idx="0">
+          <a:scrgbClr r="0" g="0" b="0"/>
+        </a:effectRef>
+        <a:fontRef idx="minor"/>
+      </dsp:style>
+    </dsp:sp>
+    <dsp:sp modelId="{471300FB-DB21-4C22-8086-4742D736E0BD}">
+      <dsp:nvSpPr>
+        <dsp:cNvPr id="0" name=""/>
+        <dsp:cNvSpPr/>
+      </dsp:nvSpPr>
+      <dsp:spPr>
+        <a:xfrm>
+          <a:off x="6979034" y="2153505"/>
+          <a:ext cx="163524" cy="1275494"/>
+        </a:xfrm>
+        <a:custGeom>
+          <a:avLst/>
+          <a:gdLst/>
+          <a:ahLst/>
+          <a:cxnLst/>
+          <a:rect l="0" t="0" r="0" b="0"/>
+          <a:pathLst>
+            <a:path>
+              <a:moveTo>
+                <a:pt x="0" y="0"/>
+              </a:moveTo>
+              <a:lnTo>
+                <a:pt x="0" y="1275494"/>
+              </a:lnTo>
+              <a:lnTo>
+                <a:pt x="163524" y="1275494"/>
               </a:lnTo>
             </a:path>
           </a:pathLst>
@@ -9553,8 +10282,8 @@
       </dsp:nvSpPr>
       <dsp:spPr>
         <a:xfrm>
-          <a:off x="7664908" y="2131739"/>
-          <a:ext cx="166315" cy="510033"/>
+          <a:off x="6979034" y="2153505"/>
+          <a:ext cx="163524" cy="501476"/>
         </a:xfrm>
         <a:custGeom>
           <a:avLst/>
@@ -9568,10 +10297,10 @@
                 <a:pt x="0" y="0"/>
               </a:moveTo>
               <a:lnTo>
-                <a:pt x="0" y="510033"/>
+                <a:pt x="0" y="501476"/>
               </a:lnTo>
               <a:lnTo>
-                <a:pt x="166315" y="510033"/>
+                <a:pt x="163524" y="501476"/>
               </a:lnTo>
             </a:path>
           </a:pathLst>
@@ -9612,8 +10341,8 @@
       </dsp:nvSpPr>
       <dsp:spPr>
         <a:xfrm>
-          <a:off x="8062696" y="1344513"/>
-          <a:ext cx="91440" cy="232841"/>
+          <a:off x="7369380" y="1379487"/>
+          <a:ext cx="91440" cy="228934"/>
         </a:xfrm>
         <a:custGeom>
           <a:avLst/>
@@ -9627,7 +10356,7 @@
                 <a:pt x="45720" y="0"/>
               </a:moveTo>
               <a:lnTo>
-                <a:pt x="45720" y="232841"/>
+                <a:pt x="45720" y="228934"/>
               </a:lnTo>
             </a:path>
           </a:pathLst>
@@ -9668,8 +10397,8 @@
       </dsp:nvSpPr>
       <dsp:spPr>
         <a:xfrm>
-          <a:off x="5957403" y="557286"/>
-          <a:ext cx="2151012" cy="232841"/>
+          <a:off x="5959729" y="605470"/>
+          <a:ext cx="1455371" cy="228934"/>
         </a:xfrm>
         <a:custGeom>
           <a:avLst/>
@@ -9683,13 +10412,13 @@
                 <a:pt x="0" y="0"/>
               </a:moveTo>
               <a:lnTo>
-                <a:pt x="0" y="116420"/>
+                <a:pt x="0" y="114467"/>
               </a:lnTo>
               <a:lnTo>
-                <a:pt x="2151012" y="116420"/>
+                <a:pt x="1455371" y="114467"/>
               </a:lnTo>
               <a:lnTo>
-                <a:pt x="2151012" y="232841"/>
+                <a:pt x="1455371" y="228934"/>
               </a:lnTo>
             </a:path>
           </a:pathLst>
@@ -9730,8 +10459,8 @@
       </dsp:nvSpPr>
       <dsp:spPr>
         <a:xfrm>
-          <a:off x="6046105" y="1344513"/>
-          <a:ext cx="166315" cy="510033"/>
+          <a:off x="5387392" y="1379487"/>
+          <a:ext cx="163524" cy="501476"/>
         </a:xfrm>
         <a:custGeom>
           <a:avLst/>
@@ -9745,10 +10474,10 @@
                 <a:pt x="0" y="0"/>
               </a:moveTo>
               <a:lnTo>
-                <a:pt x="0" y="510033"/>
+                <a:pt x="0" y="501476"/>
               </a:lnTo>
               <a:lnTo>
-                <a:pt x="166315" y="510033"/>
+                <a:pt x="163524" y="501476"/>
               </a:lnTo>
             </a:path>
           </a:pathLst>
@@ -9789,8 +10518,8 @@
       </dsp:nvSpPr>
       <dsp:spPr>
         <a:xfrm>
-          <a:off x="5957403" y="557286"/>
-          <a:ext cx="532209" cy="232841"/>
+          <a:off x="5823458" y="605470"/>
+          <a:ext cx="136270" cy="228934"/>
         </a:xfrm>
         <a:custGeom>
           <a:avLst/>
@@ -9801,16 +10530,16 @@
           <a:pathLst>
             <a:path>
               <a:moveTo>
-                <a:pt x="0" y="0"/>
+                <a:pt x="136270" y="0"/>
               </a:moveTo>
               <a:lnTo>
-                <a:pt x="0" y="116420"/>
+                <a:pt x="136270" y="114467"/>
               </a:lnTo>
               <a:lnTo>
-                <a:pt x="532209" y="116420"/>
+                <a:pt x="0" y="114467"/>
               </a:lnTo>
               <a:lnTo>
-                <a:pt x="532209" y="232841"/>
+                <a:pt x="0" y="228934"/>
               </a:lnTo>
             </a:path>
           </a:pathLst>
@@ -9851,8 +10580,8 @@
       </dsp:nvSpPr>
       <dsp:spPr>
         <a:xfrm>
-          <a:off x="4704494" y="1344513"/>
-          <a:ext cx="166315" cy="5233392"/>
+          <a:off x="4068291" y="1379487"/>
+          <a:ext cx="163524" cy="5145583"/>
         </a:xfrm>
         <a:custGeom>
           <a:avLst/>
@@ -9866,10 +10595,10 @@
                 <a:pt x="0" y="0"/>
               </a:moveTo>
               <a:lnTo>
-                <a:pt x="0" y="5233392"/>
+                <a:pt x="0" y="5145583"/>
               </a:lnTo>
               <a:lnTo>
-                <a:pt x="166315" y="5233392"/>
+                <a:pt x="163524" y="5145583"/>
               </a:lnTo>
             </a:path>
           </a:pathLst>
@@ -9910,8 +10639,8 @@
       </dsp:nvSpPr>
       <dsp:spPr>
         <a:xfrm>
-          <a:off x="4704494" y="1344513"/>
-          <a:ext cx="166315" cy="4446165"/>
+          <a:off x="4068291" y="1379487"/>
+          <a:ext cx="163524" cy="4371565"/>
         </a:xfrm>
         <a:custGeom>
           <a:avLst/>
@@ -9925,10 +10654,10 @@
                 <a:pt x="0" y="0"/>
               </a:moveTo>
               <a:lnTo>
-                <a:pt x="0" y="4446165"/>
+                <a:pt x="0" y="4371565"/>
               </a:lnTo>
               <a:lnTo>
-                <a:pt x="166315" y="4446165"/>
+                <a:pt x="163524" y="4371565"/>
               </a:lnTo>
             </a:path>
           </a:pathLst>
@@ -9969,8 +10698,8 @@
       </dsp:nvSpPr>
       <dsp:spPr>
         <a:xfrm>
-          <a:off x="4704494" y="1344513"/>
-          <a:ext cx="166315" cy="3658939"/>
+          <a:off x="4068291" y="1379487"/>
+          <a:ext cx="163524" cy="3597547"/>
         </a:xfrm>
         <a:custGeom>
           <a:avLst/>
@@ -9984,10 +10713,10 @@
                 <a:pt x="0" y="0"/>
               </a:moveTo>
               <a:lnTo>
-                <a:pt x="0" y="3658939"/>
+                <a:pt x="0" y="3597547"/>
               </a:lnTo>
               <a:lnTo>
-                <a:pt x="166315" y="3658939"/>
+                <a:pt x="163524" y="3597547"/>
               </a:lnTo>
             </a:path>
           </a:pathLst>
@@ -10028,8 +10757,8 @@
       </dsp:nvSpPr>
       <dsp:spPr>
         <a:xfrm>
-          <a:off x="4704494" y="1344513"/>
-          <a:ext cx="166315" cy="2871713"/>
+          <a:off x="4068291" y="1379487"/>
+          <a:ext cx="163524" cy="2823529"/>
         </a:xfrm>
         <a:custGeom>
           <a:avLst/>
@@ -10043,10 +10772,10 @@
                 <a:pt x="0" y="0"/>
               </a:moveTo>
               <a:lnTo>
-                <a:pt x="0" y="2871713"/>
+                <a:pt x="0" y="2823529"/>
               </a:lnTo>
               <a:lnTo>
-                <a:pt x="166315" y="2871713"/>
+                <a:pt x="163524" y="2823529"/>
               </a:lnTo>
             </a:path>
           </a:pathLst>
@@ -10087,8 +10816,8 @@
       </dsp:nvSpPr>
       <dsp:spPr>
         <a:xfrm>
-          <a:off x="4704494" y="1344513"/>
-          <a:ext cx="166315" cy="2084486"/>
+          <a:off x="4068291" y="1379487"/>
+          <a:ext cx="163524" cy="2049512"/>
         </a:xfrm>
         <a:custGeom>
           <a:avLst/>
@@ -10102,10 +10831,10 @@
                 <a:pt x="0" y="0"/>
               </a:moveTo>
               <a:lnTo>
-                <a:pt x="0" y="2084486"/>
+                <a:pt x="0" y="2049512"/>
               </a:lnTo>
               <a:lnTo>
-                <a:pt x="166315" y="2084486"/>
+                <a:pt x="163524" y="2049512"/>
               </a:lnTo>
             </a:path>
           </a:pathLst>
@@ -10146,8 +10875,8 @@
       </dsp:nvSpPr>
       <dsp:spPr>
         <a:xfrm>
-          <a:off x="4704494" y="1344513"/>
-          <a:ext cx="166315" cy="1297260"/>
+          <a:off x="4068291" y="1379487"/>
+          <a:ext cx="163524" cy="1275494"/>
         </a:xfrm>
         <a:custGeom>
           <a:avLst/>
@@ -10161,10 +10890,10 @@
                 <a:pt x="0" y="0"/>
               </a:moveTo>
               <a:lnTo>
-                <a:pt x="0" y="1297260"/>
+                <a:pt x="0" y="1275494"/>
               </a:lnTo>
               <a:lnTo>
-                <a:pt x="166315" y="1297260"/>
+                <a:pt x="163524" y="1275494"/>
               </a:lnTo>
             </a:path>
           </a:pathLst>
@@ -10205,8 +10934,8 @@
       </dsp:nvSpPr>
       <dsp:spPr>
         <a:xfrm>
-          <a:off x="4704494" y="1344513"/>
-          <a:ext cx="166315" cy="510033"/>
+          <a:off x="4068291" y="1379487"/>
+          <a:ext cx="163524" cy="501476"/>
         </a:xfrm>
         <a:custGeom>
           <a:avLst/>
@@ -10220,10 +10949,10 @@
                 <a:pt x="0" y="0"/>
               </a:moveTo>
               <a:lnTo>
-                <a:pt x="0" y="510033"/>
+                <a:pt x="0" y="501476"/>
               </a:lnTo>
               <a:lnTo>
-                <a:pt x="166315" y="510033"/>
+                <a:pt x="163524" y="501476"/>
               </a:lnTo>
             </a:path>
           </a:pathLst>
@@ -10264,8 +10993,8 @@
       </dsp:nvSpPr>
       <dsp:spPr>
         <a:xfrm>
-          <a:off x="5148002" y="557286"/>
-          <a:ext cx="809401" cy="232841"/>
+          <a:off x="4504357" y="605470"/>
+          <a:ext cx="1455371" cy="228934"/>
         </a:xfrm>
         <a:custGeom>
           <a:avLst/>
@@ -10276,16 +11005,16 @@
           <a:pathLst>
             <a:path>
               <a:moveTo>
-                <a:pt x="809401" y="0"/>
+                <a:pt x="1455371" y="0"/>
               </a:moveTo>
               <a:lnTo>
-                <a:pt x="809401" y="116420"/>
+                <a:pt x="1455371" y="114467"/>
               </a:lnTo>
               <a:lnTo>
-                <a:pt x="0" y="116420"/>
+                <a:pt x="0" y="114467"/>
               </a:lnTo>
               <a:lnTo>
-                <a:pt x="0" y="232841"/>
+                <a:pt x="0" y="228934"/>
               </a:lnTo>
             </a:path>
           </a:pathLst>
@@ -10326,8 +11055,8 @@
       </dsp:nvSpPr>
       <dsp:spPr>
         <a:xfrm>
-          <a:off x="3362883" y="1344513"/>
-          <a:ext cx="166315" cy="510033"/>
+          <a:off x="2749190" y="1379487"/>
+          <a:ext cx="163524" cy="501476"/>
         </a:xfrm>
         <a:custGeom>
           <a:avLst/>
@@ -10341,10 +11070,10 @@
                 <a:pt x="0" y="0"/>
               </a:moveTo>
               <a:lnTo>
-                <a:pt x="0" y="510033"/>
+                <a:pt x="0" y="501476"/>
               </a:lnTo>
               <a:lnTo>
-                <a:pt x="166315" y="510033"/>
+                <a:pt x="163524" y="501476"/>
               </a:lnTo>
             </a:path>
           </a:pathLst>
@@ -10385,8 +11114,8 @@
       </dsp:nvSpPr>
       <dsp:spPr>
         <a:xfrm>
-          <a:off x="3806390" y="557286"/>
-          <a:ext cx="2151012" cy="232841"/>
+          <a:off x="3185256" y="605470"/>
+          <a:ext cx="2774472" cy="228934"/>
         </a:xfrm>
         <a:custGeom>
           <a:avLst/>
@@ -10397,16 +11126,16 @@
           <a:pathLst>
             <a:path>
               <a:moveTo>
-                <a:pt x="2151012" y="0"/>
+                <a:pt x="2774472" y="0"/>
               </a:moveTo>
               <a:lnTo>
-                <a:pt x="2151012" y="116420"/>
+                <a:pt x="2774472" y="114467"/>
               </a:lnTo>
               <a:lnTo>
-                <a:pt x="0" y="116420"/>
+                <a:pt x="0" y="114467"/>
               </a:lnTo>
               <a:lnTo>
-                <a:pt x="0" y="232841"/>
+                <a:pt x="0" y="228934"/>
               </a:lnTo>
             </a:path>
           </a:pathLst>
@@ -10447,8 +11176,8 @@
       </dsp:nvSpPr>
       <dsp:spPr>
         <a:xfrm>
-          <a:off x="2021271" y="1344513"/>
-          <a:ext cx="166315" cy="510033"/>
+          <a:off x="1430089" y="1379487"/>
+          <a:ext cx="163524" cy="501476"/>
         </a:xfrm>
         <a:custGeom>
           <a:avLst/>
@@ -10462,10 +11191,10 @@
                 <a:pt x="0" y="0"/>
               </a:moveTo>
               <a:lnTo>
-                <a:pt x="0" y="510033"/>
+                <a:pt x="0" y="501476"/>
               </a:lnTo>
               <a:lnTo>
-                <a:pt x="166315" y="510033"/>
+                <a:pt x="163524" y="501476"/>
               </a:lnTo>
             </a:path>
           </a:pathLst>
@@ -10506,8 +11235,8 @@
       </dsp:nvSpPr>
       <dsp:spPr>
         <a:xfrm>
-          <a:off x="2464779" y="557286"/>
-          <a:ext cx="3492624" cy="232841"/>
+          <a:off x="1866155" y="605470"/>
+          <a:ext cx="4093573" cy="228934"/>
         </a:xfrm>
         <a:custGeom>
           <a:avLst/>
@@ -10518,16 +11247,16 @@
           <a:pathLst>
             <a:path>
               <a:moveTo>
-                <a:pt x="3492624" y="0"/>
+                <a:pt x="4093573" y="0"/>
               </a:moveTo>
               <a:lnTo>
-                <a:pt x="3492624" y="116420"/>
+                <a:pt x="4093573" y="114467"/>
               </a:lnTo>
               <a:lnTo>
-                <a:pt x="0" y="116420"/>
+                <a:pt x="0" y="114467"/>
               </a:lnTo>
               <a:lnTo>
-                <a:pt x="0" y="232841"/>
+                <a:pt x="0" y="228934"/>
               </a:lnTo>
             </a:path>
           </a:pathLst>
@@ -10568,8 +11297,8 @@
       </dsp:nvSpPr>
       <dsp:spPr>
         <a:xfrm>
-          <a:off x="679660" y="1344513"/>
-          <a:ext cx="166315" cy="510033"/>
+          <a:off x="110988" y="1379487"/>
+          <a:ext cx="163524" cy="501476"/>
         </a:xfrm>
         <a:custGeom>
           <a:avLst/>
@@ -10583,10 +11312,10 @@
                 <a:pt x="0" y="0"/>
               </a:moveTo>
               <a:lnTo>
-                <a:pt x="0" y="510033"/>
+                <a:pt x="0" y="501476"/>
               </a:lnTo>
               <a:lnTo>
-                <a:pt x="166315" y="510033"/>
+                <a:pt x="163524" y="501476"/>
               </a:lnTo>
             </a:path>
           </a:pathLst>
@@ -10627,8 +11356,8 @@
       </dsp:nvSpPr>
       <dsp:spPr>
         <a:xfrm>
-          <a:off x="1123168" y="557286"/>
-          <a:ext cx="4834235" cy="232841"/>
+          <a:off x="547054" y="605470"/>
+          <a:ext cx="5412674" cy="228934"/>
         </a:xfrm>
         <a:custGeom>
           <a:avLst/>
@@ -10639,16 +11368,16 @@
           <a:pathLst>
             <a:path>
               <a:moveTo>
-                <a:pt x="4834235" y="0"/>
+                <a:pt x="5412674" y="0"/>
               </a:moveTo>
               <a:lnTo>
-                <a:pt x="4834235" y="116420"/>
+                <a:pt x="5412674" y="114467"/>
               </a:lnTo>
               <a:lnTo>
-                <a:pt x="0" y="116420"/>
+                <a:pt x="0" y="114467"/>
               </a:lnTo>
               <a:lnTo>
-                <a:pt x="0" y="232841"/>
+                <a:pt x="0" y="228934"/>
               </a:lnTo>
             </a:path>
           </a:pathLst>
@@ -10689,8 +11418,8 @@
       </dsp:nvSpPr>
       <dsp:spPr>
         <a:xfrm>
-          <a:off x="5403019" y="2902"/>
-          <a:ext cx="1108769" cy="554384"/>
+          <a:off x="5414646" y="60387"/>
+          <a:ext cx="1090166" cy="545083"/>
         </a:xfrm>
         <a:prstGeom prst="rect">
           <a:avLst/>
@@ -10732,12 +11461,12 @@
         </a:fontRef>
       </dsp:style>
       <dsp:txBody>
-        <a:bodyPr spcFirstLastPara="0" vert="horz" wrap="square" lIns="5080" tIns="5080" rIns="5080" bIns="5080" numCol="1" spcCol="1270" anchor="ctr" anchorCtr="0">
+        <a:bodyPr spcFirstLastPara="0" vert="horz" wrap="square" lIns="3810" tIns="3810" rIns="3810" bIns="3810" numCol="1" spcCol="1270" anchor="ctr" anchorCtr="0">
           <a:noAutofit/>
         </a:bodyPr>
         <a:lstStyle/>
         <a:p>
-          <a:pPr marL="0" lvl="0" indent="0" algn="ctr" defTabSz="355600">
+          <a:pPr marL="0" lvl="0" indent="0" algn="ctr" defTabSz="266700">
             <a:lnSpc>
               <a:spcPct val="90000"/>
             </a:lnSpc>
@@ -10750,14 +11479,14 @@
             <a:buNone/>
           </a:pPr>
           <a:r>
-            <a:rPr lang="en-PH" sz="800" i="0" u="none" kern="1200" dirty="0"/>
+            <a:rPr lang="en-PH" sz="600" i="0" u="none" kern="1200" dirty="0"/>
             <a:t>GET: /</a:t>
           </a:r>
         </a:p>
       </dsp:txBody>
       <dsp:txXfrm>
-        <a:off x="5403019" y="2902"/>
-        <a:ext cx="1108769" cy="554384"/>
+        <a:off x="5414646" y="60387"/>
+        <a:ext cx="1090166" cy="545083"/>
       </dsp:txXfrm>
     </dsp:sp>
     <dsp:sp modelId="{AE1DD6B5-8922-4162-945A-41BF7A420F55}">
@@ -10767,8 +11496,8 @@
       </dsp:nvSpPr>
       <dsp:spPr>
         <a:xfrm>
-          <a:off x="568783" y="790128"/>
-          <a:ext cx="1108769" cy="554384"/>
+          <a:off x="1971" y="834404"/>
+          <a:ext cx="1090166" cy="545083"/>
         </a:xfrm>
         <a:prstGeom prst="rect">
           <a:avLst/>
@@ -10810,12 +11539,12 @@
         </a:fontRef>
       </dsp:style>
       <dsp:txBody>
-        <a:bodyPr spcFirstLastPara="0" vert="horz" wrap="square" lIns="5080" tIns="5080" rIns="5080" bIns="5080" numCol="1" spcCol="1270" anchor="ctr" anchorCtr="0">
+        <a:bodyPr spcFirstLastPara="0" vert="horz" wrap="square" lIns="3810" tIns="3810" rIns="3810" bIns="3810" numCol="1" spcCol="1270" anchor="ctr" anchorCtr="0">
           <a:noAutofit/>
         </a:bodyPr>
         <a:lstStyle/>
         <a:p>
-          <a:pPr marL="0" lvl="0" indent="0" algn="ctr" defTabSz="355600">
+          <a:pPr marL="0" lvl="0" indent="0" algn="ctr" defTabSz="266700">
             <a:lnSpc>
               <a:spcPct val="90000"/>
             </a:lnSpc>
@@ -10828,14 +11557,14 @@
             <a:buNone/>
           </a:pPr>
           <a:r>
-            <a:rPr lang="en-PH" sz="800" i="0" u="none" kern="1200" dirty="0"/>
+            <a:rPr lang="en-PH" sz="600" i="0" u="none" kern="1200" dirty="0"/>
             <a:t>GET: /login</a:t>
           </a:r>
         </a:p>
       </dsp:txBody>
       <dsp:txXfrm>
-        <a:off x="568783" y="790128"/>
-        <a:ext cx="1108769" cy="554384"/>
+        <a:off x="1971" y="834404"/>
+        <a:ext cx="1090166" cy="545083"/>
       </dsp:txXfrm>
     </dsp:sp>
     <dsp:sp modelId="{3C293340-5887-41DE-859C-77675150C6EB}">
@@ -10845,8 +11574,8 @@
       </dsp:nvSpPr>
       <dsp:spPr>
         <a:xfrm>
-          <a:off x="845976" y="1577354"/>
-          <a:ext cx="1108769" cy="554384"/>
+          <a:off x="274513" y="1608422"/>
+          <a:ext cx="1090166" cy="545083"/>
         </a:xfrm>
         <a:prstGeom prst="rect">
           <a:avLst/>
@@ -10888,12 +11617,12 @@
         </a:fontRef>
       </dsp:style>
       <dsp:txBody>
-        <a:bodyPr spcFirstLastPara="0" vert="horz" wrap="square" lIns="5080" tIns="5080" rIns="5080" bIns="5080" numCol="1" spcCol="1270" anchor="ctr" anchorCtr="0">
+        <a:bodyPr spcFirstLastPara="0" vert="horz" wrap="square" lIns="3810" tIns="3810" rIns="3810" bIns="3810" numCol="1" spcCol="1270" anchor="ctr" anchorCtr="0">
           <a:noAutofit/>
         </a:bodyPr>
         <a:lstStyle/>
         <a:p>
-          <a:pPr marL="0" lvl="0" indent="0" algn="ctr" defTabSz="355600">
+          <a:pPr marL="0" lvl="0" indent="0" algn="ctr" defTabSz="266700">
             <a:lnSpc>
               <a:spcPct val="90000"/>
             </a:lnSpc>
@@ -10906,14 +11635,14 @@
             <a:buNone/>
           </a:pPr>
           <a:r>
-            <a:rPr lang="en-PH" sz="800" i="0" u="none" kern="1200" dirty="0"/>
+            <a:rPr lang="en-PH" sz="600" i="0" u="none" kern="1200" dirty="0"/>
             <a:t>POST: /login/in</a:t>
           </a:r>
         </a:p>
       </dsp:txBody>
       <dsp:txXfrm>
-        <a:off x="845976" y="1577354"/>
-        <a:ext cx="1108769" cy="554384"/>
+        <a:off x="274513" y="1608422"/>
+        <a:ext cx="1090166" cy="545083"/>
       </dsp:txXfrm>
     </dsp:sp>
     <dsp:sp modelId="{1FCFCB3A-B4C7-413C-B6B5-18473C4E0215}">
@@ -10923,8 +11652,8 @@
       </dsp:nvSpPr>
       <dsp:spPr>
         <a:xfrm>
-          <a:off x="1910395" y="790128"/>
-          <a:ext cx="1108769" cy="554384"/>
+          <a:off x="1321072" y="834404"/>
+          <a:ext cx="1090166" cy="545083"/>
         </a:xfrm>
         <a:prstGeom prst="rect">
           <a:avLst/>
@@ -10966,12 +11695,12 @@
         </a:fontRef>
       </dsp:style>
       <dsp:txBody>
-        <a:bodyPr spcFirstLastPara="0" vert="horz" wrap="square" lIns="5080" tIns="5080" rIns="5080" bIns="5080" numCol="1" spcCol="1270" anchor="ctr" anchorCtr="0">
+        <a:bodyPr spcFirstLastPara="0" vert="horz" wrap="square" lIns="3810" tIns="3810" rIns="3810" bIns="3810" numCol="1" spcCol="1270" anchor="ctr" anchorCtr="0">
           <a:noAutofit/>
         </a:bodyPr>
         <a:lstStyle/>
         <a:p>
-          <a:pPr marL="0" lvl="0" indent="0" algn="ctr" defTabSz="355600">
+          <a:pPr marL="0" lvl="0" indent="0" algn="ctr" defTabSz="266700">
             <a:lnSpc>
               <a:spcPct val="90000"/>
             </a:lnSpc>
@@ -10984,14 +11713,14 @@
             <a:buNone/>
           </a:pPr>
           <a:r>
-            <a:rPr lang="en-PH" sz="800" i="0" u="none" kern="1200" dirty="0"/>
+            <a:rPr lang="en-PH" sz="600" i="0" u="none" kern="1200" dirty="0"/>
             <a:t>GET: /logout</a:t>
           </a:r>
         </a:p>
       </dsp:txBody>
       <dsp:txXfrm>
-        <a:off x="1910395" y="790128"/>
-        <a:ext cx="1108769" cy="554384"/>
+        <a:off x="1321072" y="834404"/>
+        <a:ext cx="1090166" cy="545083"/>
       </dsp:txXfrm>
     </dsp:sp>
     <dsp:sp modelId="{5CEACDA1-7667-40A9-B874-25D1B1E21A99}">
@@ -11001,8 +11730,8 @@
       </dsp:nvSpPr>
       <dsp:spPr>
         <a:xfrm>
-          <a:off x="2187587" y="1577354"/>
-          <a:ext cx="1108769" cy="554384"/>
+          <a:off x="1593614" y="1608422"/>
+          <a:ext cx="1090166" cy="545083"/>
         </a:xfrm>
         <a:prstGeom prst="rect">
           <a:avLst/>
@@ -11044,12 +11773,12 @@
         </a:fontRef>
       </dsp:style>
       <dsp:txBody>
-        <a:bodyPr spcFirstLastPara="0" vert="horz" wrap="square" lIns="5080" tIns="5080" rIns="5080" bIns="5080" numCol="1" spcCol="1270" anchor="ctr" anchorCtr="0">
+        <a:bodyPr spcFirstLastPara="0" vert="horz" wrap="square" lIns="3810" tIns="3810" rIns="3810" bIns="3810" numCol="1" spcCol="1270" anchor="ctr" anchorCtr="0">
           <a:noAutofit/>
         </a:bodyPr>
         <a:lstStyle/>
         <a:p>
-          <a:pPr marL="0" lvl="0" indent="0" algn="ctr" defTabSz="355600">
+          <a:pPr marL="0" lvl="0" indent="0" algn="ctr" defTabSz="266700">
             <a:lnSpc>
               <a:spcPct val="90000"/>
             </a:lnSpc>
@@ -11062,14 +11791,14 @@
             <a:buNone/>
           </a:pPr>
           <a:r>
-            <a:rPr lang="en-PH" sz="800" i="0" u="none" kern="1200" dirty="0"/>
+            <a:rPr lang="en-PH" sz="600" i="0" u="none" kern="1200" dirty="0"/>
             <a:t>POST: /logout/out</a:t>
           </a:r>
         </a:p>
       </dsp:txBody>
       <dsp:txXfrm>
-        <a:off x="2187587" y="1577354"/>
-        <a:ext cx="1108769" cy="554384"/>
+        <a:off x="1593614" y="1608422"/>
+        <a:ext cx="1090166" cy="545083"/>
       </dsp:txXfrm>
     </dsp:sp>
     <dsp:sp modelId="{2D05126F-7CA9-467A-B341-F8E1AF5FCF66}">
@@ -11079,8 +11808,8 @@
       </dsp:nvSpPr>
       <dsp:spPr>
         <a:xfrm>
-          <a:off x="3252006" y="790128"/>
-          <a:ext cx="1108769" cy="554384"/>
+          <a:off x="2640173" y="834404"/>
+          <a:ext cx="1090166" cy="545083"/>
         </a:xfrm>
         <a:prstGeom prst="rect">
           <a:avLst/>
@@ -11122,12 +11851,12 @@
         </a:fontRef>
       </dsp:style>
       <dsp:txBody>
-        <a:bodyPr spcFirstLastPara="0" vert="horz" wrap="square" lIns="5080" tIns="5080" rIns="5080" bIns="5080" numCol="1" spcCol="1270" anchor="ctr" anchorCtr="0">
+        <a:bodyPr spcFirstLastPara="0" vert="horz" wrap="square" lIns="3810" tIns="3810" rIns="3810" bIns="3810" numCol="1" spcCol="1270" anchor="ctr" anchorCtr="0">
           <a:noAutofit/>
         </a:bodyPr>
         <a:lstStyle/>
         <a:p>
-          <a:pPr marL="0" lvl="0" indent="0" algn="ctr" defTabSz="355600">
+          <a:pPr marL="0" lvl="0" indent="0" algn="ctr" defTabSz="266700">
             <a:lnSpc>
               <a:spcPct val="90000"/>
             </a:lnSpc>
@@ -11140,14 +11869,14 @@
             <a:buNone/>
           </a:pPr>
           <a:r>
-            <a:rPr lang="en-PH" sz="800" i="0" u="none" kern="1200" dirty="0"/>
+            <a:rPr lang="en-PH" sz="600" i="0" u="none" kern="1200" dirty="0"/>
             <a:t>GET: /home</a:t>
           </a:r>
         </a:p>
       </dsp:txBody>
       <dsp:txXfrm>
-        <a:off x="3252006" y="790128"/>
-        <a:ext cx="1108769" cy="554384"/>
+        <a:off x="2640173" y="834404"/>
+        <a:ext cx="1090166" cy="545083"/>
       </dsp:txXfrm>
     </dsp:sp>
     <dsp:sp modelId="{7BD205D8-B95D-44F8-9394-3A803C3AE7E3}">
@@ -11157,8 +11886,8 @@
       </dsp:nvSpPr>
       <dsp:spPr>
         <a:xfrm>
-          <a:off x="3529198" y="1577354"/>
-          <a:ext cx="1108769" cy="554384"/>
+          <a:off x="2912715" y="1608422"/>
+          <a:ext cx="1090166" cy="545083"/>
         </a:xfrm>
         <a:prstGeom prst="rect">
           <a:avLst/>
@@ -11200,12 +11929,12 @@
         </a:fontRef>
       </dsp:style>
       <dsp:txBody>
-        <a:bodyPr spcFirstLastPara="0" vert="horz" wrap="square" lIns="5080" tIns="5080" rIns="5080" bIns="5080" numCol="1" spcCol="1270" anchor="ctr" anchorCtr="0">
+        <a:bodyPr spcFirstLastPara="0" vert="horz" wrap="square" lIns="3810" tIns="3810" rIns="3810" bIns="3810" numCol="1" spcCol="1270" anchor="ctr" anchorCtr="0">
           <a:noAutofit/>
         </a:bodyPr>
         <a:lstStyle/>
         <a:p>
-          <a:pPr marL="0" lvl="0" indent="0" algn="ctr" defTabSz="355600">
+          <a:pPr marL="0" lvl="0" indent="0" algn="ctr" defTabSz="266700">
             <a:lnSpc>
               <a:spcPct val="90000"/>
             </a:lnSpc>
@@ -11218,14 +11947,14 @@
             <a:buNone/>
           </a:pPr>
           <a:r>
-            <a:rPr lang="en-PH" sz="800" i="0" u="none" kern="1200" dirty="0"/>
+            <a:rPr lang="en-PH" sz="600" i="0" u="none" kern="1200" dirty="0"/>
             <a:t>GET: /home/search/&lt;search&gt;</a:t>
           </a:r>
         </a:p>
       </dsp:txBody>
       <dsp:txXfrm>
-        <a:off x="3529198" y="1577354"/>
-        <a:ext cx="1108769" cy="554384"/>
+        <a:off x="2912715" y="1608422"/>
+        <a:ext cx="1090166" cy="545083"/>
       </dsp:txXfrm>
     </dsp:sp>
     <dsp:sp modelId="{816DF2EF-6A2D-47D7-82D8-0F775682513B}">
@@ -11235,8 +11964,8 @@
       </dsp:nvSpPr>
       <dsp:spPr>
         <a:xfrm>
-          <a:off x="4593617" y="790128"/>
-          <a:ext cx="1108769" cy="554384"/>
+          <a:off x="3959274" y="834404"/>
+          <a:ext cx="1090166" cy="545083"/>
         </a:xfrm>
         <a:prstGeom prst="rect">
           <a:avLst/>
@@ -11278,12 +12007,12 @@
         </a:fontRef>
       </dsp:style>
       <dsp:txBody>
-        <a:bodyPr spcFirstLastPara="0" vert="horz" wrap="square" lIns="5080" tIns="5080" rIns="5080" bIns="5080" numCol="1" spcCol="1270" anchor="ctr" anchorCtr="0">
+        <a:bodyPr spcFirstLastPara="0" vert="horz" wrap="square" lIns="3810" tIns="3810" rIns="3810" bIns="3810" numCol="1" spcCol="1270" anchor="ctr" anchorCtr="0">
           <a:noAutofit/>
         </a:bodyPr>
         <a:lstStyle/>
         <a:p>
-          <a:pPr marL="0" lvl="0" indent="0" algn="ctr" defTabSz="355600">
+          <a:pPr marL="0" lvl="0" indent="0" algn="ctr" defTabSz="266700">
             <a:lnSpc>
               <a:spcPct val="90000"/>
             </a:lnSpc>
@@ -11296,15 +12025,15 @@
             <a:buNone/>
           </a:pPr>
           <a:r>
-            <a:rPr lang="en-PH" sz="800" i="0" u="none" kern="1200"/>
+            <a:rPr lang="en-PH" sz="600" i="0" u="none" kern="1200"/>
             <a:t>GET: /post/&lt;posthash&gt;</a:t>
           </a:r>
-          <a:endParaRPr lang="en-PH" sz="800" i="0" u="none" kern="1200" dirty="0"/>
+          <a:endParaRPr lang="en-PH" sz="600" i="0" u="none" kern="1200" dirty="0"/>
         </a:p>
       </dsp:txBody>
       <dsp:txXfrm>
-        <a:off x="4593617" y="790128"/>
-        <a:ext cx="1108769" cy="554384"/>
+        <a:off x="3959274" y="834404"/>
+        <a:ext cx="1090166" cy="545083"/>
       </dsp:txXfrm>
     </dsp:sp>
     <dsp:sp modelId="{7F097E5B-6209-4AF0-8ED0-402082DA0749}">
@@ -11314,8 +12043,8 @@
       </dsp:nvSpPr>
       <dsp:spPr>
         <a:xfrm>
-          <a:off x="4870809" y="1577354"/>
-          <a:ext cx="1108769" cy="554384"/>
+          <a:off x="4231816" y="1608422"/>
+          <a:ext cx="1090166" cy="545083"/>
         </a:xfrm>
         <a:prstGeom prst="rect">
           <a:avLst/>
@@ -11357,12 +12086,12 @@
         </a:fontRef>
       </dsp:style>
       <dsp:txBody>
-        <a:bodyPr spcFirstLastPara="0" vert="horz" wrap="square" lIns="5080" tIns="5080" rIns="5080" bIns="5080" numCol="1" spcCol="1270" anchor="ctr" anchorCtr="0">
+        <a:bodyPr spcFirstLastPara="0" vert="horz" wrap="square" lIns="3810" tIns="3810" rIns="3810" bIns="3810" numCol="1" spcCol="1270" anchor="ctr" anchorCtr="0">
           <a:noAutofit/>
         </a:bodyPr>
         <a:lstStyle/>
         <a:p>
-          <a:pPr marL="0" lvl="0" indent="0" algn="ctr" defTabSz="355600">
+          <a:pPr marL="0" lvl="0" indent="0" algn="ctr" defTabSz="266700">
             <a:lnSpc>
               <a:spcPct val="90000"/>
             </a:lnSpc>
@@ -11375,22 +12104,22 @@
             <a:buNone/>
           </a:pPr>
           <a:r>
-            <a:rPr lang="en-PH" sz="800" i="0" u="none" kern="1200" dirty="0"/>
+            <a:rPr lang="en-PH" sz="600" i="0" u="none" kern="1200" dirty="0"/>
             <a:t>POST: /post/&lt;</a:t>
           </a:r>
           <a:r>
-            <a:rPr lang="en-PH" sz="800" i="0" u="none" kern="1200" dirty="0" err="1"/>
+            <a:rPr lang="en-PH" sz="600" i="0" u="none" kern="1200" dirty="0" err="1"/>
             <a:t>posthash</a:t>
           </a:r>
           <a:r>
-            <a:rPr lang="en-PH" sz="800" i="0" u="none" kern="1200" dirty="0"/>
+            <a:rPr lang="en-PH" sz="600" i="0" u="none" kern="1200" dirty="0"/>
             <a:t>&gt;/edit</a:t>
           </a:r>
         </a:p>
       </dsp:txBody>
       <dsp:txXfrm>
-        <a:off x="4870809" y="1577354"/>
-        <a:ext cx="1108769" cy="554384"/>
+        <a:off x="4231816" y="1608422"/>
+        <a:ext cx="1090166" cy="545083"/>
       </dsp:txXfrm>
     </dsp:sp>
     <dsp:sp modelId="{E50F9959-464F-43F9-8195-9C82C537826B}">
@@ -11400,8 +12129,8 @@
       </dsp:nvSpPr>
       <dsp:spPr>
         <a:xfrm>
-          <a:off x="4870809" y="2364581"/>
-          <a:ext cx="1108769" cy="554384"/>
+          <a:off x="4231816" y="2382440"/>
+          <a:ext cx="1090166" cy="545083"/>
         </a:xfrm>
         <a:prstGeom prst="rect">
           <a:avLst/>
@@ -11443,12 +12172,12 @@
         </a:fontRef>
       </dsp:style>
       <dsp:txBody>
-        <a:bodyPr spcFirstLastPara="0" vert="horz" wrap="square" lIns="5080" tIns="5080" rIns="5080" bIns="5080" numCol="1" spcCol="1270" anchor="ctr" anchorCtr="0">
+        <a:bodyPr spcFirstLastPara="0" vert="horz" wrap="square" lIns="3810" tIns="3810" rIns="3810" bIns="3810" numCol="1" spcCol="1270" anchor="ctr" anchorCtr="0">
           <a:noAutofit/>
         </a:bodyPr>
         <a:lstStyle/>
         <a:p>
-          <a:pPr marL="0" lvl="0" indent="0" algn="ctr" defTabSz="355600">
+          <a:pPr marL="0" lvl="0" indent="0" algn="ctr" defTabSz="266700">
             <a:lnSpc>
               <a:spcPct val="90000"/>
             </a:lnSpc>
@@ -11461,22 +12190,22 @@
             <a:buNone/>
           </a:pPr>
           <a:r>
-            <a:rPr lang="en-PH" sz="800" i="0" u="none" kern="1200" dirty="0"/>
+            <a:rPr lang="en-PH" sz="600" i="0" u="none" kern="1200" dirty="0"/>
             <a:t>PATCH: /post/&lt;</a:t>
           </a:r>
           <a:r>
-            <a:rPr lang="en-PH" sz="800" i="0" u="none" kern="1200" dirty="0" err="1"/>
+            <a:rPr lang="en-PH" sz="600" i="0" u="none" kern="1200" dirty="0" err="1"/>
             <a:t>posthash</a:t>
           </a:r>
           <a:r>
-            <a:rPr lang="en-PH" sz="800" i="0" u="none" kern="1200" dirty="0"/>
+            <a:rPr lang="en-PH" sz="600" i="0" u="none" kern="1200" dirty="0"/>
             <a:t>&gt;/save</a:t>
           </a:r>
         </a:p>
       </dsp:txBody>
       <dsp:txXfrm>
-        <a:off x="4870809" y="2364581"/>
-        <a:ext cx="1108769" cy="554384"/>
+        <a:off x="4231816" y="2382440"/>
+        <a:ext cx="1090166" cy="545083"/>
       </dsp:txXfrm>
     </dsp:sp>
     <dsp:sp modelId="{B99F24ED-3BC7-432A-B386-E1A66BAEF726}">
@@ -11486,8 +12215,8 @@
       </dsp:nvSpPr>
       <dsp:spPr>
         <a:xfrm>
-          <a:off x="4870809" y="3151807"/>
-          <a:ext cx="1108769" cy="554384"/>
+          <a:off x="4231816" y="3156458"/>
+          <a:ext cx="1090166" cy="545083"/>
         </a:xfrm>
         <a:prstGeom prst="rect">
           <a:avLst/>
@@ -11529,12 +12258,12 @@
         </a:fontRef>
       </dsp:style>
       <dsp:txBody>
-        <a:bodyPr spcFirstLastPara="0" vert="horz" wrap="square" lIns="5080" tIns="5080" rIns="5080" bIns="5080" numCol="1" spcCol="1270" anchor="ctr" anchorCtr="0">
+        <a:bodyPr spcFirstLastPara="0" vert="horz" wrap="square" lIns="3810" tIns="3810" rIns="3810" bIns="3810" numCol="1" spcCol="1270" anchor="ctr" anchorCtr="0">
           <a:noAutofit/>
         </a:bodyPr>
         <a:lstStyle/>
         <a:p>
-          <a:pPr marL="0" lvl="0" indent="0" algn="ctr" defTabSz="355600">
+          <a:pPr marL="0" lvl="0" indent="0" algn="ctr" defTabSz="266700">
             <a:lnSpc>
               <a:spcPct val="90000"/>
             </a:lnSpc>
@@ -11547,22 +12276,22 @@
             <a:buNone/>
           </a:pPr>
           <a:r>
-            <a:rPr lang="en-PH" sz="800" i="0" u="none" kern="1200" dirty="0"/>
+            <a:rPr lang="en-PH" sz="600" i="0" u="none" kern="1200" dirty="0"/>
             <a:t>DELETE: /post/&lt;</a:t>
           </a:r>
           <a:r>
-            <a:rPr lang="en-PH" sz="800" i="0" u="none" kern="1200" dirty="0" err="1"/>
+            <a:rPr lang="en-PH" sz="600" i="0" u="none" kern="1200" dirty="0" err="1"/>
             <a:t>posthash</a:t>
           </a:r>
           <a:r>
-            <a:rPr lang="en-PH" sz="800" i="0" u="none" kern="1200" dirty="0"/>
+            <a:rPr lang="en-PH" sz="600" i="0" u="none" kern="1200" dirty="0"/>
             <a:t>&gt;/delete</a:t>
           </a:r>
         </a:p>
       </dsp:txBody>
       <dsp:txXfrm>
-        <a:off x="4870809" y="3151807"/>
-        <a:ext cx="1108769" cy="554384"/>
+        <a:off x="4231816" y="3156458"/>
+        <a:ext cx="1090166" cy="545083"/>
       </dsp:txXfrm>
     </dsp:sp>
     <dsp:sp modelId="{1B492F86-1603-4E21-B660-DA6307964BAD}">
@@ -11572,8 +12301,8 @@
       </dsp:nvSpPr>
       <dsp:spPr>
         <a:xfrm>
-          <a:off x="4870809" y="3939033"/>
-          <a:ext cx="1108769" cy="554384"/>
+          <a:off x="4231816" y="3930476"/>
+          <a:ext cx="1090166" cy="545083"/>
         </a:xfrm>
         <a:prstGeom prst="rect">
           <a:avLst/>
@@ -11615,12 +12344,12 @@
         </a:fontRef>
       </dsp:style>
       <dsp:txBody>
-        <a:bodyPr spcFirstLastPara="0" vert="horz" wrap="square" lIns="5080" tIns="5080" rIns="5080" bIns="5080" numCol="1" spcCol="1270" anchor="ctr" anchorCtr="0">
+        <a:bodyPr spcFirstLastPara="0" vert="horz" wrap="square" lIns="3810" tIns="3810" rIns="3810" bIns="3810" numCol="1" spcCol="1270" anchor="ctr" anchorCtr="0">
           <a:noAutofit/>
         </a:bodyPr>
         <a:lstStyle/>
         <a:p>
-          <a:pPr marL="0" lvl="0" indent="0" algn="ctr" defTabSz="355600">
+          <a:pPr marL="0" lvl="0" indent="0" algn="ctr" defTabSz="266700">
             <a:lnSpc>
               <a:spcPct val="90000"/>
             </a:lnSpc>
@@ -11633,14 +12362,14 @@
             <a:buNone/>
           </a:pPr>
           <a:r>
-            <a:rPr lang="en-PH" sz="800" i="0" u="none" kern="1200" dirty="0"/>
+            <a:rPr lang="en-PH" sz="600" i="0" u="none" kern="1200" dirty="0"/>
             <a:t>POST: /post/new</a:t>
           </a:r>
         </a:p>
       </dsp:txBody>
       <dsp:txXfrm>
-        <a:off x="4870809" y="3939033"/>
-        <a:ext cx="1108769" cy="554384"/>
+        <a:off x="4231816" y="3930476"/>
+        <a:ext cx="1090166" cy="545083"/>
       </dsp:txXfrm>
     </dsp:sp>
     <dsp:sp modelId="{26976F64-C724-4705-94F5-0E6CD971C2E4}">
@@ -11650,8 +12379,8 @@
       </dsp:nvSpPr>
       <dsp:spPr>
         <a:xfrm>
-          <a:off x="4870809" y="4726260"/>
-          <a:ext cx="1108769" cy="554384"/>
+          <a:off x="4231816" y="4704494"/>
+          <a:ext cx="1090166" cy="545083"/>
         </a:xfrm>
         <a:prstGeom prst="rect">
           <a:avLst/>
@@ -11693,12 +12422,12 @@
         </a:fontRef>
       </dsp:style>
       <dsp:txBody>
-        <a:bodyPr spcFirstLastPara="0" vert="horz" wrap="square" lIns="5080" tIns="5080" rIns="5080" bIns="5080" numCol="1" spcCol="1270" anchor="ctr" anchorCtr="0">
+        <a:bodyPr spcFirstLastPara="0" vert="horz" wrap="square" lIns="3810" tIns="3810" rIns="3810" bIns="3810" numCol="1" spcCol="1270" anchor="ctr" anchorCtr="0">
           <a:noAutofit/>
         </a:bodyPr>
         <a:lstStyle/>
         <a:p>
-          <a:pPr marL="0" lvl="0" indent="0" algn="ctr" defTabSz="355600">
+          <a:pPr marL="0" lvl="0" indent="0" algn="ctr" defTabSz="266700">
             <a:lnSpc>
               <a:spcPct val="90000"/>
             </a:lnSpc>
@@ -11711,14 +12440,14 @@
             <a:buNone/>
           </a:pPr>
           <a:r>
-            <a:rPr lang="en-PH" sz="800" i="0" u="none" kern="1200" dirty="0"/>
+            <a:rPr lang="en-PH" sz="600" i="0" u="none" kern="1200" dirty="0"/>
             <a:t>POST: /post/like</a:t>
           </a:r>
         </a:p>
       </dsp:txBody>
       <dsp:txXfrm>
-        <a:off x="4870809" y="4726260"/>
-        <a:ext cx="1108769" cy="554384"/>
+        <a:off x="4231816" y="4704494"/>
+        <a:ext cx="1090166" cy="545083"/>
       </dsp:txXfrm>
     </dsp:sp>
     <dsp:sp modelId="{50EC3807-8481-4C01-82B7-F19C2342E1A0}">
@@ -11728,8 +12457,8 @@
       </dsp:nvSpPr>
       <dsp:spPr>
         <a:xfrm>
-          <a:off x="4870809" y="5513486"/>
-          <a:ext cx="1108769" cy="554384"/>
+          <a:off x="4231816" y="5478512"/>
+          <a:ext cx="1090166" cy="545083"/>
         </a:xfrm>
         <a:prstGeom prst="rect">
           <a:avLst/>
@@ -11771,12 +12500,12 @@
         </a:fontRef>
       </dsp:style>
       <dsp:txBody>
-        <a:bodyPr spcFirstLastPara="0" vert="horz" wrap="square" lIns="5080" tIns="5080" rIns="5080" bIns="5080" numCol="1" spcCol="1270" anchor="ctr" anchorCtr="0">
+        <a:bodyPr spcFirstLastPara="0" vert="horz" wrap="square" lIns="3810" tIns="3810" rIns="3810" bIns="3810" numCol="1" spcCol="1270" anchor="ctr" anchorCtr="0">
           <a:noAutofit/>
         </a:bodyPr>
         <a:lstStyle/>
         <a:p>
-          <a:pPr marL="0" lvl="0" indent="0" algn="ctr" defTabSz="355600">
+          <a:pPr marL="0" lvl="0" indent="0" algn="ctr" defTabSz="266700">
             <a:lnSpc>
               <a:spcPct val="90000"/>
             </a:lnSpc>
@@ -11789,14 +12518,14 @@
             <a:buNone/>
           </a:pPr>
           <a:r>
-            <a:rPr lang="en-PH" sz="800" i="0" u="none" kern="1200" dirty="0"/>
+            <a:rPr lang="en-PH" sz="600" i="0" u="none" kern="1200" dirty="0"/>
             <a:t>POST: /post/report</a:t>
           </a:r>
         </a:p>
       </dsp:txBody>
       <dsp:txXfrm>
-        <a:off x="4870809" y="5513486"/>
-        <a:ext cx="1108769" cy="554384"/>
+        <a:off x="4231816" y="5478512"/>
+        <a:ext cx="1090166" cy="545083"/>
       </dsp:txXfrm>
     </dsp:sp>
     <dsp:sp modelId="{FE90803F-BB98-472A-87D1-B85B7689304F}">
@@ -11806,8 +12535,8 @@
       </dsp:nvSpPr>
       <dsp:spPr>
         <a:xfrm>
-          <a:off x="4870809" y="6300713"/>
-          <a:ext cx="1108769" cy="554384"/>
+          <a:off x="4231816" y="6252529"/>
+          <a:ext cx="1090166" cy="545083"/>
         </a:xfrm>
         <a:prstGeom prst="rect">
           <a:avLst/>
@@ -11849,12 +12578,12 @@
         </a:fontRef>
       </dsp:style>
       <dsp:txBody>
-        <a:bodyPr spcFirstLastPara="0" vert="horz" wrap="square" lIns="5080" tIns="5080" rIns="5080" bIns="5080" numCol="1" spcCol="1270" anchor="ctr" anchorCtr="0">
+        <a:bodyPr spcFirstLastPara="0" vert="horz" wrap="square" lIns="3810" tIns="3810" rIns="3810" bIns="3810" numCol="1" spcCol="1270" anchor="ctr" anchorCtr="0">
           <a:noAutofit/>
         </a:bodyPr>
         <a:lstStyle/>
         <a:p>
-          <a:pPr marL="0" lvl="0" indent="0" algn="ctr" defTabSz="355600">
+          <a:pPr marL="0" lvl="0" indent="0" algn="ctr" defTabSz="266700">
             <a:lnSpc>
               <a:spcPct val="90000"/>
             </a:lnSpc>
@@ -11867,14 +12596,14 @@
             <a:buNone/>
           </a:pPr>
           <a:r>
-            <a:rPr lang="en-PH" sz="800" i="0" u="none" kern="1200" dirty="0"/>
+            <a:rPr lang="en-PH" sz="600" i="0" u="none" kern="1200" dirty="0"/>
             <a:t>POST: /post/comment</a:t>
           </a:r>
         </a:p>
       </dsp:txBody>
       <dsp:txXfrm>
-        <a:off x="4870809" y="6300713"/>
-        <a:ext cx="1108769" cy="554384"/>
+        <a:off x="4231816" y="6252529"/>
+        <a:ext cx="1090166" cy="545083"/>
       </dsp:txXfrm>
     </dsp:sp>
     <dsp:sp modelId="{0C2F2216-8D08-4E87-B39E-9F041EF12805}">
@@ -11884,8 +12613,8 @@
       </dsp:nvSpPr>
       <dsp:spPr>
         <a:xfrm>
-          <a:off x="5935228" y="790128"/>
-          <a:ext cx="1108769" cy="554384"/>
+          <a:off x="5278375" y="834404"/>
+          <a:ext cx="1090166" cy="545083"/>
         </a:xfrm>
         <a:prstGeom prst="rect">
           <a:avLst/>
@@ -11927,12 +12656,12 @@
         </a:fontRef>
       </dsp:style>
       <dsp:txBody>
-        <a:bodyPr spcFirstLastPara="0" vert="horz" wrap="square" lIns="5080" tIns="5080" rIns="5080" bIns="5080" numCol="1" spcCol="1270" anchor="ctr" anchorCtr="0">
+        <a:bodyPr spcFirstLastPara="0" vert="horz" wrap="square" lIns="3810" tIns="3810" rIns="3810" bIns="3810" numCol="1" spcCol="1270" anchor="ctr" anchorCtr="0">
           <a:noAutofit/>
         </a:bodyPr>
         <a:lstStyle/>
         <a:p>
-          <a:pPr marL="0" lvl="0" indent="0" algn="ctr" defTabSz="355600">
+          <a:pPr marL="0" lvl="0" indent="0" algn="ctr" defTabSz="266700">
             <a:lnSpc>
               <a:spcPct val="90000"/>
             </a:lnSpc>
@@ -11945,14 +12674,14 @@
             <a:buNone/>
           </a:pPr>
           <a:r>
-            <a:rPr lang="en-PH" sz="800" i="0" u="none" kern="1200" dirty="0"/>
+            <a:rPr lang="en-PH" sz="600" i="0" u="none" kern="1200" dirty="0"/>
             <a:t>GET: /signup</a:t>
           </a:r>
         </a:p>
       </dsp:txBody>
       <dsp:txXfrm>
-        <a:off x="5935228" y="790128"/>
-        <a:ext cx="1108769" cy="554384"/>
+        <a:off x="5278375" y="834404"/>
+        <a:ext cx="1090166" cy="545083"/>
       </dsp:txXfrm>
     </dsp:sp>
     <dsp:sp modelId="{B15B783C-17E1-46DC-B52E-C2A7EDCDDBF6}">
@@ -11962,8 +12691,8 @@
       </dsp:nvSpPr>
       <dsp:spPr>
         <a:xfrm>
-          <a:off x="6212420" y="1577354"/>
-          <a:ext cx="1108769" cy="554384"/>
+          <a:off x="5550916" y="1608422"/>
+          <a:ext cx="1090166" cy="545083"/>
         </a:xfrm>
         <a:prstGeom prst="rect">
           <a:avLst/>
@@ -12005,12 +12734,12 @@
         </a:fontRef>
       </dsp:style>
       <dsp:txBody>
-        <a:bodyPr spcFirstLastPara="0" vert="horz" wrap="square" lIns="5080" tIns="5080" rIns="5080" bIns="5080" numCol="1" spcCol="1270" anchor="ctr" anchorCtr="0">
+        <a:bodyPr spcFirstLastPara="0" vert="horz" wrap="square" lIns="3810" tIns="3810" rIns="3810" bIns="3810" numCol="1" spcCol="1270" anchor="ctr" anchorCtr="0">
           <a:noAutofit/>
         </a:bodyPr>
         <a:lstStyle/>
         <a:p>
-          <a:pPr marL="0" lvl="0" indent="0" algn="ctr" defTabSz="355600">
+          <a:pPr marL="0" lvl="0" indent="0" algn="ctr" defTabSz="266700">
             <a:lnSpc>
               <a:spcPct val="90000"/>
             </a:lnSpc>
@@ -12023,14 +12752,14 @@
             <a:buNone/>
           </a:pPr>
           <a:r>
-            <a:rPr lang="en-PH" sz="800" i="0" u="none" kern="1200" dirty="0"/>
+            <a:rPr lang="en-PH" sz="600" i="0" u="none" kern="1200" dirty="0"/>
             <a:t>POST: /signup/save</a:t>
           </a:r>
         </a:p>
       </dsp:txBody>
       <dsp:txXfrm>
-        <a:off x="6212420" y="1577354"/>
-        <a:ext cx="1108769" cy="554384"/>
+        <a:off x="5550916" y="1608422"/>
+        <a:ext cx="1090166" cy="545083"/>
       </dsp:txXfrm>
     </dsp:sp>
     <dsp:sp modelId="{022713AF-96D9-4A2B-A358-49115AFE68DF}">
@@ -12040,8 +12769,8 @@
       </dsp:nvSpPr>
       <dsp:spPr>
         <a:xfrm>
-          <a:off x="7554031" y="790128"/>
-          <a:ext cx="1108769" cy="554384"/>
+          <a:off x="6870017" y="834404"/>
+          <a:ext cx="1090166" cy="545083"/>
         </a:xfrm>
         <a:prstGeom prst="rect">
           <a:avLst/>
@@ -12083,12 +12812,12 @@
         </a:fontRef>
       </dsp:style>
       <dsp:txBody>
-        <a:bodyPr spcFirstLastPara="0" vert="horz" wrap="square" lIns="5080" tIns="5080" rIns="5080" bIns="5080" numCol="1" spcCol="1270" anchor="ctr" anchorCtr="0">
+        <a:bodyPr spcFirstLastPara="0" vert="horz" wrap="square" lIns="3810" tIns="3810" rIns="3810" bIns="3810" numCol="1" spcCol="1270" anchor="ctr" anchorCtr="0">
           <a:noAutofit/>
         </a:bodyPr>
         <a:lstStyle/>
         <a:p>
-          <a:pPr marL="0" lvl="0" indent="0" algn="ctr" defTabSz="355600">
+          <a:pPr marL="0" lvl="0" indent="0" algn="ctr" defTabSz="266700">
             <a:lnSpc>
               <a:spcPct val="90000"/>
             </a:lnSpc>
@@ -12101,14 +12830,14 @@
             <a:buNone/>
           </a:pPr>
           <a:r>
-            <a:rPr lang="en-PH" sz="800" i="0" u="none" kern="1200" dirty="0"/>
+            <a:rPr lang="en-PH" sz="600" i="0" u="none" kern="1200" dirty="0"/>
             <a:t>GET: /profile</a:t>
           </a:r>
         </a:p>
       </dsp:txBody>
       <dsp:txXfrm>
-        <a:off x="7554031" y="790128"/>
-        <a:ext cx="1108769" cy="554384"/>
+        <a:off x="6870017" y="834404"/>
+        <a:ext cx="1090166" cy="545083"/>
       </dsp:txXfrm>
     </dsp:sp>
     <dsp:sp modelId="{CC33A293-E3CB-411D-9632-6FE6954F9F3F}">
@@ -12118,8 +12847,8 @@
       </dsp:nvSpPr>
       <dsp:spPr>
         <a:xfrm>
-          <a:off x="7554031" y="1577354"/>
-          <a:ext cx="1108769" cy="554384"/>
+          <a:off x="6870017" y="1608422"/>
+          <a:ext cx="1090166" cy="545083"/>
         </a:xfrm>
         <a:prstGeom prst="rect">
           <a:avLst/>
@@ -12161,12 +12890,12 @@
         </a:fontRef>
       </dsp:style>
       <dsp:txBody>
-        <a:bodyPr spcFirstLastPara="0" vert="horz" wrap="square" lIns="5080" tIns="5080" rIns="5080" bIns="5080" numCol="1" spcCol="1270" anchor="ctr" anchorCtr="0">
+        <a:bodyPr spcFirstLastPara="0" vert="horz" wrap="square" lIns="3810" tIns="3810" rIns="3810" bIns="3810" numCol="1" spcCol="1270" anchor="ctr" anchorCtr="0">
           <a:noAutofit/>
         </a:bodyPr>
         <a:lstStyle/>
         <a:p>
-          <a:pPr marL="0" lvl="0" indent="0" algn="ctr" defTabSz="355600">
+          <a:pPr marL="0" lvl="0" indent="0" algn="ctr" defTabSz="266700">
             <a:lnSpc>
               <a:spcPct val="90000"/>
             </a:lnSpc>
@@ -12179,14 +12908,14 @@
             <a:buNone/>
           </a:pPr>
           <a:r>
-            <a:rPr lang="en-PH" sz="800" i="0" u="none" kern="1200" dirty="0"/>
+            <a:rPr lang="en-PH" sz="600" i="0" u="none" kern="1200" dirty="0"/>
             <a:t>GET: /profile/settings</a:t>
           </a:r>
         </a:p>
       </dsp:txBody>
       <dsp:txXfrm>
-        <a:off x="7554031" y="1577354"/>
-        <a:ext cx="1108769" cy="554384"/>
+        <a:off x="6870017" y="1608422"/>
+        <a:ext cx="1090166" cy="545083"/>
       </dsp:txXfrm>
     </dsp:sp>
     <dsp:sp modelId="{070D4700-2947-4504-A795-8589C16A902C}">
@@ -12196,8 +12925,8 @@
       </dsp:nvSpPr>
       <dsp:spPr>
         <a:xfrm>
-          <a:off x="7831224" y="2364581"/>
-          <a:ext cx="1108769" cy="554384"/>
+          <a:off x="7142559" y="2382440"/>
+          <a:ext cx="1090166" cy="545083"/>
         </a:xfrm>
         <a:prstGeom prst="rect">
           <a:avLst/>
@@ -12239,12 +12968,12 @@
         </a:fontRef>
       </dsp:style>
       <dsp:txBody>
-        <a:bodyPr spcFirstLastPara="0" vert="horz" wrap="square" lIns="5080" tIns="5080" rIns="5080" bIns="5080" numCol="1" spcCol="1270" anchor="ctr" anchorCtr="0">
+        <a:bodyPr spcFirstLastPara="0" vert="horz" wrap="square" lIns="3810" tIns="3810" rIns="3810" bIns="3810" numCol="1" spcCol="1270" anchor="ctr" anchorCtr="0">
           <a:noAutofit/>
         </a:bodyPr>
         <a:lstStyle/>
         <a:p>
-          <a:pPr marL="0" lvl="0" indent="0" algn="ctr" defTabSz="355600">
+          <a:pPr marL="0" lvl="0" indent="0" algn="ctr" defTabSz="266700">
             <a:lnSpc>
               <a:spcPct val="90000"/>
             </a:lnSpc>
@@ -12257,14 +12986,14 @@
             <a:buNone/>
           </a:pPr>
           <a:r>
-            <a:rPr lang="en-PH" sz="800" i="0" u="none" kern="1200" dirty="0"/>
+            <a:rPr lang="en-PH" sz="600" i="0" u="none" kern="1200" dirty="0"/>
             <a:t>PATCH: profile/settings/save</a:t>
           </a:r>
         </a:p>
       </dsp:txBody>
       <dsp:txXfrm>
-        <a:off x="7831224" y="2364581"/>
-        <a:ext cx="1108769" cy="554384"/>
+        <a:off x="7142559" y="2382440"/>
+        <a:ext cx="1090166" cy="545083"/>
       </dsp:txXfrm>
     </dsp:sp>
     <dsp:sp modelId="{6E5659B3-987D-47B1-A1A1-39AAF04C38E5}">
@@ -12274,8 +13003,8 @@
       </dsp:nvSpPr>
       <dsp:spPr>
         <a:xfrm>
-          <a:off x="7831224" y="3151807"/>
-          <a:ext cx="1108769" cy="554384"/>
+          <a:off x="7142559" y="3156458"/>
+          <a:ext cx="1090166" cy="545083"/>
         </a:xfrm>
         <a:prstGeom prst="rect">
           <a:avLst/>
@@ -12317,12 +13046,12 @@
         </a:fontRef>
       </dsp:style>
       <dsp:txBody>
-        <a:bodyPr spcFirstLastPara="0" vert="horz" wrap="square" lIns="5080" tIns="5080" rIns="5080" bIns="5080" numCol="1" spcCol="1270" anchor="ctr" anchorCtr="0">
+        <a:bodyPr spcFirstLastPara="0" vert="horz" wrap="square" lIns="3810" tIns="3810" rIns="3810" bIns="3810" numCol="1" spcCol="1270" anchor="ctr" anchorCtr="0">
           <a:noAutofit/>
         </a:bodyPr>
         <a:lstStyle/>
         <a:p>
-          <a:pPr marL="0" lvl="0" indent="0" algn="ctr" defTabSz="355600">
+          <a:pPr marL="0" lvl="0" indent="0" algn="ctr" defTabSz="266700">
             <a:lnSpc>
               <a:spcPct val="90000"/>
             </a:lnSpc>
@@ -12335,14 +13064,14 @@
             <a:buNone/>
           </a:pPr>
           <a:r>
-            <a:rPr lang="en-PH" sz="800" i="0" u="none" kern="1200" dirty="0"/>
+            <a:rPr lang="en-PH" sz="600" i="0" u="none" kern="1200" dirty="0"/>
             <a:t>DELETE: profile/settings/delete</a:t>
           </a:r>
         </a:p>
       </dsp:txBody>
       <dsp:txXfrm>
-        <a:off x="7831224" y="3151807"/>
-        <a:ext cx="1108769" cy="554384"/>
+        <a:off x="7142559" y="3156458"/>
+        <a:ext cx="1090166" cy="545083"/>
       </dsp:txXfrm>
     </dsp:sp>
     <dsp:sp modelId="{12F0C7F9-8119-4BBD-A7C5-DEFEEA6C7D89}">
@@ -12352,8 +13081,8 @@
       </dsp:nvSpPr>
       <dsp:spPr>
         <a:xfrm>
-          <a:off x="8895643" y="790128"/>
-          <a:ext cx="1108769" cy="554384"/>
+          <a:off x="8189118" y="834404"/>
+          <a:ext cx="1090166" cy="545083"/>
         </a:xfrm>
         <a:prstGeom prst="rect">
           <a:avLst/>
@@ -12395,12 +13124,12 @@
         </a:fontRef>
       </dsp:style>
       <dsp:txBody>
-        <a:bodyPr spcFirstLastPara="0" vert="horz" wrap="square" lIns="5080" tIns="5080" rIns="5080" bIns="5080" numCol="1" spcCol="1270" anchor="ctr" anchorCtr="0">
+        <a:bodyPr spcFirstLastPara="0" vert="horz" wrap="square" lIns="3810" tIns="3810" rIns="3810" bIns="3810" numCol="1" spcCol="1270" anchor="ctr" anchorCtr="0">
           <a:noAutofit/>
         </a:bodyPr>
         <a:lstStyle/>
         <a:p>
-          <a:pPr marL="0" lvl="0" indent="0" algn="ctr" defTabSz="355600">
+          <a:pPr marL="0" lvl="0" indent="0" algn="ctr" defTabSz="266700">
             <a:lnSpc>
               <a:spcPct val="90000"/>
             </a:lnSpc>
@@ -12413,14 +13142,14 @@
             <a:buNone/>
           </a:pPr>
           <a:r>
-            <a:rPr lang="en-PH" sz="800" i="0" u="none" kern="1200" dirty="0"/>
+            <a:rPr lang="en-PH" sz="600" i="0" u="none" kern="1200" dirty="0"/>
             <a:t>GET: /user/&lt;username&gt;</a:t>
           </a:r>
         </a:p>
       </dsp:txBody>
       <dsp:txXfrm>
-        <a:off x="8895643" y="790128"/>
-        <a:ext cx="1108769" cy="554384"/>
+        <a:off x="8189118" y="834404"/>
+        <a:ext cx="1090166" cy="545083"/>
       </dsp:txXfrm>
     </dsp:sp>
     <dsp:sp modelId="{99BBCD64-0904-4F94-938B-1D4FAE73A2E1}">
@@ -12430,8 +13159,8 @@
       </dsp:nvSpPr>
       <dsp:spPr>
         <a:xfrm>
-          <a:off x="10237254" y="790128"/>
-          <a:ext cx="1108769" cy="554384"/>
+          <a:off x="9508219" y="834404"/>
+          <a:ext cx="1090166" cy="545083"/>
         </a:xfrm>
         <a:prstGeom prst="rect">
           <a:avLst/>
@@ -12473,12 +13202,12 @@
         </a:fontRef>
       </dsp:style>
       <dsp:txBody>
-        <a:bodyPr spcFirstLastPara="0" vert="horz" wrap="square" lIns="5080" tIns="5080" rIns="5080" bIns="5080" numCol="1" spcCol="1270" anchor="ctr" anchorCtr="0">
+        <a:bodyPr spcFirstLastPara="0" vert="horz" wrap="square" lIns="3810" tIns="3810" rIns="3810" bIns="3810" numCol="1" spcCol="1270" anchor="ctr" anchorCtr="0">
           <a:noAutofit/>
         </a:bodyPr>
         <a:lstStyle/>
         <a:p>
-          <a:pPr marL="0" lvl="0" indent="0" algn="ctr" defTabSz="355600">
+          <a:pPr marL="0" lvl="0" indent="0" algn="ctr" defTabSz="266700">
             <a:lnSpc>
               <a:spcPct val="90000"/>
             </a:lnSpc>
@@ -12491,14 +13220,14 @@
             <a:buNone/>
           </a:pPr>
           <a:r>
-            <a:rPr lang="en-PH" sz="800" i="0" u="none" kern="1200" dirty="0"/>
+            <a:rPr lang="en-PH" sz="600" i="0" u="none" kern="1200" dirty="0"/>
             <a:t>NONE: /validate</a:t>
           </a:r>
         </a:p>
       </dsp:txBody>
       <dsp:txXfrm>
-        <a:off x="10237254" y="790128"/>
-        <a:ext cx="1108769" cy="554384"/>
+        <a:off x="9508219" y="834404"/>
+        <a:ext cx="1090166" cy="545083"/>
       </dsp:txXfrm>
     </dsp:sp>
     <dsp:sp modelId="{7A882588-0810-4F92-AD23-756B9035A4E8}">
@@ -12508,8 +13237,8 @@
       </dsp:nvSpPr>
       <dsp:spPr>
         <a:xfrm>
-          <a:off x="10514446" y="1577354"/>
-          <a:ext cx="1108769" cy="554384"/>
+          <a:off x="9780761" y="1608422"/>
+          <a:ext cx="1090166" cy="545083"/>
         </a:xfrm>
         <a:prstGeom prst="rect">
           <a:avLst/>
@@ -12551,12 +13280,12 @@
         </a:fontRef>
       </dsp:style>
       <dsp:txBody>
-        <a:bodyPr spcFirstLastPara="0" vert="horz" wrap="square" lIns="5080" tIns="5080" rIns="5080" bIns="5080" numCol="1" spcCol="1270" anchor="ctr" anchorCtr="0">
+        <a:bodyPr spcFirstLastPara="0" vert="horz" wrap="square" lIns="3810" tIns="3810" rIns="3810" bIns="3810" numCol="1" spcCol="1270" anchor="ctr" anchorCtr="0">
           <a:noAutofit/>
         </a:bodyPr>
         <a:lstStyle/>
         <a:p>
-          <a:pPr marL="0" lvl="0" indent="0" algn="ctr" defTabSz="355600">
+          <a:pPr marL="0" lvl="0" indent="0" algn="ctr" defTabSz="266700">
             <a:lnSpc>
               <a:spcPct val="90000"/>
             </a:lnSpc>
@@ -12569,14 +13298,14 @@
             <a:buNone/>
           </a:pPr>
           <a:r>
-            <a:rPr lang="en-PH" sz="800" i="0" u="none" kern="1200" dirty="0"/>
+            <a:rPr lang="en-PH" sz="600" i="0" u="none" kern="1200" dirty="0"/>
             <a:t>POST: /validate/password</a:t>
           </a:r>
         </a:p>
       </dsp:txBody>
       <dsp:txXfrm>
-        <a:off x="10514446" y="1577354"/>
-        <a:ext cx="1108769" cy="554384"/>
+        <a:off x="9780761" y="1608422"/>
+        <a:ext cx="1090166" cy="545083"/>
       </dsp:txXfrm>
     </dsp:sp>
     <dsp:sp modelId="{B04C15FD-14A3-4E7B-895B-7C4AF0E8908C}">
@@ -12586,8 +13315,8 @@
       </dsp:nvSpPr>
       <dsp:spPr>
         <a:xfrm>
-          <a:off x="10514446" y="2364581"/>
-          <a:ext cx="1108769" cy="554384"/>
+          <a:off x="9780761" y="2382440"/>
+          <a:ext cx="1090166" cy="545083"/>
         </a:xfrm>
         <a:prstGeom prst="rect">
           <a:avLst/>
@@ -12629,12 +13358,12 @@
         </a:fontRef>
       </dsp:style>
       <dsp:txBody>
-        <a:bodyPr spcFirstLastPara="0" vert="horz" wrap="square" lIns="5080" tIns="5080" rIns="5080" bIns="5080" numCol="1" spcCol="1270" anchor="ctr" anchorCtr="0">
+        <a:bodyPr spcFirstLastPara="0" vert="horz" wrap="square" lIns="3810" tIns="3810" rIns="3810" bIns="3810" numCol="1" spcCol="1270" anchor="ctr" anchorCtr="0">
           <a:noAutofit/>
         </a:bodyPr>
         <a:lstStyle/>
         <a:p>
-          <a:pPr marL="0" lvl="0" indent="0" algn="ctr" defTabSz="355600">
+          <a:pPr marL="0" lvl="0" indent="0" algn="ctr" defTabSz="266700">
             <a:lnSpc>
               <a:spcPct val="90000"/>
             </a:lnSpc>
@@ -12647,18 +13376,424 @@
             <a:buNone/>
           </a:pPr>
           <a:r>
-            <a:rPr lang="en-PH" sz="800" i="0" u="none" kern="1200"/>
-            <a:t>POST: </a:t>
-          </a:r>
-          <a:r>
-            <a:rPr lang="en-PH" sz="800" i="0" u="none" kern="1200" dirty="0"/>
-            <a:t>/validate/username</a:t>
+            <a:rPr lang="en-PH" sz="600" i="0" u="none" kern="1200" dirty="0"/>
+            <a:t>POST: /validate/username</a:t>
           </a:r>
         </a:p>
       </dsp:txBody>
       <dsp:txXfrm>
-        <a:off x="10514446" y="2364581"/>
-        <a:ext cx="1108769" cy="554384"/>
+        <a:off x="9780761" y="2382440"/>
+        <a:ext cx="1090166" cy="545083"/>
+      </dsp:txXfrm>
+    </dsp:sp>
+    <dsp:sp modelId="{AE2F2268-A6C7-4EC7-BF2C-D734B8B30E4A}">
+      <dsp:nvSpPr>
+        <dsp:cNvPr id="0" name=""/>
+        <dsp:cNvSpPr/>
+      </dsp:nvSpPr>
+      <dsp:spPr>
+        <a:xfrm>
+          <a:off x="10827320" y="834404"/>
+          <a:ext cx="1090166" cy="545083"/>
+        </a:xfrm>
+        <a:prstGeom prst="rect">
+          <a:avLst/>
+        </a:prstGeom>
+        <a:solidFill>
+          <a:schemeClr val="accent1">
+            <a:hueOff val="0"/>
+            <a:satOff val="0"/>
+            <a:lumOff val="0"/>
+            <a:alphaOff val="0"/>
+          </a:schemeClr>
+        </a:solidFill>
+        <a:ln w="12700" cap="flat" cmpd="sng" algn="ctr">
+          <a:solidFill>
+            <a:schemeClr val="lt1">
+              <a:hueOff val="0"/>
+              <a:satOff val="0"/>
+              <a:lumOff val="0"/>
+              <a:alphaOff val="0"/>
+            </a:schemeClr>
+          </a:solidFill>
+          <a:prstDash val="solid"/>
+          <a:miter lim="800000"/>
+        </a:ln>
+        <a:effectLst/>
+      </dsp:spPr>
+      <dsp:style>
+        <a:lnRef idx="2">
+          <a:scrgbClr r="0" g="0" b="0"/>
+        </a:lnRef>
+        <a:fillRef idx="1">
+          <a:scrgbClr r="0" g="0" b="0"/>
+        </a:fillRef>
+        <a:effectRef idx="0">
+          <a:scrgbClr r="0" g="0" b="0"/>
+        </a:effectRef>
+        <a:fontRef idx="minor">
+          <a:schemeClr val="lt1"/>
+        </a:fontRef>
+      </dsp:style>
+      <dsp:txBody>
+        <a:bodyPr spcFirstLastPara="0" vert="horz" wrap="square" lIns="3810" tIns="3810" rIns="3810" bIns="3810" numCol="1" spcCol="1270" anchor="ctr" anchorCtr="0">
+          <a:noAutofit/>
+        </a:bodyPr>
+        <a:lstStyle/>
+        <a:p>
+          <a:pPr marL="0" lvl="0" indent="0" algn="ctr" defTabSz="266700">
+            <a:lnSpc>
+              <a:spcPct val="90000"/>
+            </a:lnSpc>
+            <a:spcBef>
+              <a:spcPct val="0"/>
+            </a:spcBef>
+            <a:spcAft>
+              <a:spcPct val="35000"/>
+            </a:spcAft>
+            <a:buNone/>
+          </a:pPr>
+          <a:r>
+            <a:rPr lang="en-PH" sz="600" i="0" u="none" kern="1200" dirty="0"/>
+            <a:t>NONE: /debug</a:t>
+          </a:r>
+        </a:p>
+      </dsp:txBody>
+      <dsp:txXfrm>
+        <a:off x="10827320" y="834404"/>
+        <a:ext cx="1090166" cy="545083"/>
+      </dsp:txXfrm>
+    </dsp:sp>
+    <dsp:sp modelId="{0AF6AD1F-90E4-467B-9024-E8CEF427C8C5}">
+      <dsp:nvSpPr>
+        <dsp:cNvPr id="0" name=""/>
+        <dsp:cNvSpPr/>
+      </dsp:nvSpPr>
+      <dsp:spPr>
+        <a:xfrm>
+          <a:off x="11099862" y="1608422"/>
+          <a:ext cx="1090166" cy="545083"/>
+        </a:xfrm>
+        <a:prstGeom prst="rect">
+          <a:avLst/>
+        </a:prstGeom>
+        <a:solidFill>
+          <a:schemeClr val="accent1">
+            <a:hueOff val="0"/>
+            <a:satOff val="0"/>
+            <a:lumOff val="0"/>
+            <a:alphaOff val="0"/>
+          </a:schemeClr>
+        </a:solidFill>
+        <a:ln w="12700" cap="flat" cmpd="sng" algn="ctr">
+          <a:solidFill>
+            <a:schemeClr val="lt1">
+              <a:hueOff val="0"/>
+              <a:satOff val="0"/>
+              <a:lumOff val="0"/>
+              <a:alphaOff val="0"/>
+            </a:schemeClr>
+          </a:solidFill>
+          <a:prstDash val="solid"/>
+          <a:miter lim="800000"/>
+        </a:ln>
+        <a:effectLst/>
+      </dsp:spPr>
+      <dsp:style>
+        <a:lnRef idx="2">
+          <a:scrgbClr r="0" g="0" b="0"/>
+        </a:lnRef>
+        <a:fillRef idx="1">
+          <a:scrgbClr r="0" g="0" b="0"/>
+        </a:fillRef>
+        <a:effectRef idx="0">
+          <a:scrgbClr r="0" g="0" b="0"/>
+        </a:effectRef>
+        <a:fontRef idx="minor">
+          <a:schemeClr val="lt1"/>
+        </a:fontRef>
+      </dsp:style>
+      <dsp:txBody>
+        <a:bodyPr spcFirstLastPara="0" vert="horz" wrap="square" lIns="3810" tIns="3810" rIns="3810" bIns="3810" numCol="1" spcCol="1270" anchor="ctr" anchorCtr="0">
+          <a:noAutofit/>
+        </a:bodyPr>
+        <a:lstStyle/>
+        <a:p>
+          <a:pPr marL="0" lvl="0" indent="0" algn="ctr" defTabSz="266700">
+            <a:lnSpc>
+              <a:spcPct val="90000"/>
+            </a:lnSpc>
+            <a:spcBef>
+              <a:spcPct val="0"/>
+            </a:spcBef>
+            <a:spcAft>
+              <a:spcPct val="35000"/>
+            </a:spcAft>
+            <a:buNone/>
+          </a:pPr>
+          <a:r>
+            <a:rPr lang="en-PH" sz="600" b="0" kern="1200" dirty="0"/>
+            <a:t>GET: /debug/home</a:t>
+          </a:r>
+          <a:endParaRPr lang="en-PH" sz="600" i="0" u="none" kern="1200" dirty="0"/>
+        </a:p>
+      </dsp:txBody>
+      <dsp:txXfrm>
+        <a:off x="11099862" y="1608422"/>
+        <a:ext cx="1090166" cy="545083"/>
+      </dsp:txXfrm>
+    </dsp:sp>
+    <dsp:sp modelId="{686C69EA-C904-4E3D-9B40-533D92B8E82F}">
+      <dsp:nvSpPr>
+        <dsp:cNvPr id="0" name=""/>
+        <dsp:cNvSpPr/>
+      </dsp:nvSpPr>
+      <dsp:spPr>
+        <a:xfrm>
+          <a:off x="11099862" y="2382440"/>
+          <a:ext cx="1090166" cy="545083"/>
+        </a:xfrm>
+        <a:prstGeom prst="rect">
+          <a:avLst/>
+        </a:prstGeom>
+        <a:solidFill>
+          <a:schemeClr val="accent1">
+            <a:hueOff val="0"/>
+            <a:satOff val="0"/>
+            <a:lumOff val="0"/>
+            <a:alphaOff val="0"/>
+          </a:schemeClr>
+        </a:solidFill>
+        <a:ln w="12700" cap="flat" cmpd="sng" algn="ctr">
+          <a:solidFill>
+            <a:schemeClr val="lt1">
+              <a:hueOff val="0"/>
+              <a:satOff val="0"/>
+              <a:lumOff val="0"/>
+              <a:alphaOff val="0"/>
+            </a:schemeClr>
+          </a:solidFill>
+          <a:prstDash val="solid"/>
+          <a:miter lim="800000"/>
+        </a:ln>
+        <a:effectLst/>
+      </dsp:spPr>
+      <dsp:style>
+        <a:lnRef idx="2">
+          <a:scrgbClr r="0" g="0" b="0"/>
+        </a:lnRef>
+        <a:fillRef idx="1">
+          <a:scrgbClr r="0" g="0" b="0"/>
+        </a:fillRef>
+        <a:effectRef idx="0">
+          <a:scrgbClr r="0" g="0" b="0"/>
+        </a:effectRef>
+        <a:fontRef idx="minor">
+          <a:schemeClr val="lt1"/>
+        </a:fontRef>
+      </dsp:style>
+      <dsp:txBody>
+        <a:bodyPr spcFirstLastPara="0" vert="horz" wrap="square" lIns="3810" tIns="3810" rIns="3810" bIns="3810" numCol="1" spcCol="1270" anchor="ctr" anchorCtr="0">
+          <a:noAutofit/>
+        </a:bodyPr>
+        <a:lstStyle/>
+        <a:p>
+          <a:pPr marL="0" lvl="0" indent="0" algn="ctr" defTabSz="266700">
+            <a:lnSpc>
+              <a:spcPct val="90000"/>
+            </a:lnSpc>
+            <a:spcBef>
+              <a:spcPct val="0"/>
+            </a:spcBef>
+            <a:spcAft>
+              <a:spcPct val="35000"/>
+            </a:spcAft>
+            <a:buNone/>
+          </a:pPr>
+          <a:r>
+            <a:rPr lang="en-PH" sz="600" i="0" u="none" kern="1200" dirty="0"/>
+            <a:t>GET: </a:t>
+          </a:r>
+          <a:r>
+            <a:rPr lang="en-PH" sz="600" b="0" kern="1200" dirty="0"/>
+            <a:t>/debug/profile</a:t>
+          </a:r>
+          <a:endParaRPr lang="en-PH" sz="600" i="0" u="none" kern="1200" dirty="0"/>
+        </a:p>
+      </dsp:txBody>
+      <dsp:txXfrm>
+        <a:off x="11099862" y="2382440"/>
+        <a:ext cx="1090166" cy="545083"/>
+      </dsp:txXfrm>
+    </dsp:sp>
+    <dsp:sp modelId="{AA709FDF-C364-4FE8-B052-54BEC06C781F}">
+      <dsp:nvSpPr>
+        <dsp:cNvPr id="0" name=""/>
+        <dsp:cNvSpPr/>
+      </dsp:nvSpPr>
+      <dsp:spPr>
+        <a:xfrm>
+          <a:off x="11099862" y="3156458"/>
+          <a:ext cx="1090166" cy="545083"/>
+        </a:xfrm>
+        <a:prstGeom prst="rect">
+          <a:avLst/>
+        </a:prstGeom>
+        <a:solidFill>
+          <a:schemeClr val="accent1">
+            <a:hueOff val="0"/>
+            <a:satOff val="0"/>
+            <a:lumOff val="0"/>
+            <a:alphaOff val="0"/>
+          </a:schemeClr>
+        </a:solidFill>
+        <a:ln w="12700" cap="flat" cmpd="sng" algn="ctr">
+          <a:solidFill>
+            <a:schemeClr val="lt1">
+              <a:hueOff val="0"/>
+              <a:satOff val="0"/>
+              <a:lumOff val="0"/>
+              <a:alphaOff val="0"/>
+            </a:schemeClr>
+          </a:solidFill>
+          <a:prstDash val="solid"/>
+          <a:miter lim="800000"/>
+        </a:ln>
+        <a:effectLst/>
+      </dsp:spPr>
+      <dsp:style>
+        <a:lnRef idx="2">
+          <a:scrgbClr r="0" g="0" b="0"/>
+        </a:lnRef>
+        <a:fillRef idx="1">
+          <a:scrgbClr r="0" g="0" b="0"/>
+        </a:fillRef>
+        <a:effectRef idx="0">
+          <a:scrgbClr r="0" g="0" b="0"/>
+        </a:effectRef>
+        <a:fontRef idx="minor">
+          <a:schemeClr val="lt1"/>
+        </a:fontRef>
+      </dsp:style>
+      <dsp:txBody>
+        <a:bodyPr spcFirstLastPara="0" vert="horz" wrap="square" lIns="3810" tIns="3810" rIns="3810" bIns="3810" numCol="1" spcCol="1270" anchor="ctr" anchorCtr="0">
+          <a:noAutofit/>
+        </a:bodyPr>
+        <a:lstStyle/>
+        <a:p>
+          <a:pPr marL="0" lvl="0" indent="0" algn="ctr" defTabSz="266700">
+            <a:lnSpc>
+              <a:spcPct val="90000"/>
+            </a:lnSpc>
+            <a:spcBef>
+              <a:spcPct val="0"/>
+            </a:spcBef>
+            <a:spcAft>
+              <a:spcPct val="35000"/>
+            </a:spcAft>
+            <a:buNone/>
+          </a:pPr>
+          <a:r>
+            <a:rPr lang="en-PH" sz="600" i="0" u="none" kern="1200" dirty="0"/>
+            <a:t>GET: </a:t>
+          </a:r>
+          <a:r>
+            <a:rPr lang="en-PH" sz="600" b="0" kern="1200" dirty="0"/>
+            <a:t>/debug/home/search/&lt;</a:t>
+          </a:r>
+          <a:r>
+            <a:rPr lang="en-PH" sz="600" b="0" kern="1200" dirty="0" err="1"/>
+            <a:t>searchVal</a:t>
+          </a:r>
+          <a:r>
+            <a:rPr lang="en-PH" sz="600" b="0" kern="1200" dirty="0"/>
+            <a:t>&gt;</a:t>
+          </a:r>
+          <a:endParaRPr lang="en-PH" sz="600" i="0" u="none" kern="1200" dirty="0"/>
+        </a:p>
+      </dsp:txBody>
+      <dsp:txXfrm>
+        <a:off x="11099862" y="3156458"/>
+        <a:ext cx="1090166" cy="545083"/>
+      </dsp:txXfrm>
+    </dsp:sp>
+    <dsp:sp modelId="{24C11AD3-B1F4-4741-BC85-7A806BA85E2B}">
+      <dsp:nvSpPr>
+        <dsp:cNvPr id="0" name=""/>
+        <dsp:cNvSpPr/>
+      </dsp:nvSpPr>
+      <dsp:spPr>
+        <a:xfrm>
+          <a:off x="11099862" y="3930476"/>
+          <a:ext cx="1090166" cy="545083"/>
+        </a:xfrm>
+        <a:prstGeom prst="rect">
+          <a:avLst/>
+        </a:prstGeom>
+        <a:solidFill>
+          <a:schemeClr val="accent1">
+            <a:hueOff val="0"/>
+            <a:satOff val="0"/>
+            <a:lumOff val="0"/>
+            <a:alphaOff val="0"/>
+          </a:schemeClr>
+        </a:solidFill>
+        <a:ln w="12700" cap="flat" cmpd="sng" algn="ctr">
+          <a:solidFill>
+            <a:schemeClr val="lt1">
+              <a:hueOff val="0"/>
+              <a:satOff val="0"/>
+              <a:lumOff val="0"/>
+              <a:alphaOff val="0"/>
+            </a:schemeClr>
+          </a:solidFill>
+          <a:prstDash val="solid"/>
+          <a:miter lim="800000"/>
+        </a:ln>
+        <a:effectLst/>
+      </dsp:spPr>
+      <dsp:style>
+        <a:lnRef idx="2">
+          <a:scrgbClr r="0" g="0" b="0"/>
+        </a:lnRef>
+        <a:fillRef idx="1">
+          <a:scrgbClr r="0" g="0" b="0"/>
+        </a:fillRef>
+        <a:effectRef idx="0">
+          <a:scrgbClr r="0" g="0" b="0"/>
+        </a:effectRef>
+        <a:fontRef idx="minor">
+          <a:schemeClr val="lt1"/>
+        </a:fontRef>
+      </dsp:style>
+      <dsp:txBody>
+        <a:bodyPr spcFirstLastPara="0" vert="horz" wrap="square" lIns="3810" tIns="3810" rIns="3810" bIns="3810" numCol="1" spcCol="1270" anchor="ctr" anchorCtr="0">
+          <a:noAutofit/>
+        </a:bodyPr>
+        <a:lstStyle/>
+        <a:p>
+          <a:pPr marL="0" lvl="0" indent="0" algn="ctr" defTabSz="266700">
+            <a:lnSpc>
+              <a:spcPct val="90000"/>
+            </a:lnSpc>
+            <a:spcBef>
+              <a:spcPct val="0"/>
+            </a:spcBef>
+            <a:spcAft>
+              <a:spcPct val="35000"/>
+            </a:spcAft>
+            <a:buNone/>
+          </a:pPr>
+          <a:r>
+            <a:rPr lang="en-PH" sz="600" b="0" kern="1200" dirty="0"/>
+            <a:t>GET: /debug/user/&lt;username&gt;</a:t>
+          </a:r>
+          <a:endParaRPr lang="en-PH" sz="600" i="0" u="none" kern="1200" dirty="0"/>
+        </a:p>
+      </dsp:txBody>
+      <dsp:txXfrm>
+        <a:off x="11099862" y="3930476"/>
+        <a:ext cx="1090166" cy="545083"/>
       </dsp:txXfrm>
     </dsp:sp>
   </dsp:spTree>
@@ -16041,12 +17176,12 @@
         <a:fontRef idx="minor"/>
       </dsp:style>
       <dsp:txBody>
-        <a:bodyPr spcFirstLastPara="0" vert="horz" wrap="square" lIns="167640" tIns="167640" rIns="167640" bIns="167640" numCol="1" spcCol="1270" anchor="t" anchorCtr="0">
+        <a:bodyPr spcFirstLastPara="0" vert="horz" wrap="square" lIns="186690" tIns="186690" rIns="186690" bIns="186690" numCol="1" spcCol="1270" anchor="t" anchorCtr="0">
           <a:noAutofit/>
         </a:bodyPr>
         <a:lstStyle/>
         <a:p>
-          <a:pPr marL="0" lvl="0" indent="0" algn="l" defTabSz="1955800">
+          <a:pPr marL="0" lvl="0" indent="0" algn="l" defTabSz="2178050">
             <a:lnSpc>
               <a:spcPct val="90000"/>
             </a:lnSpc>
@@ -16059,9 +17194,10 @@
             <a:buNone/>
           </a:pPr>
           <a:r>
-            <a:rPr lang="en-PH" sz="4400" kern="1200" dirty="0"/>
-            <a:t>Reports</a:t>
+            <a:rPr lang="en-PH" sz="4900" kern="1200"/>
+            <a:t>Report</a:t>
           </a:r>
+          <a:endParaRPr lang="en-PH" sz="4900" kern="1200" dirty="0"/>
         </a:p>
       </dsp:txBody>
       <dsp:txXfrm>
@@ -16076,8 +17212,8 @@
       </dsp:nvSpPr>
       <dsp:spPr>
         <a:xfrm>
-          <a:off x="2260854" y="90809"/>
-          <a:ext cx="8254746" cy="1816199"/>
+          <a:off x="2260854" y="68320"/>
+          <a:ext cx="8254746" cy="1366406"/>
         </a:xfrm>
         <a:prstGeom prst="rect">
           <a:avLst/>
@@ -16101,12 +17237,12 @@
         <a:fontRef idx="minor"/>
       </dsp:style>
       <dsp:txBody>
-        <a:bodyPr spcFirstLastPara="0" vert="horz" wrap="square" lIns="247650" tIns="247650" rIns="247650" bIns="247650" numCol="1" spcCol="1270" anchor="t" anchorCtr="0">
+        <a:bodyPr spcFirstLastPara="0" vert="horz" wrap="square" lIns="240030" tIns="240030" rIns="240030" bIns="240030" numCol="1" spcCol="1270" anchor="t" anchorCtr="0">
           <a:noAutofit/>
         </a:bodyPr>
         <a:lstStyle/>
         <a:p>
-          <a:pPr marL="0" lvl="0" indent="0" algn="l" defTabSz="2889250">
+          <a:pPr marL="0" lvl="0" indent="0" algn="l" defTabSz="2800350">
             <a:lnSpc>
               <a:spcPct val="90000"/>
             </a:lnSpc>
@@ -16119,15 +17255,15 @@
             <a:buNone/>
           </a:pPr>
           <a:r>
-            <a:rPr lang="en-PH" sz="6500" kern="1200" dirty="0" err="1"/>
+            <a:rPr lang="en-PH" sz="6300" kern="1200" dirty="0" err="1"/>
             <a:t>userId</a:t>
           </a:r>
-          <a:endParaRPr lang="en-PH" sz="6500" kern="1200" dirty="0"/>
+          <a:endParaRPr lang="en-PH" sz="6300" kern="1200" dirty="0"/>
         </a:p>
       </dsp:txBody>
       <dsp:txXfrm>
-        <a:off x="2260854" y="90809"/>
-        <a:ext cx="8254746" cy="1816199"/>
+        <a:off x="2260854" y="68320"/>
+        <a:ext cx="8254746" cy="1366406"/>
       </dsp:txXfrm>
     </dsp:sp>
     <dsp:sp modelId="{0FF34B0B-2E65-4520-92BB-4118F260C032}">
@@ -16137,7 +17273,7 @@
       </dsp:nvSpPr>
       <dsp:spPr>
         <a:xfrm>
-          <a:off x="2103120" y="1907009"/>
+          <a:off x="2103120" y="1434726"/>
           <a:ext cx="8412480" cy="0"/>
         </a:xfrm>
         <a:prstGeom prst="line">
@@ -16179,15 +17315,15 @@
         <a:fontRef idx="minor"/>
       </dsp:style>
     </dsp:sp>
-    <dsp:sp modelId="{347C6339-B231-447A-BCBE-4DD771E79BCD}">
+    <dsp:sp modelId="{B2F1244F-B55E-4A6E-A5FC-BBD6AB8DAA92}">
       <dsp:nvSpPr>
         <dsp:cNvPr id="0" name=""/>
         <dsp:cNvSpPr/>
       </dsp:nvSpPr>
       <dsp:spPr>
         <a:xfrm>
-          <a:off x="2260854" y="1997819"/>
-          <a:ext cx="8254746" cy="1816199"/>
+          <a:off x="2260854" y="1503046"/>
+          <a:ext cx="8254746" cy="1366406"/>
         </a:xfrm>
         <a:prstGeom prst="rect">
           <a:avLst/>
@@ -16211,12 +17347,12 @@
         <a:fontRef idx="minor"/>
       </dsp:style>
       <dsp:txBody>
-        <a:bodyPr spcFirstLastPara="0" vert="horz" wrap="square" lIns="247650" tIns="247650" rIns="247650" bIns="247650" numCol="1" spcCol="1270" anchor="t" anchorCtr="0">
+        <a:bodyPr spcFirstLastPara="0" vert="horz" wrap="square" lIns="240030" tIns="240030" rIns="240030" bIns="240030" numCol="1" spcCol="1270" anchor="t" anchorCtr="0">
           <a:noAutofit/>
         </a:bodyPr>
         <a:lstStyle/>
         <a:p>
-          <a:pPr marL="0" lvl="0" indent="0" algn="l" defTabSz="2889250">
+          <a:pPr marL="0" lvl="0" indent="0" algn="l" defTabSz="2800350">
             <a:lnSpc>
               <a:spcPct val="90000"/>
             </a:lnSpc>
@@ -16229,25 +17365,25 @@
             <a:buNone/>
           </a:pPr>
           <a:r>
-            <a:rPr lang="en-PH" sz="6500" kern="1200" dirty="0" err="1"/>
-            <a:t>postHash</a:t>
+            <a:rPr lang="en-PH" sz="6300" kern="1200" dirty="0" err="1"/>
+            <a:t>postOwnerId</a:t>
           </a:r>
-          <a:endParaRPr lang="en-PH" sz="6500" kern="1200" dirty="0"/>
+          <a:endParaRPr lang="en-PH" sz="6300" kern="1200" dirty="0"/>
         </a:p>
       </dsp:txBody>
       <dsp:txXfrm>
-        <a:off x="2260854" y="1997819"/>
-        <a:ext cx="8254746" cy="1816199"/>
+        <a:off x="2260854" y="1503046"/>
+        <a:ext cx="8254746" cy="1366406"/>
       </dsp:txXfrm>
     </dsp:sp>
-    <dsp:sp modelId="{38233778-9C02-4BB2-AB72-F25A0E5E82CE}">
+    <dsp:sp modelId="{0937496B-FE89-4C5B-B22E-762B4D038158}">
       <dsp:nvSpPr>
         <dsp:cNvPr id="0" name=""/>
         <dsp:cNvSpPr/>
       </dsp:nvSpPr>
       <dsp:spPr>
         <a:xfrm>
-          <a:off x="2103120" y="3814018"/>
+          <a:off x="2103120" y="2869453"/>
           <a:ext cx="8412480" cy="0"/>
         </a:xfrm>
         <a:prstGeom prst="line">
@@ -16289,15 +17425,15 @@
         <a:fontRef idx="minor"/>
       </dsp:style>
     </dsp:sp>
-    <dsp:sp modelId="{1A7DDCE1-AE9D-4BF5-86FE-BF88F167DF4B}">
+    <dsp:sp modelId="{347C6339-B231-447A-BCBE-4DD771E79BCD}">
       <dsp:nvSpPr>
         <dsp:cNvPr id="0" name=""/>
         <dsp:cNvSpPr/>
       </dsp:nvSpPr>
       <dsp:spPr>
         <a:xfrm>
-          <a:off x="2260854" y="3904828"/>
-          <a:ext cx="8254746" cy="1816199"/>
+          <a:off x="2260854" y="2937773"/>
+          <a:ext cx="8254746" cy="1366406"/>
         </a:xfrm>
         <a:prstGeom prst="rect">
           <a:avLst/>
@@ -16321,12 +17457,12 @@
         <a:fontRef idx="minor"/>
       </dsp:style>
       <dsp:txBody>
-        <a:bodyPr spcFirstLastPara="0" vert="horz" wrap="square" lIns="247650" tIns="247650" rIns="247650" bIns="247650" numCol="1" spcCol="1270" anchor="t" anchorCtr="0">
+        <a:bodyPr spcFirstLastPara="0" vert="horz" wrap="square" lIns="240030" tIns="240030" rIns="240030" bIns="240030" numCol="1" spcCol="1270" anchor="t" anchorCtr="0">
           <a:noAutofit/>
         </a:bodyPr>
         <a:lstStyle/>
         <a:p>
-          <a:pPr marL="0" lvl="0" indent="0" algn="l" defTabSz="2889250">
+          <a:pPr marL="0" lvl="0" indent="0" algn="l" defTabSz="2800350">
             <a:lnSpc>
               <a:spcPct val="90000"/>
             </a:lnSpc>
@@ -16339,14 +17475,124 @@
             <a:buNone/>
           </a:pPr>
           <a:r>
-            <a:rPr lang="en-PH" sz="6500" kern="1200" dirty="0"/>
+            <a:rPr lang="en-PH" sz="6300" kern="1200" dirty="0" err="1"/>
+            <a:t>postHash</a:t>
+          </a:r>
+          <a:endParaRPr lang="en-PH" sz="6300" kern="1200" dirty="0"/>
+        </a:p>
+      </dsp:txBody>
+      <dsp:txXfrm>
+        <a:off x="2260854" y="2937773"/>
+        <a:ext cx="8254746" cy="1366406"/>
+      </dsp:txXfrm>
+    </dsp:sp>
+    <dsp:sp modelId="{38233778-9C02-4BB2-AB72-F25A0E5E82CE}">
+      <dsp:nvSpPr>
+        <dsp:cNvPr id="0" name=""/>
+        <dsp:cNvSpPr/>
+      </dsp:nvSpPr>
+      <dsp:spPr>
+        <a:xfrm>
+          <a:off x="2103120" y="4304179"/>
+          <a:ext cx="8412480" cy="0"/>
+        </a:xfrm>
+        <a:prstGeom prst="line">
+          <a:avLst/>
+        </a:prstGeom>
+        <a:solidFill>
+          <a:schemeClr val="accent1">
+            <a:hueOff val="0"/>
+            <a:satOff val="0"/>
+            <a:lumOff val="0"/>
+            <a:alphaOff val="0"/>
+          </a:schemeClr>
+        </a:solidFill>
+        <a:ln w="12700" cap="flat" cmpd="sng" algn="ctr">
+          <a:solidFill>
+            <a:schemeClr val="accent1">
+              <a:tint val="50000"/>
+              <a:hueOff val="0"/>
+              <a:satOff val="0"/>
+              <a:lumOff val="0"/>
+              <a:alphaOff val="0"/>
+            </a:schemeClr>
+          </a:solidFill>
+          <a:prstDash val="solid"/>
+          <a:miter lim="800000"/>
+        </a:ln>
+        <a:effectLst/>
+      </dsp:spPr>
+      <dsp:style>
+        <a:lnRef idx="2">
+          <a:scrgbClr r="0" g="0" b="0"/>
+        </a:lnRef>
+        <a:fillRef idx="1">
+          <a:scrgbClr r="0" g="0" b="0"/>
+        </a:fillRef>
+        <a:effectRef idx="0">
+          <a:scrgbClr r="0" g="0" b="0"/>
+        </a:effectRef>
+        <a:fontRef idx="minor"/>
+      </dsp:style>
+    </dsp:sp>
+    <dsp:sp modelId="{1A7DDCE1-AE9D-4BF5-86FE-BF88F167DF4B}">
+      <dsp:nvSpPr>
+        <dsp:cNvPr id="0" name=""/>
+        <dsp:cNvSpPr/>
+      </dsp:nvSpPr>
+      <dsp:spPr>
+        <a:xfrm>
+          <a:off x="2260854" y="4372499"/>
+          <a:ext cx="8254746" cy="1366406"/>
+        </a:xfrm>
+        <a:prstGeom prst="rect">
+          <a:avLst/>
+        </a:prstGeom>
+        <a:noFill/>
+        <a:ln>
+          <a:noFill/>
+        </a:ln>
+        <a:effectLst/>
+      </dsp:spPr>
+      <dsp:style>
+        <a:lnRef idx="0">
+          <a:scrgbClr r="0" g="0" b="0"/>
+        </a:lnRef>
+        <a:fillRef idx="0">
+          <a:scrgbClr r="0" g="0" b="0"/>
+        </a:fillRef>
+        <a:effectRef idx="0">
+          <a:scrgbClr r="0" g="0" b="0"/>
+        </a:effectRef>
+        <a:fontRef idx="minor"/>
+      </dsp:style>
+      <dsp:txBody>
+        <a:bodyPr spcFirstLastPara="0" vert="horz" wrap="square" lIns="240030" tIns="240030" rIns="240030" bIns="240030" numCol="1" spcCol="1270" anchor="t" anchorCtr="0">
+          <a:noAutofit/>
+        </a:bodyPr>
+        <a:lstStyle/>
+        <a:p>
+          <a:pPr marL="0" lvl="0" indent="0" algn="l" defTabSz="2800350">
+            <a:lnSpc>
+              <a:spcPct val="90000"/>
+            </a:lnSpc>
+            <a:spcBef>
+              <a:spcPct val="0"/>
+            </a:spcBef>
+            <a:spcAft>
+              <a:spcPct val="35000"/>
+            </a:spcAft>
+            <a:buNone/>
+          </a:pPr>
+          <a:r>
+            <a:rPr lang="en-PH" sz="6300" kern="1200" dirty="0"/>
             <a:t>datetime</a:t>
           </a:r>
         </a:p>
       </dsp:txBody>
       <dsp:txXfrm>
-        <a:off x="2260854" y="3904828"/>
-        <a:ext cx="8254746" cy="1816199"/>
+        <a:off x="2260854" y="4372499"/>
+        <a:ext cx="8254746" cy="1366406"/>
       </dsp:txXfrm>
     </dsp:sp>
     <dsp:sp modelId="{96804172-8889-4561-9A0F-ED6AD8558439}">
@@ -16356,7 +17602,7 @@
       </dsp:nvSpPr>
       <dsp:spPr>
         <a:xfrm>
-          <a:off x="2103120" y="5721028"/>
+          <a:off x="2103120" y="5738906"/>
           <a:ext cx="8412480" cy="0"/>
         </a:xfrm>
         <a:prstGeom prst="line">
@@ -29602,7 +30848,7 @@
             <p:ph idx="1"/>
             <p:extLst>
               <p:ext uri="{D42A27DB-BD31-4B8C-83A1-F6EECF244321}">
-                <p14:modId xmlns:p14="http://schemas.microsoft.com/office/powerpoint/2010/main" val="2002842890"/>
+                <p14:modId xmlns:p14="http://schemas.microsoft.com/office/powerpoint/2010/main" val="4031078685"/>
               </p:ext>
             </p:extLst>
           </p:nvPr>
@@ -29991,7 +31237,7 @@
             <p:ph idx="1"/>
             <p:extLst>
               <p:ext uri="{D42A27DB-BD31-4B8C-83A1-F6EECF244321}">
-                <p14:modId xmlns:p14="http://schemas.microsoft.com/office/powerpoint/2010/main" val="274332087"/>
+                <p14:modId xmlns:p14="http://schemas.microsoft.com/office/powerpoint/2010/main" val="1992678768"/>
               </p:ext>
             </p:extLst>
           </p:nvPr>
